--- a/pre-made-ppt/Come As You Are - David Crowder.pptx
+++ b/pre-made-ppt/Come As You Are - David Crowder.pptx
@@ -2,18 +2,19 @@
 <file path=ppt/presentation.xml><?xml version="1.0" encoding="utf-8"?>
 <p:presentation xmlns:a="http://schemas.openxmlformats.org/drawingml/2006/main" xmlns:r="http://schemas.openxmlformats.org/officeDocument/2006/relationships" xmlns:p="http://schemas.openxmlformats.org/presentationml/2006/main" saveSubsetFonts="1" autoCompressPictures="0">
   <p:sldMasterIdLst>
-    <p:sldMasterId id="2147483648" r:id="rId1"/>
+    <p:sldMasterId id="2147483684" r:id="rId1"/>
+    <p:sldMasterId id="2147483696" r:id="rId2"/>
   </p:sldMasterIdLst>
   <p:sldIdLst>
-    <p:sldId id="256" r:id="rId2"/>
-    <p:sldId id="257" r:id="rId3"/>
-    <p:sldId id="262" r:id="rId4"/>
+    <p:sldId id="256" r:id="rId3"/>
+    <p:sldId id="257" r:id="rId4"/>
     <p:sldId id="258" r:id="rId5"/>
-    <p:sldId id="263" r:id="rId6"/>
-    <p:sldId id="259" r:id="rId7"/>
-    <p:sldId id="264" r:id="rId8"/>
-    <p:sldId id="260" r:id="rId9"/>
-    <p:sldId id="261" r:id="rId10"/>
+    <p:sldId id="259" r:id="rId6"/>
+    <p:sldId id="260" r:id="rId7"/>
+    <p:sldId id="261" r:id="rId8"/>
+    <p:sldId id="262" r:id="rId9"/>
+    <p:sldId id="263" r:id="rId10"/>
+    <p:sldId id="264" r:id="rId11"/>
   </p:sldIdLst>
   <p:sldSz cx="9144000" cy="6858000" type="screen4x3"/>
   <p:notesSz cx="6858000" cy="9144000"/>
@@ -295,10 +296,23 @@
           <a:lstStyle/>
           <a:p>
             <a:fld id="{5BCAD085-E8A6-8845-BD4E-CB4CCA059FC4}" type="datetimeFigureOut">
-              <a:rPr lang="en-US" smtClean="0"/>
-              <a:t>9/7/2019</a:t>
+              <a:rPr lang="en-US" smtClean="0">
+                <a:solidFill>
+                  <a:prstClr val="black">
+                    <a:tint val="75000"/>
+                  </a:prstClr>
+                </a:solidFill>
+              </a:rPr>
+              <a:pPr/>
+              <a:t>10/26/2019</a:t>
             </a:fld>
-            <a:endParaRPr lang="en-US"/>
+            <a:endParaRPr lang="en-US">
+              <a:solidFill>
+                <a:prstClr val="black">
+                  <a:tint val="75000"/>
+                </a:prstClr>
+              </a:solidFill>
+            </a:endParaRPr>
           </a:p>
         </p:txBody>
       </p:sp>
@@ -317,7 +331,13 @@
           <a:bodyPr/>
           <a:lstStyle/>
           <a:p>
-            <a:endParaRPr lang="en-US"/>
+            <a:endParaRPr lang="en-US">
+              <a:solidFill>
+                <a:prstClr val="black">
+                  <a:tint val="75000"/>
+                </a:prstClr>
+              </a:solidFill>
+            </a:endParaRPr>
           </a:p>
         </p:txBody>
       </p:sp>
@@ -337,17 +357,30 @@
           <a:lstStyle/>
           <a:p>
             <a:fld id="{C1FF6DA9-008F-8B48-92A6-B652298478BF}" type="slidenum">
-              <a:rPr lang="en-US" smtClean="0"/>
+              <a:rPr lang="en-US" smtClean="0">
+                <a:solidFill>
+                  <a:prstClr val="black">
+                    <a:tint val="75000"/>
+                  </a:prstClr>
+                </a:solidFill>
+              </a:rPr>
+              <a:pPr/>
               <a:t>‹#›</a:t>
             </a:fld>
-            <a:endParaRPr lang="en-US"/>
+            <a:endParaRPr lang="en-US">
+              <a:solidFill>
+                <a:prstClr val="black">
+                  <a:tint val="75000"/>
+                </a:prstClr>
+              </a:solidFill>
+            </a:endParaRPr>
           </a:p>
         </p:txBody>
       </p:sp>
     </p:spTree>
     <p:extLst>
       <p:ext uri="{BB962C8B-B14F-4D97-AF65-F5344CB8AC3E}">
-        <p14:creationId xmlns:p14="http://schemas.microsoft.com/office/powerpoint/2010/main" val="3168075583"/>
+        <p14:creationId xmlns:p14="http://schemas.microsoft.com/office/powerpoint/2010/main" val="2508009579"/>
       </p:ext>
     </p:extLst>
   </p:cSld>
@@ -465,10 +498,23 @@
           <a:lstStyle/>
           <a:p>
             <a:fld id="{5BCAD085-E8A6-8845-BD4E-CB4CCA059FC4}" type="datetimeFigureOut">
-              <a:rPr lang="en-US" smtClean="0"/>
-              <a:t>9/7/2019</a:t>
+              <a:rPr lang="en-US" smtClean="0">
+                <a:solidFill>
+                  <a:prstClr val="black">
+                    <a:tint val="75000"/>
+                  </a:prstClr>
+                </a:solidFill>
+              </a:rPr>
+              <a:pPr/>
+              <a:t>10/26/2019</a:t>
             </a:fld>
-            <a:endParaRPr lang="en-US"/>
+            <a:endParaRPr lang="en-US">
+              <a:solidFill>
+                <a:prstClr val="black">
+                  <a:tint val="75000"/>
+                </a:prstClr>
+              </a:solidFill>
+            </a:endParaRPr>
           </a:p>
         </p:txBody>
       </p:sp>
@@ -487,7 +533,13 @@
           <a:bodyPr/>
           <a:lstStyle/>
           <a:p>
-            <a:endParaRPr lang="en-US"/>
+            <a:endParaRPr lang="en-US">
+              <a:solidFill>
+                <a:prstClr val="black">
+                  <a:tint val="75000"/>
+                </a:prstClr>
+              </a:solidFill>
+            </a:endParaRPr>
           </a:p>
         </p:txBody>
       </p:sp>
@@ -507,17 +559,30 @@
           <a:lstStyle/>
           <a:p>
             <a:fld id="{C1FF6DA9-008F-8B48-92A6-B652298478BF}" type="slidenum">
-              <a:rPr lang="en-US" smtClean="0"/>
+              <a:rPr lang="en-US" smtClean="0">
+                <a:solidFill>
+                  <a:prstClr val="black">
+                    <a:tint val="75000"/>
+                  </a:prstClr>
+                </a:solidFill>
+              </a:rPr>
+              <a:pPr/>
               <a:t>‹#›</a:t>
             </a:fld>
-            <a:endParaRPr lang="en-US"/>
+            <a:endParaRPr lang="en-US">
+              <a:solidFill>
+                <a:prstClr val="black">
+                  <a:tint val="75000"/>
+                </a:prstClr>
+              </a:solidFill>
+            </a:endParaRPr>
           </a:p>
         </p:txBody>
       </p:sp>
     </p:spTree>
     <p:extLst>
       <p:ext uri="{BB962C8B-B14F-4D97-AF65-F5344CB8AC3E}">
-        <p14:creationId xmlns:p14="http://schemas.microsoft.com/office/powerpoint/2010/main" val="2910927964"/>
+        <p14:creationId xmlns:p14="http://schemas.microsoft.com/office/powerpoint/2010/main" val="2430601522"/>
       </p:ext>
     </p:extLst>
   </p:cSld>
@@ -645,10 +710,23 @@
           <a:lstStyle/>
           <a:p>
             <a:fld id="{5BCAD085-E8A6-8845-BD4E-CB4CCA059FC4}" type="datetimeFigureOut">
-              <a:rPr lang="en-US" smtClean="0"/>
-              <a:t>9/7/2019</a:t>
+              <a:rPr lang="en-US" smtClean="0">
+                <a:solidFill>
+                  <a:prstClr val="black">
+                    <a:tint val="75000"/>
+                  </a:prstClr>
+                </a:solidFill>
+              </a:rPr>
+              <a:pPr/>
+              <a:t>10/26/2019</a:t>
             </a:fld>
-            <a:endParaRPr lang="en-US"/>
+            <a:endParaRPr lang="en-US">
+              <a:solidFill>
+                <a:prstClr val="black">
+                  <a:tint val="75000"/>
+                </a:prstClr>
+              </a:solidFill>
+            </a:endParaRPr>
           </a:p>
         </p:txBody>
       </p:sp>
@@ -667,7 +745,13 @@
           <a:bodyPr/>
           <a:lstStyle/>
           <a:p>
-            <a:endParaRPr lang="en-US"/>
+            <a:endParaRPr lang="en-US">
+              <a:solidFill>
+                <a:prstClr val="black">
+                  <a:tint val="75000"/>
+                </a:prstClr>
+              </a:solidFill>
+            </a:endParaRPr>
           </a:p>
         </p:txBody>
       </p:sp>
@@ -687,17 +771,30 @@
           <a:lstStyle/>
           <a:p>
             <a:fld id="{C1FF6DA9-008F-8B48-92A6-B652298478BF}" type="slidenum">
-              <a:rPr lang="en-US" smtClean="0"/>
+              <a:rPr lang="en-US" smtClean="0">
+                <a:solidFill>
+                  <a:prstClr val="black">
+                    <a:tint val="75000"/>
+                  </a:prstClr>
+                </a:solidFill>
+              </a:rPr>
+              <a:pPr/>
               <a:t>‹#›</a:t>
             </a:fld>
-            <a:endParaRPr lang="en-US"/>
+            <a:endParaRPr lang="en-US">
+              <a:solidFill>
+                <a:prstClr val="black">
+                  <a:tint val="75000"/>
+                </a:prstClr>
+              </a:solidFill>
+            </a:endParaRPr>
           </a:p>
         </p:txBody>
       </p:sp>
     </p:spTree>
     <p:extLst>
       <p:ext uri="{BB962C8B-B14F-4D97-AF65-F5344CB8AC3E}">
-        <p14:creationId xmlns:p14="http://schemas.microsoft.com/office/powerpoint/2010/main" val="3612223792"/>
+        <p14:creationId xmlns:p14="http://schemas.microsoft.com/office/powerpoint/2010/main" val="1346444311"/>
       </p:ext>
     </p:extLst>
   </p:cSld>
@@ -707,7 +804,281 @@
 </p:sldLayout>
 </file>
 
-<file path=ppt/slideLayouts/slideLayout2.xml><?xml version="1.0" encoding="utf-8"?>
+<file path=ppt/slideLayouts/slideLayout12.xml><?xml version="1.0" encoding="utf-8"?>
+<p:sldLayout xmlns:a="http://schemas.openxmlformats.org/drawingml/2006/main" xmlns:r="http://schemas.openxmlformats.org/officeDocument/2006/relationships" xmlns:p="http://schemas.openxmlformats.org/presentationml/2006/main" type="title" preserve="1">
+  <p:cSld name="Title Slide">
+    <p:spTree>
+      <p:nvGrpSpPr>
+        <p:cNvPr id="1" name=""/>
+        <p:cNvGrpSpPr/>
+        <p:nvPr/>
+      </p:nvGrpSpPr>
+      <p:grpSpPr>
+        <a:xfrm>
+          <a:off x="0" y="0"/>
+          <a:ext cx="0" cy="0"/>
+          <a:chOff x="0" y="0"/>
+          <a:chExt cx="0" cy="0"/>
+        </a:xfrm>
+      </p:grpSpPr>
+      <p:sp>
+        <p:nvSpPr>
+          <p:cNvPr id="2" name="Title 1"/>
+          <p:cNvSpPr>
+            <a:spLocks noGrp="1"/>
+          </p:cNvSpPr>
+          <p:nvPr>
+            <p:ph type="ctrTitle"/>
+          </p:nvPr>
+        </p:nvSpPr>
+        <p:spPr>
+          <a:xfrm>
+            <a:off x="685800" y="2130425"/>
+            <a:ext cx="7772400" cy="1470025"/>
+          </a:xfrm>
+        </p:spPr>
+        <p:txBody>
+          <a:bodyPr/>
+          <a:lstStyle/>
+          <a:p>
+            <a:r>
+              <a:rPr lang="en-US" smtClean="0"/>
+              <a:t>Click to edit Master title style</a:t>
+            </a:r>
+            <a:endParaRPr lang="en-US"/>
+          </a:p>
+        </p:txBody>
+      </p:sp>
+      <p:sp>
+        <p:nvSpPr>
+          <p:cNvPr id="3" name="Subtitle 2"/>
+          <p:cNvSpPr>
+            <a:spLocks noGrp="1"/>
+          </p:cNvSpPr>
+          <p:nvPr>
+            <p:ph type="subTitle" idx="1"/>
+          </p:nvPr>
+        </p:nvSpPr>
+        <p:spPr>
+          <a:xfrm>
+            <a:off x="1371600" y="3886200"/>
+            <a:ext cx="6400800" cy="1752600"/>
+          </a:xfrm>
+        </p:spPr>
+        <p:txBody>
+          <a:bodyPr/>
+          <a:lstStyle>
+            <a:lvl1pPr marL="0" indent="0" algn="ctr">
+              <a:buNone/>
+              <a:defRPr>
+                <a:solidFill>
+                  <a:schemeClr val="tx1">
+                    <a:tint val="75000"/>
+                  </a:schemeClr>
+                </a:solidFill>
+              </a:defRPr>
+            </a:lvl1pPr>
+            <a:lvl2pPr marL="457200" indent="0" algn="ctr">
+              <a:buNone/>
+              <a:defRPr>
+                <a:solidFill>
+                  <a:schemeClr val="tx1">
+                    <a:tint val="75000"/>
+                  </a:schemeClr>
+                </a:solidFill>
+              </a:defRPr>
+            </a:lvl2pPr>
+            <a:lvl3pPr marL="914400" indent="0" algn="ctr">
+              <a:buNone/>
+              <a:defRPr>
+                <a:solidFill>
+                  <a:schemeClr val="tx1">
+                    <a:tint val="75000"/>
+                  </a:schemeClr>
+                </a:solidFill>
+              </a:defRPr>
+            </a:lvl3pPr>
+            <a:lvl4pPr marL="1371600" indent="0" algn="ctr">
+              <a:buNone/>
+              <a:defRPr>
+                <a:solidFill>
+                  <a:schemeClr val="tx1">
+                    <a:tint val="75000"/>
+                  </a:schemeClr>
+                </a:solidFill>
+              </a:defRPr>
+            </a:lvl4pPr>
+            <a:lvl5pPr marL="1828800" indent="0" algn="ctr">
+              <a:buNone/>
+              <a:defRPr>
+                <a:solidFill>
+                  <a:schemeClr val="tx1">
+                    <a:tint val="75000"/>
+                  </a:schemeClr>
+                </a:solidFill>
+              </a:defRPr>
+            </a:lvl5pPr>
+            <a:lvl6pPr marL="2286000" indent="0" algn="ctr">
+              <a:buNone/>
+              <a:defRPr>
+                <a:solidFill>
+                  <a:schemeClr val="tx1">
+                    <a:tint val="75000"/>
+                  </a:schemeClr>
+                </a:solidFill>
+              </a:defRPr>
+            </a:lvl6pPr>
+            <a:lvl7pPr marL="2743200" indent="0" algn="ctr">
+              <a:buNone/>
+              <a:defRPr>
+                <a:solidFill>
+                  <a:schemeClr val="tx1">
+                    <a:tint val="75000"/>
+                  </a:schemeClr>
+                </a:solidFill>
+              </a:defRPr>
+            </a:lvl7pPr>
+            <a:lvl8pPr marL="3200400" indent="0" algn="ctr">
+              <a:buNone/>
+              <a:defRPr>
+                <a:solidFill>
+                  <a:schemeClr val="tx1">
+                    <a:tint val="75000"/>
+                  </a:schemeClr>
+                </a:solidFill>
+              </a:defRPr>
+            </a:lvl8pPr>
+            <a:lvl9pPr marL="3657600" indent="0" algn="ctr">
+              <a:buNone/>
+              <a:defRPr>
+                <a:solidFill>
+                  <a:schemeClr val="tx1">
+                    <a:tint val="75000"/>
+                  </a:schemeClr>
+                </a:solidFill>
+              </a:defRPr>
+            </a:lvl9pPr>
+          </a:lstStyle>
+          <a:p>
+            <a:r>
+              <a:rPr lang="en-US" smtClean="0"/>
+              <a:t>Click to edit Master subtitle style</a:t>
+            </a:r>
+            <a:endParaRPr lang="en-US"/>
+          </a:p>
+        </p:txBody>
+      </p:sp>
+      <p:sp>
+        <p:nvSpPr>
+          <p:cNvPr id="4" name="Date Placeholder 3"/>
+          <p:cNvSpPr>
+            <a:spLocks noGrp="1"/>
+          </p:cNvSpPr>
+          <p:nvPr>
+            <p:ph type="dt" sz="half" idx="10"/>
+          </p:nvPr>
+        </p:nvSpPr>
+        <p:spPr/>
+        <p:txBody>
+          <a:bodyPr/>
+          <a:lstStyle/>
+          <a:p>
+            <a:fld id="{5BCAD085-E8A6-8845-BD4E-CB4CCA059FC4}" type="datetimeFigureOut">
+              <a:rPr lang="en-US" smtClean="0">
+                <a:solidFill>
+                  <a:prstClr val="black">
+                    <a:tint val="75000"/>
+                  </a:prstClr>
+                </a:solidFill>
+              </a:rPr>
+              <a:pPr/>
+              <a:t>10/26/2019</a:t>
+            </a:fld>
+            <a:endParaRPr lang="en-US">
+              <a:solidFill>
+                <a:prstClr val="black">
+                  <a:tint val="75000"/>
+                </a:prstClr>
+              </a:solidFill>
+            </a:endParaRPr>
+          </a:p>
+        </p:txBody>
+      </p:sp>
+      <p:sp>
+        <p:nvSpPr>
+          <p:cNvPr id="5" name="Footer Placeholder 4"/>
+          <p:cNvSpPr>
+            <a:spLocks noGrp="1"/>
+          </p:cNvSpPr>
+          <p:nvPr>
+            <p:ph type="ftr" sz="quarter" idx="11"/>
+          </p:nvPr>
+        </p:nvSpPr>
+        <p:spPr/>
+        <p:txBody>
+          <a:bodyPr/>
+          <a:lstStyle/>
+          <a:p>
+            <a:endParaRPr lang="en-US">
+              <a:solidFill>
+                <a:prstClr val="black">
+                  <a:tint val="75000"/>
+                </a:prstClr>
+              </a:solidFill>
+            </a:endParaRPr>
+          </a:p>
+        </p:txBody>
+      </p:sp>
+      <p:sp>
+        <p:nvSpPr>
+          <p:cNvPr id="6" name="Slide Number Placeholder 5"/>
+          <p:cNvSpPr>
+            <a:spLocks noGrp="1"/>
+          </p:cNvSpPr>
+          <p:nvPr>
+            <p:ph type="sldNum" sz="quarter" idx="12"/>
+          </p:nvPr>
+        </p:nvSpPr>
+        <p:spPr/>
+        <p:txBody>
+          <a:bodyPr/>
+          <a:lstStyle/>
+          <a:p>
+            <a:fld id="{C1FF6DA9-008F-8B48-92A6-B652298478BF}" type="slidenum">
+              <a:rPr lang="en-US" smtClean="0">
+                <a:solidFill>
+                  <a:prstClr val="black">
+                    <a:tint val="75000"/>
+                  </a:prstClr>
+                </a:solidFill>
+              </a:rPr>
+              <a:pPr/>
+              <a:t>‹#›</a:t>
+            </a:fld>
+            <a:endParaRPr lang="en-US">
+              <a:solidFill>
+                <a:prstClr val="black">
+                  <a:tint val="75000"/>
+                </a:prstClr>
+              </a:solidFill>
+            </a:endParaRPr>
+          </a:p>
+        </p:txBody>
+      </p:sp>
+    </p:spTree>
+    <p:extLst>
+      <p:ext uri="{BB962C8B-B14F-4D97-AF65-F5344CB8AC3E}">
+        <p14:creationId xmlns:p14="http://schemas.microsoft.com/office/powerpoint/2010/main" val="2814771327"/>
+      </p:ext>
+    </p:extLst>
+  </p:cSld>
+  <p:clrMapOvr>
+    <a:masterClrMapping/>
+  </p:clrMapOvr>
+</p:sldLayout>
+</file>
+
+<file path=ppt/slideLayouts/slideLayout13.xml><?xml version="1.0" encoding="utf-8"?>
 <p:sldLayout xmlns:a="http://schemas.openxmlformats.org/drawingml/2006/main" xmlns:r="http://schemas.openxmlformats.org/officeDocument/2006/relationships" xmlns:p="http://schemas.openxmlformats.org/presentationml/2006/main" type="obj" preserve="1">
   <p:cSld name="Title and Content">
     <p:spTree>
@@ -815,10 +1186,23 @@
           <a:lstStyle/>
           <a:p>
             <a:fld id="{5BCAD085-E8A6-8845-BD4E-CB4CCA059FC4}" type="datetimeFigureOut">
-              <a:rPr lang="en-US" smtClean="0"/>
-              <a:t>9/7/2019</a:t>
+              <a:rPr lang="en-US" smtClean="0">
+                <a:solidFill>
+                  <a:prstClr val="black">
+                    <a:tint val="75000"/>
+                  </a:prstClr>
+                </a:solidFill>
+              </a:rPr>
+              <a:pPr/>
+              <a:t>10/26/2019</a:t>
             </a:fld>
-            <a:endParaRPr lang="en-US"/>
+            <a:endParaRPr lang="en-US">
+              <a:solidFill>
+                <a:prstClr val="black">
+                  <a:tint val="75000"/>
+                </a:prstClr>
+              </a:solidFill>
+            </a:endParaRPr>
           </a:p>
         </p:txBody>
       </p:sp>
@@ -837,7 +1221,13 @@
           <a:bodyPr/>
           <a:lstStyle/>
           <a:p>
-            <a:endParaRPr lang="en-US"/>
+            <a:endParaRPr lang="en-US">
+              <a:solidFill>
+                <a:prstClr val="black">
+                  <a:tint val="75000"/>
+                </a:prstClr>
+              </a:solidFill>
+            </a:endParaRPr>
           </a:p>
         </p:txBody>
       </p:sp>
@@ -857,17 +1247,30 @@
           <a:lstStyle/>
           <a:p>
             <a:fld id="{C1FF6DA9-008F-8B48-92A6-B652298478BF}" type="slidenum">
-              <a:rPr lang="en-US" smtClean="0"/>
+              <a:rPr lang="en-US" smtClean="0">
+                <a:solidFill>
+                  <a:prstClr val="black">
+                    <a:tint val="75000"/>
+                  </a:prstClr>
+                </a:solidFill>
+              </a:rPr>
+              <a:pPr/>
               <a:t>‹#›</a:t>
             </a:fld>
-            <a:endParaRPr lang="en-US"/>
+            <a:endParaRPr lang="en-US">
+              <a:solidFill>
+                <a:prstClr val="black">
+                  <a:tint val="75000"/>
+                </a:prstClr>
+              </a:solidFill>
+            </a:endParaRPr>
           </a:p>
         </p:txBody>
       </p:sp>
     </p:spTree>
     <p:extLst>
       <p:ext uri="{BB962C8B-B14F-4D97-AF65-F5344CB8AC3E}">
-        <p14:creationId xmlns:p14="http://schemas.microsoft.com/office/powerpoint/2010/main" val="2614314258"/>
+        <p14:creationId xmlns:p14="http://schemas.microsoft.com/office/powerpoint/2010/main" val="789895154"/>
       </p:ext>
     </p:extLst>
   </p:cSld>
@@ -877,7 +1280,7 @@
 </p:sldLayout>
 </file>
 
-<file path=ppt/slideLayouts/slideLayout3.xml><?xml version="1.0" encoding="utf-8"?>
+<file path=ppt/slideLayouts/slideLayout14.xml><?xml version="1.0" encoding="utf-8"?>
 <p:sldLayout xmlns:a="http://schemas.openxmlformats.org/drawingml/2006/main" xmlns:r="http://schemas.openxmlformats.org/officeDocument/2006/relationships" xmlns:p="http://schemas.openxmlformats.org/presentationml/2006/main" type="secHead" preserve="1">
   <p:cSld name="Section Header">
     <p:spTree>
@@ -1061,10 +1464,23 @@
           <a:lstStyle/>
           <a:p>
             <a:fld id="{5BCAD085-E8A6-8845-BD4E-CB4CCA059FC4}" type="datetimeFigureOut">
-              <a:rPr lang="en-US" smtClean="0"/>
-              <a:t>9/7/2019</a:t>
+              <a:rPr lang="en-US" smtClean="0">
+                <a:solidFill>
+                  <a:prstClr val="black">
+                    <a:tint val="75000"/>
+                  </a:prstClr>
+                </a:solidFill>
+              </a:rPr>
+              <a:pPr/>
+              <a:t>10/26/2019</a:t>
             </a:fld>
-            <a:endParaRPr lang="en-US"/>
+            <a:endParaRPr lang="en-US">
+              <a:solidFill>
+                <a:prstClr val="black">
+                  <a:tint val="75000"/>
+                </a:prstClr>
+              </a:solidFill>
+            </a:endParaRPr>
           </a:p>
         </p:txBody>
       </p:sp>
@@ -1083,7 +1499,13 @@
           <a:bodyPr/>
           <a:lstStyle/>
           <a:p>
-            <a:endParaRPr lang="en-US"/>
+            <a:endParaRPr lang="en-US">
+              <a:solidFill>
+                <a:prstClr val="black">
+                  <a:tint val="75000"/>
+                </a:prstClr>
+              </a:solidFill>
+            </a:endParaRPr>
           </a:p>
         </p:txBody>
       </p:sp>
@@ -1103,17 +1525,30 @@
           <a:lstStyle/>
           <a:p>
             <a:fld id="{C1FF6DA9-008F-8B48-92A6-B652298478BF}" type="slidenum">
-              <a:rPr lang="en-US" smtClean="0"/>
+              <a:rPr lang="en-US" smtClean="0">
+                <a:solidFill>
+                  <a:prstClr val="black">
+                    <a:tint val="75000"/>
+                  </a:prstClr>
+                </a:solidFill>
+              </a:rPr>
+              <a:pPr/>
               <a:t>‹#›</a:t>
             </a:fld>
-            <a:endParaRPr lang="en-US"/>
+            <a:endParaRPr lang="en-US">
+              <a:solidFill>
+                <a:prstClr val="black">
+                  <a:tint val="75000"/>
+                </a:prstClr>
+              </a:solidFill>
+            </a:endParaRPr>
           </a:p>
         </p:txBody>
       </p:sp>
     </p:spTree>
     <p:extLst>
       <p:ext uri="{BB962C8B-B14F-4D97-AF65-F5344CB8AC3E}">
-        <p14:creationId xmlns:p14="http://schemas.microsoft.com/office/powerpoint/2010/main" val="960648375"/>
+        <p14:creationId xmlns:p14="http://schemas.microsoft.com/office/powerpoint/2010/main" val="2003770306"/>
       </p:ext>
     </p:extLst>
   </p:cSld>
@@ -1123,7 +1558,7 @@
 </p:sldLayout>
 </file>
 
-<file path=ppt/slideLayouts/slideLayout4.xml><?xml version="1.0" encoding="utf-8"?>
+<file path=ppt/slideLayouts/slideLayout15.xml><?xml version="1.0" encoding="utf-8"?>
 <p:sldLayout xmlns:a="http://schemas.openxmlformats.org/drawingml/2006/main" xmlns:r="http://schemas.openxmlformats.org/officeDocument/2006/relationships" xmlns:p="http://schemas.openxmlformats.org/presentationml/2006/main" type="twoObj" preserve="1">
   <p:cSld name="Two Content">
     <p:spTree>
@@ -1349,10 +1784,23 @@
           <a:lstStyle/>
           <a:p>
             <a:fld id="{5BCAD085-E8A6-8845-BD4E-CB4CCA059FC4}" type="datetimeFigureOut">
-              <a:rPr lang="en-US" smtClean="0"/>
-              <a:t>9/7/2019</a:t>
+              <a:rPr lang="en-US" smtClean="0">
+                <a:solidFill>
+                  <a:prstClr val="black">
+                    <a:tint val="75000"/>
+                  </a:prstClr>
+                </a:solidFill>
+              </a:rPr>
+              <a:pPr/>
+              <a:t>10/26/2019</a:t>
             </a:fld>
-            <a:endParaRPr lang="en-US"/>
+            <a:endParaRPr lang="en-US">
+              <a:solidFill>
+                <a:prstClr val="black">
+                  <a:tint val="75000"/>
+                </a:prstClr>
+              </a:solidFill>
+            </a:endParaRPr>
           </a:p>
         </p:txBody>
       </p:sp>
@@ -1371,7 +1819,13 @@
           <a:bodyPr/>
           <a:lstStyle/>
           <a:p>
-            <a:endParaRPr lang="en-US"/>
+            <a:endParaRPr lang="en-US">
+              <a:solidFill>
+                <a:prstClr val="black">
+                  <a:tint val="75000"/>
+                </a:prstClr>
+              </a:solidFill>
+            </a:endParaRPr>
           </a:p>
         </p:txBody>
       </p:sp>
@@ -1391,17 +1845,30 @@
           <a:lstStyle/>
           <a:p>
             <a:fld id="{C1FF6DA9-008F-8B48-92A6-B652298478BF}" type="slidenum">
-              <a:rPr lang="en-US" smtClean="0"/>
+              <a:rPr lang="en-US" smtClean="0">
+                <a:solidFill>
+                  <a:prstClr val="black">
+                    <a:tint val="75000"/>
+                  </a:prstClr>
+                </a:solidFill>
+              </a:rPr>
+              <a:pPr/>
               <a:t>‹#›</a:t>
             </a:fld>
-            <a:endParaRPr lang="en-US"/>
+            <a:endParaRPr lang="en-US">
+              <a:solidFill>
+                <a:prstClr val="black">
+                  <a:tint val="75000"/>
+                </a:prstClr>
+              </a:solidFill>
+            </a:endParaRPr>
           </a:p>
         </p:txBody>
       </p:sp>
     </p:spTree>
     <p:extLst>
       <p:ext uri="{BB962C8B-B14F-4D97-AF65-F5344CB8AC3E}">
-        <p14:creationId xmlns:p14="http://schemas.microsoft.com/office/powerpoint/2010/main" val="2782244947"/>
+        <p14:creationId xmlns:p14="http://schemas.microsoft.com/office/powerpoint/2010/main" val="899446156"/>
       </p:ext>
     </p:extLst>
   </p:cSld>
@@ -1411,7 +1878,7 @@
 </p:sldLayout>
 </file>
 
-<file path=ppt/slideLayouts/slideLayout5.xml><?xml version="1.0" encoding="utf-8"?>
+<file path=ppt/slideLayouts/slideLayout16.xml><?xml version="1.0" encoding="utf-8"?>
 <p:sldLayout xmlns:a="http://schemas.openxmlformats.org/drawingml/2006/main" xmlns:r="http://schemas.openxmlformats.org/officeDocument/2006/relationships" xmlns:p="http://schemas.openxmlformats.org/presentationml/2006/main" type="twoTxTwoObj" preserve="1">
   <p:cSld name="Comparison">
     <p:spTree>
@@ -1771,10 +2238,23 @@
           <a:lstStyle/>
           <a:p>
             <a:fld id="{5BCAD085-E8A6-8845-BD4E-CB4CCA059FC4}" type="datetimeFigureOut">
-              <a:rPr lang="en-US" smtClean="0"/>
-              <a:t>9/7/2019</a:t>
+              <a:rPr lang="en-US" smtClean="0">
+                <a:solidFill>
+                  <a:prstClr val="black">
+                    <a:tint val="75000"/>
+                  </a:prstClr>
+                </a:solidFill>
+              </a:rPr>
+              <a:pPr/>
+              <a:t>10/26/2019</a:t>
             </a:fld>
-            <a:endParaRPr lang="en-US"/>
+            <a:endParaRPr lang="en-US">
+              <a:solidFill>
+                <a:prstClr val="black">
+                  <a:tint val="75000"/>
+                </a:prstClr>
+              </a:solidFill>
+            </a:endParaRPr>
           </a:p>
         </p:txBody>
       </p:sp>
@@ -1793,7 +2273,13 @@
           <a:bodyPr/>
           <a:lstStyle/>
           <a:p>
-            <a:endParaRPr lang="en-US"/>
+            <a:endParaRPr lang="en-US">
+              <a:solidFill>
+                <a:prstClr val="black">
+                  <a:tint val="75000"/>
+                </a:prstClr>
+              </a:solidFill>
+            </a:endParaRPr>
           </a:p>
         </p:txBody>
       </p:sp>
@@ -1813,17 +2299,30 @@
           <a:lstStyle/>
           <a:p>
             <a:fld id="{C1FF6DA9-008F-8B48-92A6-B652298478BF}" type="slidenum">
-              <a:rPr lang="en-US" smtClean="0"/>
+              <a:rPr lang="en-US" smtClean="0">
+                <a:solidFill>
+                  <a:prstClr val="black">
+                    <a:tint val="75000"/>
+                  </a:prstClr>
+                </a:solidFill>
+              </a:rPr>
+              <a:pPr/>
               <a:t>‹#›</a:t>
             </a:fld>
-            <a:endParaRPr lang="en-US"/>
+            <a:endParaRPr lang="en-US">
+              <a:solidFill>
+                <a:prstClr val="black">
+                  <a:tint val="75000"/>
+                </a:prstClr>
+              </a:solidFill>
+            </a:endParaRPr>
           </a:p>
         </p:txBody>
       </p:sp>
     </p:spTree>
     <p:extLst>
       <p:ext uri="{BB962C8B-B14F-4D97-AF65-F5344CB8AC3E}">
-        <p14:creationId xmlns:p14="http://schemas.microsoft.com/office/powerpoint/2010/main" val="990158736"/>
+        <p14:creationId xmlns:p14="http://schemas.microsoft.com/office/powerpoint/2010/main" val="2062988887"/>
       </p:ext>
     </p:extLst>
   </p:cSld>
@@ -1833,7 +2332,7 @@
 </p:sldLayout>
 </file>
 
-<file path=ppt/slideLayouts/slideLayout6.xml><?xml version="1.0" encoding="utf-8"?>
+<file path=ppt/slideLayouts/slideLayout17.xml><?xml version="1.0" encoding="utf-8"?>
 <p:sldLayout xmlns:a="http://schemas.openxmlformats.org/drawingml/2006/main" xmlns:r="http://schemas.openxmlformats.org/officeDocument/2006/relationships" xmlns:p="http://schemas.openxmlformats.org/presentationml/2006/main" type="titleOnly" preserve="1">
   <p:cSld name="Title Only">
     <p:spTree>
@@ -1889,10 +2388,23 @@
           <a:lstStyle/>
           <a:p>
             <a:fld id="{5BCAD085-E8A6-8845-BD4E-CB4CCA059FC4}" type="datetimeFigureOut">
-              <a:rPr lang="en-US" smtClean="0"/>
-              <a:t>9/7/2019</a:t>
+              <a:rPr lang="en-US" smtClean="0">
+                <a:solidFill>
+                  <a:prstClr val="black">
+                    <a:tint val="75000"/>
+                  </a:prstClr>
+                </a:solidFill>
+              </a:rPr>
+              <a:pPr/>
+              <a:t>10/26/2019</a:t>
             </a:fld>
-            <a:endParaRPr lang="en-US"/>
+            <a:endParaRPr lang="en-US">
+              <a:solidFill>
+                <a:prstClr val="black">
+                  <a:tint val="75000"/>
+                </a:prstClr>
+              </a:solidFill>
+            </a:endParaRPr>
           </a:p>
         </p:txBody>
       </p:sp>
@@ -1911,7 +2423,13 @@
           <a:bodyPr/>
           <a:lstStyle/>
           <a:p>
-            <a:endParaRPr lang="en-US"/>
+            <a:endParaRPr lang="en-US">
+              <a:solidFill>
+                <a:prstClr val="black">
+                  <a:tint val="75000"/>
+                </a:prstClr>
+              </a:solidFill>
+            </a:endParaRPr>
           </a:p>
         </p:txBody>
       </p:sp>
@@ -1931,17 +2449,30 @@
           <a:lstStyle/>
           <a:p>
             <a:fld id="{C1FF6DA9-008F-8B48-92A6-B652298478BF}" type="slidenum">
-              <a:rPr lang="en-US" smtClean="0"/>
+              <a:rPr lang="en-US" smtClean="0">
+                <a:solidFill>
+                  <a:prstClr val="black">
+                    <a:tint val="75000"/>
+                  </a:prstClr>
+                </a:solidFill>
+              </a:rPr>
+              <a:pPr/>
               <a:t>‹#›</a:t>
             </a:fld>
-            <a:endParaRPr lang="en-US"/>
+            <a:endParaRPr lang="en-US">
+              <a:solidFill>
+                <a:prstClr val="black">
+                  <a:tint val="75000"/>
+                </a:prstClr>
+              </a:solidFill>
+            </a:endParaRPr>
           </a:p>
         </p:txBody>
       </p:sp>
     </p:spTree>
     <p:extLst>
       <p:ext uri="{BB962C8B-B14F-4D97-AF65-F5344CB8AC3E}">
-        <p14:creationId xmlns:p14="http://schemas.microsoft.com/office/powerpoint/2010/main" val="727027711"/>
+        <p14:creationId xmlns:p14="http://schemas.microsoft.com/office/powerpoint/2010/main" val="2385278130"/>
       </p:ext>
     </p:extLst>
   </p:cSld>
@@ -1951,7 +2482,7 @@
 </p:sldLayout>
 </file>
 
-<file path=ppt/slideLayouts/slideLayout7.xml><?xml version="1.0" encoding="utf-8"?>
+<file path=ppt/slideLayouts/slideLayout18.xml><?xml version="1.0" encoding="utf-8"?>
 <p:sldLayout xmlns:a="http://schemas.openxmlformats.org/drawingml/2006/main" xmlns:r="http://schemas.openxmlformats.org/officeDocument/2006/relationships" xmlns:p="http://schemas.openxmlformats.org/presentationml/2006/main" type="blank" preserve="1">
   <p:cSld name="Blank">
     <p:spTree>
@@ -1984,10 +2515,23 @@
           <a:lstStyle/>
           <a:p>
             <a:fld id="{5BCAD085-E8A6-8845-BD4E-CB4CCA059FC4}" type="datetimeFigureOut">
-              <a:rPr lang="en-US" smtClean="0"/>
-              <a:t>9/7/2019</a:t>
+              <a:rPr lang="en-US" smtClean="0">
+                <a:solidFill>
+                  <a:prstClr val="black">
+                    <a:tint val="75000"/>
+                  </a:prstClr>
+                </a:solidFill>
+              </a:rPr>
+              <a:pPr/>
+              <a:t>10/26/2019</a:t>
             </a:fld>
-            <a:endParaRPr lang="en-US"/>
+            <a:endParaRPr lang="en-US">
+              <a:solidFill>
+                <a:prstClr val="black">
+                  <a:tint val="75000"/>
+                </a:prstClr>
+              </a:solidFill>
+            </a:endParaRPr>
           </a:p>
         </p:txBody>
       </p:sp>
@@ -2006,7 +2550,13 @@
           <a:bodyPr/>
           <a:lstStyle/>
           <a:p>
-            <a:endParaRPr lang="en-US"/>
+            <a:endParaRPr lang="en-US">
+              <a:solidFill>
+                <a:prstClr val="black">
+                  <a:tint val="75000"/>
+                </a:prstClr>
+              </a:solidFill>
+            </a:endParaRPr>
           </a:p>
         </p:txBody>
       </p:sp>
@@ -2026,17 +2576,30 @@
           <a:lstStyle/>
           <a:p>
             <a:fld id="{C1FF6DA9-008F-8B48-92A6-B652298478BF}" type="slidenum">
-              <a:rPr lang="en-US" smtClean="0"/>
+              <a:rPr lang="en-US" smtClean="0">
+                <a:solidFill>
+                  <a:prstClr val="black">
+                    <a:tint val="75000"/>
+                  </a:prstClr>
+                </a:solidFill>
+              </a:rPr>
+              <a:pPr/>
               <a:t>‹#›</a:t>
             </a:fld>
-            <a:endParaRPr lang="en-US"/>
+            <a:endParaRPr lang="en-US">
+              <a:solidFill>
+                <a:prstClr val="black">
+                  <a:tint val="75000"/>
+                </a:prstClr>
+              </a:solidFill>
+            </a:endParaRPr>
           </a:p>
         </p:txBody>
       </p:sp>
     </p:spTree>
     <p:extLst>
       <p:ext uri="{BB962C8B-B14F-4D97-AF65-F5344CB8AC3E}">
-        <p14:creationId xmlns:p14="http://schemas.microsoft.com/office/powerpoint/2010/main" val="1212999818"/>
+        <p14:creationId xmlns:p14="http://schemas.microsoft.com/office/powerpoint/2010/main" val="72049451"/>
       </p:ext>
     </p:extLst>
   </p:cSld>
@@ -2046,7 +2609,7 @@
 </p:sldLayout>
 </file>
 
-<file path=ppt/slideLayouts/slideLayout8.xml><?xml version="1.0" encoding="utf-8"?>
+<file path=ppt/slideLayouts/slideLayout19.xml><?xml version="1.0" encoding="utf-8"?>
 <p:sldLayout xmlns:a="http://schemas.openxmlformats.org/drawingml/2006/main" xmlns:r="http://schemas.openxmlformats.org/officeDocument/2006/relationships" xmlns:p="http://schemas.openxmlformats.org/presentationml/2006/main" type="objTx" preserve="1">
   <p:cSld name="Content with Caption">
     <p:spTree>
@@ -2261,10 +2824,23 @@
           <a:lstStyle/>
           <a:p>
             <a:fld id="{5BCAD085-E8A6-8845-BD4E-CB4CCA059FC4}" type="datetimeFigureOut">
-              <a:rPr lang="en-US" smtClean="0"/>
-              <a:t>9/7/2019</a:t>
+              <a:rPr lang="en-US" smtClean="0">
+                <a:solidFill>
+                  <a:prstClr val="black">
+                    <a:tint val="75000"/>
+                  </a:prstClr>
+                </a:solidFill>
+              </a:rPr>
+              <a:pPr/>
+              <a:t>10/26/2019</a:t>
             </a:fld>
-            <a:endParaRPr lang="en-US"/>
+            <a:endParaRPr lang="en-US">
+              <a:solidFill>
+                <a:prstClr val="black">
+                  <a:tint val="75000"/>
+                </a:prstClr>
+              </a:solidFill>
+            </a:endParaRPr>
           </a:p>
         </p:txBody>
       </p:sp>
@@ -2283,7 +2859,13 @@
           <a:bodyPr/>
           <a:lstStyle/>
           <a:p>
-            <a:endParaRPr lang="en-US"/>
+            <a:endParaRPr lang="en-US">
+              <a:solidFill>
+                <a:prstClr val="black">
+                  <a:tint val="75000"/>
+                </a:prstClr>
+              </a:solidFill>
+            </a:endParaRPr>
           </a:p>
         </p:txBody>
       </p:sp>
@@ -2303,17 +2885,2569 @@
           <a:lstStyle/>
           <a:p>
             <a:fld id="{C1FF6DA9-008F-8B48-92A6-B652298478BF}" type="slidenum">
-              <a:rPr lang="en-US" smtClean="0"/>
+              <a:rPr lang="en-US" smtClean="0">
+                <a:solidFill>
+                  <a:prstClr val="black">
+                    <a:tint val="75000"/>
+                  </a:prstClr>
+                </a:solidFill>
+              </a:rPr>
+              <a:pPr/>
               <a:t>‹#›</a:t>
             </a:fld>
-            <a:endParaRPr lang="en-US"/>
+            <a:endParaRPr lang="en-US">
+              <a:solidFill>
+                <a:prstClr val="black">
+                  <a:tint val="75000"/>
+                </a:prstClr>
+              </a:solidFill>
+            </a:endParaRPr>
           </a:p>
         </p:txBody>
       </p:sp>
     </p:spTree>
     <p:extLst>
       <p:ext uri="{BB962C8B-B14F-4D97-AF65-F5344CB8AC3E}">
-        <p14:creationId xmlns:p14="http://schemas.microsoft.com/office/powerpoint/2010/main" val="1840726560"/>
+        <p14:creationId xmlns:p14="http://schemas.microsoft.com/office/powerpoint/2010/main" val="1105653914"/>
+      </p:ext>
+    </p:extLst>
+  </p:cSld>
+  <p:clrMapOvr>
+    <a:masterClrMapping/>
+  </p:clrMapOvr>
+</p:sldLayout>
+</file>
+
+<file path=ppt/slideLayouts/slideLayout2.xml><?xml version="1.0" encoding="utf-8"?>
+<p:sldLayout xmlns:a="http://schemas.openxmlformats.org/drawingml/2006/main" xmlns:r="http://schemas.openxmlformats.org/officeDocument/2006/relationships" xmlns:p="http://schemas.openxmlformats.org/presentationml/2006/main" type="obj" preserve="1">
+  <p:cSld name="Title and Content">
+    <p:spTree>
+      <p:nvGrpSpPr>
+        <p:cNvPr id="1" name=""/>
+        <p:cNvGrpSpPr/>
+        <p:nvPr/>
+      </p:nvGrpSpPr>
+      <p:grpSpPr>
+        <a:xfrm>
+          <a:off x="0" y="0"/>
+          <a:ext cx="0" cy="0"/>
+          <a:chOff x="0" y="0"/>
+          <a:chExt cx="0" cy="0"/>
+        </a:xfrm>
+      </p:grpSpPr>
+      <p:sp>
+        <p:nvSpPr>
+          <p:cNvPr id="2" name="Title 1"/>
+          <p:cNvSpPr>
+            <a:spLocks noGrp="1"/>
+          </p:cNvSpPr>
+          <p:nvPr>
+            <p:ph type="title"/>
+          </p:nvPr>
+        </p:nvSpPr>
+        <p:spPr/>
+        <p:txBody>
+          <a:bodyPr/>
+          <a:lstStyle/>
+          <a:p>
+            <a:r>
+              <a:rPr lang="en-US" smtClean="0"/>
+              <a:t>Click to edit Master title style</a:t>
+            </a:r>
+            <a:endParaRPr lang="en-US"/>
+          </a:p>
+        </p:txBody>
+      </p:sp>
+      <p:sp>
+        <p:nvSpPr>
+          <p:cNvPr id="3" name="Content Placeholder 2"/>
+          <p:cNvSpPr>
+            <a:spLocks noGrp="1"/>
+          </p:cNvSpPr>
+          <p:nvPr>
+            <p:ph idx="1"/>
+          </p:nvPr>
+        </p:nvSpPr>
+        <p:spPr/>
+        <p:txBody>
+          <a:bodyPr/>
+          <a:lstStyle/>
+          <a:p>
+            <a:pPr lvl="0"/>
+            <a:r>
+              <a:rPr lang="en-US" smtClean="0"/>
+              <a:t>Click to edit Master text styles</a:t>
+            </a:r>
+          </a:p>
+          <a:p>
+            <a:pPr lvl="1"/>
+            <a:r>
+              <a:rPr lang="en-US" smtClean="0"/>
+              <a:t>Second level</a:t>
+            </a:r>
+          </a:p>
+          <a:p>
+            <a:pPr lvl="2"/>
+            <a:r>
+              <a:rPr lang="en-US" smtClean="0"/>
+              <a:t>Third level</a:t>
+            </a:r>
+          </a:p>
+          <a:p>
+            <a:pPr lvl="3"/>
+            <a:r>
+              <a:rPr lang="en-US" smtClean="0"/>
+              <a:t>Fourth level</a:t>
+            </a:r>
+          </a:p>
+          <a:p>
+            <a:pPr lvl="4"/>
+            <a:r>
+              <a:rPr lang="en-US" smtClean="0"/>
+              <a:t>Fifth level</a:t>
+            </a:r>
+            <a:endParaRPr lang="en-US"/>
+          </a:p>
+        </p:txBody>
+      </p:sp>
+      <p:sp>
+        <p:nvSpPr>
+          <p:cNvPr id="4" name="Date Placeholder 3"/>
+          <p:cNvSpPr>
+            <a:spLocks noGrp="1"/>
+          </p:cNvSpPr>
+          <p:nvPr>
+            <p:ph type="dt" sz="half" idx="10"/>
+          </p:nvPr>
+        </p:nvSpPr>
+        <p:spPr/>
+        <p:txBody>
+          <a:bodyPr/>
+          <a:lstStyle/>
+          <a:p>
+            <a:fld id="{5BCAD085-E8A6-8845-BD4E-CB4CCA059FC4}" type="datetimeFigureOut">
+              <a:rPr lang="en-US" smtClean="0">
+                <a:solidFill>
+                  <a:prstClr val="black">
+                    <a:tint val="75000"/>
+                  </a:prstClr>
+                </a:solidFill>
+              </a:rPr>
+              <a:pPr/>
+              <a:t>10/26/2019</a:t>
+            </a:fld>
+            <a:endParaRPr lang="en-US">
+              <a:solidFill>
+                <a:prstClr val="black">
+                  <a:tint val="75000"/>
+                </a:prstClr>
+              </a:solidFill>
+            </a:endParaRPr>
+          </a:p>
+        </p:txBody>
+      </p:sp>
+      <p:sp>
+        <p:nvSpPr>
+          <p:cNvPr id="5" name="Footer Placeholder 4"/>
+          <p:cNvSpPr>
+            <a:spLocks noGrp="1"/>
+          </p:cNvSpPr>
+          <p:nvPr>
+            <p:ph type="ftr" sz="quarter" idx="11"/>
+          </p:nvPr>
+        </p:nvSpPr>
+        <p:spPr/>
+        <p:txBody>
+          <a:bodyPr/>
+          <a:lstStyle/>
+          <a:p>
+            <a:endParaRPr lang="en-US">
+              <a:solidFill>
+                <a:prstClr val="black">
+                  <a:tint val="75000"/>
+                </a:prstClr>
+              </a:solidFill>
+            </a:endParaRPr>
+          </a:p>
+        </p:txBody>
+      </p:sp>
+      <p:sp>
+        <p:nvSpPr>
+          <p:cNvPr id="6" name="Slide Number Placeholder 5"/>
+          <p:cNvSpPr>
+            <a:spLocks noGrp="1"/>
+          </p:cNvSpPr>
+          <p:nvPr>
+            <p:ph type="sldNum" sz="quarter" idx="12"/>
+          </p:nvPr>
+        </p:nvSpPr>
+        <p:spPr/>
+        <p:txBody>
+          <a:bodyPr/>
+          <a:lstStyle/>
+          <a:p>
+            <a:fld id="{C1FF6DA9-008F-8B48-92A6-B652298478BF}" type="slidenum">
+              <a:rPr lang="en-US" smtClean="0">
+                <a:solidFill>
+                  <a:prstClr val="black">
+                    <a:tint val="75000"/>
+                  </a:prstClr>
+                </a:solidFill>
+              </a:rPr>
+              <a:pPr/>
+              <a:t>‹#›</a:t>
+            </a:fld>
+            <a:endParaRPr lang="en-US">
+              <a:solidFill>
+                <a:prstClr val="black">
+                  <a:tint val="75000"/>
+                </a:prstClr>
+              </a:solidFill>
+            </a:endParaRPr>
+          </a:p>
+        </p:txBody>
+      </p:sp>
+    </p:spTree>
+    <p:extLst>
+      <p:ext uri="{BB962C8B-B14F-4D97-AF65-F5344CB8AC3E}">
+        <p14:creationId xmlns:p14="http://schemas.microsoft.com/office/powerpoint/2010/main" val="3394263334"/>
+      </p:ext>
+    </p:extLst>
+  </p:cSld>
+  <p:clrMapOvr>
+    <a:masterClrMapping/>
+  </p:clrMapOvr>
+</p:sldLayout>
+</file>
+
+<file path=ppt/slideLayouts/slideLayout20.xml><?xml version="1.0" encoding="utf-8"?>
+<p:sldLayout xmlns:a="http://schemas.openxmlformats.org/drawingml/2006/main" xmlns:r="http://schemas.openxmlformats.org/officeDocument/2006/relationships" xmlns:p="http://schemas.openxmlformats.org/presentationml/2006/main" type="picTx" preserve="1">
+  <p:cSld name="Picture with Caption">
+    <p:spTree>
+      <p:nvGrpSpPr>
+        <p:cNvPr id="1" name=""/>
+        <p:cNvGrpSpPr/>
+        <p:nvPr/>
+      </p:nvGrpSpPr>
+      <p:grpSpPr>
+        <a:xfrm>
+          <a:off x="0" y="0"/>
+          <a:ext cx="0" cy="0"/>
+          <a:chOff x="0" y="0"/>
+          <a:chExt cx="0" cy="0"/>
+        </a:xfrm>
+      </p:grpSpPr>
+      <p:sp>
+        <p:nvSpPr>
+          <p:cNvPr id="2" name="Title 1"/>
+          <p:cNvSpPr>
+            <a:spLocks noGrp="1"/>
+          </p:cNvSpPr>
+          <p:nvPr>
+            <p:ph type="title"/>
+          </p:nvPr>
+        </p:nvSpPr>
+        <p:spPr>
+          <a:xfrm>
+            <a:off x="1792288" y="4800600"/>
+            <a:ext cx="5486400" cy="566738"/>
+          </a:xfrm>
+        </p:spPr>
+        <p:txBody>
+          <a:bodyPr anchor="b"/>
+          <a:lstStyle>
+            <a:lvl1pPr algn="l">
+              <a:defRPr sz="2000" b="1"/>
+            </a:lvl1pPr>
+          </a:lstStyle>
+          <a:p>
+            <a:r>
+              <a:rPr lang="en-US" smtClean="0"/>
+              <a:t>Click to edit Master title style</a:t>
+            </a:r>
+            <a:endParaRPr lang="en-US"/>
+          </a:p>
+        </p:txBody>
+      </p:sp>
+      <p:sp>
+        <p:nvSpPr>
+          <p:cNvPr id="3" name="Picture Placeholder 2"/>
+          <p:cNvSpPr>
+            <a:spLocks noGrp="1"/>
+          </p:cNvSpPr>
+          <p:nvPr>
+            <p:ph type="pic" idx="1"/>
+          </p:nvPr>
+        </p:nvSpPr>
+        <p:spPr>
+          <a:xfrm>
+            <a:off x="1792288" y="612775"/>
+            <a:ext cx="5486400" cy="4114800"/>
+          </a:xfrm>
+        </p:spPr>
+        <p:txBody>
+          <a:bodyPr/>
+          <a:lstStyle>
+            <a:lvl1pPr marL="0" indent="0">
+              <a:buNone/>
+              <a:defRPr sz="3200"/>
+            </a:lvl1pPr>
+            <a:lvl2pPr marL="457200" indent="0">
+              <a:buNone/>
+              <a:defRPr sz="2800"/>
+            </a:lvl2pPr>
+            <a:lvl3pPr marL="914400" indent="0">
+              <a:buNone/>
+              <a:defRPr sz="2400"/>
+            </a:lvl3pPr>
+            <a:lvl4pPr marL="1371600" indent="0">
+              <a:buNone/>
+              <a:defRPr sz="2000"/>
+            </a:lvl4pPr>
+            <a:lvl5pPr marL="1828800" indent="0">
+              <a:buNone/>
+              <a:defRPr sz="2000"/>
+            </a:lvl5pPr>
+            <a:lvl6pPr marL="2286000" indent="0">
+              <a:buNone/>
+              <a:defRPr sz="2000"/>
+            </a:lvl6pPr>
+            <a:lvl7pPr marL="2743200" indent="0">
+              <a:buNone/>
+              <a:defRPr sz="2000"/>
+            </a:lvl7pPr>
+            <a:lvl8pPr marL="3200400" indent="0">
+              <a:buNone/>
+              <a:defRPr sz="2000"/>
+            </a:lvl8pPr>
+            <a:lvl9pPr marL="3657600" indent="0">
+              <a:buNone/>
+              <a:defRPr sz="2000"/>
+            </a:lvl9pPr>
+          </a:lstStyle>
+          <a:p>
+            <a:endParaRPr lang="en-US"/>
+          </a:p>
+        </p:txBody>
+      </p:sp>
+      <p:sp>
+        <p:nvSpPr>
+          <p:cNvPr id="4" name="Text Placeholder 3"/>
+          <p:cNvSpPr>
+            <a:spLocks noGrp="1"/>
+          </p:cNvSpPr>
+          <p:nvPr>
+            <p:ph type="body" sz="half" idx="2"/>
+          </p:nvPr>
+        </p:nvSpPr>
+        <p:spPr>
+          <a:xfrm>
+            <a:off x="1792288" y="5367338"/>
+            <a:ext cx="5486400" cy="804862"/>
+          </a:xfrm>
+        </p:spPr>
+        <p:txBody>
+          <a:bodyPr/>
+          <a:lstStyle>
+            <a:lvl1pPr marL="0" indent="0">
+              <a:buNone/>
+              <a:defRPr sz="1400"/>
+            </a:lvl1pPr>
+            <a:lvl2pPr marL="457200" indent="0">
+              <a:buNone/>
+              <a:defRPr sz="1200"/>
+            </a:lvl2pPr>
+            <a:lvl3pPr marL="914400" indent="0">
+              <a:buNone/>
+              <a:defRPr sz="1000"/>
+            </a:lvl3pPr>
+            <a:lvl4pPr marL="1371600" indent="0">
+              <a:buNone/>
+              <a:defRPr sz="900"/>
+            </a:lvl4pPr>
+            <a:lvl5pPr marL="1828800" indent="0">
+              <a:buNone/>
+              <a:defRPr sz="900"/>
+            </a:lvl5pPr>
+            <a:lvl6pPr marL="2286000" indent="0">
+              <a:buNone/>
+              <a:defRPr sz="900"/>
+            </a:lvl6pPr>
+            <a:lvl7pPr marL="2743200" indent="0">
+              <a:buNone/>
+              <a:defRPr sz="900"/>
+            </a:lvl7pPr>
+            <a:lvl8pPr marL="3200400" indent="0">
+              <a:buNone/>
+              <a:defRPr sz="900"/>
+            </a:lvl8pPr>
+            <a:lvl9pPr marL="3657600" indent="0">
+              <a:buNone/>
+              <a:defRPr sz="900"/>
+            </a:lvl9pPr>
+          </a:lstStyle>
+          <a:p>
+            <a:pPr lvl="0"/>
+            <a:r>
+              <a:rPr lang="en-US" smtClean="0"/>
+              <a:t>Click to edit Master text styles</a:t>
+            </a:r>
+          </a:p>
+        </p:txBody>
+      </p:sp>
+      <p:sp>
+        <p:nvSpPr>
+          <p:cNvPr id="5" name="Date Placeholder 4"/>
+          <p:cNvSpPr>
+            <a:spLocks noGrp="1"/>
+          </p:cNvSpPr>
+          <p:nvPr>
+            <p:ph type="dt" sz="half" idx="10"/>
+          </p:nvPr>
+        </p:nvSpPr>
+        <p:spPr/>
+        <p:txBody>
+          <a:bodyPr/>
+          <a:lstStyle/>
+          <a:p>
+            <a:fld id="{5BCAD085-E8A6-8845-BD4E-CB4CCA059FC4}" type="datetimeFigureOut">
+              <a:rPr lang="en-US" smtClean="0">
+                <a:solidFill>
+                  <a:prstClr val="black">
+                    <a:tint val="75000"/>
+                  </a:prstClr>
+                </a:solidFill>
+              </a:rPr>
+              <a:pPr/>
+              <a:t>10/26/2019</a:t>
+            </a:fld>
+            <a:endParaRPr lang="en-US">
+              <a:solidFill>
+                <a:prstClr val="black">
+                  <a:tint val="75000"/>
+                </a:prstClr>
+              </a:solidFill>
+            </a:endParaRPr>
+          </a:p>
+        </p:txBody>
+      </p:sp>
+      <p:sp>
+        <p:nvSpPr>
+          <p:cNvPr id="6" name="Footer Placeholder 5"/>
+          <p:cNvSpPr>
+            <a:spLocks noGrp="1"/>
+          </p:cNvSpPr>
+          <p:nvPr>
+            <p:ph type="ftr" sz="quarter" idx="11"/>
+          </p:nvPr>
+        </p:nvSpPr>
+        <p:spPr/>
+        <p:txBody>
+          <a:bodyPr/>
+          <a:lstStyle/>
+          <a:p>
+            <a:endParaRPr lang="en-US">
+              <a:solidFill>
+                <a:prstClr val="black">
+                  <a:tint val="75000"/>
+                </a:prstClr>
+              </a:solidFill>
+            </a:endParaRPr>
+          </a:p>
+        </p:txBody>
+      </p:sp>
+      <p:sp>
+        <p:nvSpPr>
+          <p:cNvPr id="7" name="Slide Number Placeholder 6"/>
+          <p:cNvSpPr>
+            <a:spLocks noGrp="1"/>
+          </p:cNvSpPr>
+          <p:nvPr>
+            <p:ph type="sldNum" sz="quarter" idx="12"/>
+          </p:nvPr>
+        </p:nvSpPr>
+        <p:spPr/>
+        <p:txBody>
+          <a:bodyPr/>
+          <a:lstStyle/>
+          <a:p>
+            <a:fld id="{C1FF6DA9-008F-8B48-92A6-B652298478BF}" type="slidenum">
+              <a:rPr lang="en-US" smtClean="0">
+                <a:solidFill>
+                  <a:prstClr val="black">
+                    <a:tint val="75000"/>
+                  </a:prstClr>
+                </a:solidFill>
+              </a:rPr>
+              <a:pPr/>
+              <a:t>‹#›</a:t>
+            </a:fld>
+            <a:endParaRPr lang="en-US">
+              <a:solidFill>
+                <a:prstClr val="black">
+                  <a:tint val="75000"/>
+                </a:prstClr>
+              </a:solidFill>
+            </a:endParaRPr>
+          </a:p>
+        </p:txBody>
+      </p:sp>
+    </p:spTree>
+    <p:extLst>
+      <p:ext uri="{BB962C8B-B14F-4D97-AF65-F5344CB8AC3E}">
+        <p14:creationId xmlns:p14="http://schemas.microsoft.com/office/powerpoint/2010/main" val="2350947713"/>
+      </p:ext>
+    </p:extLst>
+  </p:cSld>
+  <p:clrMapOvr>
+    <a:masterClrMapping/>
+  </p:clrMapOvr>
+</p:sldLayout>
+</file>
+
+<file path=ppt/slideLayouts/slideLayout21.xml><?xml version="1.0" encoding="utf-8"?>
+<p:sldLayout xmlns:a="http://schemas.openxmlformats.org/drawingml/2006/main" xmlns:r="http://schemas.openxmlformats.org/officeDocument/2006/relationships" xmlns:p="http://schemas.openxmlformats.org/presentationml/2006/main" type="vertTx" preserve="1">
+  <p:cSld name="Title and Vertical Text">
+    <p:spTree>
+      <p:nvGrpSpPr>
+        <p:cNvPr id="1" name=""/>
+        <p:cNvGrpSpPr/>
+        <p:nvPr/>
+      </p:nvGrpSpPr>
+      <p:grpSpPr>
+        <a:xfrm>
+          <a:off x="0" y="0"/>
+          <a:ext cx="0" cy="0"/>
+          <a:chOff x="0" y="0"/>
+          <a:chExt cx="0" cy="0"/>
+        </a:xfrm>
+      </p:grpSpPr>
+      <p:sp>
+        <p:nvSpPr>
+          <p:cNvPr id="2" name="Title 1"/>
+          <p:cNvSpPr>
+            <a:spLocks noGrp="1"/>
+          </p:cNvSpPr>
+          <p:nvPr>
+            <p:ph type="title"/>
+          </p:nvPr>
+        </p:nvSpPr>
+        <p:spPr/>
+        <p:txBody>
+          <a:bodyPr/>
+          <a:lstStyle/>
+          <a:p>
+            <a:r>
+              <a:rPr lang="en-US" smtClean="0"/>
+              <a:t>Click to edit Master title style</a:t>
+            </a:r>
+            <a:endParaRPr lang="en-US"/>
+          </a:p>
+        </p:txBody>
+      </p:sp>
+      <p:sp>
+        <p:nvSpPr>
+          <p:cNvPr id="3" name="Vertical Text Placeholder 2"/>
+          <p:cNvSpPr>
+            <a:spLocks noGrp="1"/>
+          </p:cNvSpPr>
+          <p:nvPr>
+            <p:ph type="body" orient="vert" idx="1"/>
+          </p:nvPr>
+        </p:nvSpPr>
+        <p:spPr/>
+        <p:txBody>
+          <a:bodyPr vert="eaVert"/>
+          <a:lstStyle/>
+          <a:p>
+            <a:pPr lvl="0"/>
+            <a:r>
+              <a:rPr lang="en-US" smtClean="0"/>
+              <a:t>Click to edit Master text styles</a:t>
+            </a:r>
+          </a:p>
+          <a:p>
+            <a:pPr lvl="1"/>
+            <a:r>
+              <a:rPr lang="en-US" smtClean="0"/>
+              <a:t>Second level</a:t>
+            </a:r>
+          </a:p>
+          <a:p>
+            <a:pPr lvl="2"/>
+            <a:r>
+              <a:rPr lang="en-US" smtClean="0"/>
+              <a:t>Third level</a:t>
+            </a:r>
+          </a:p>
+          <a:p>
+            <a:pPr lvl="3"/>
+            <a:r>
+              <a:rPr lang="en-US" smtClean="0"/>
+              <a:t>Fourth level</a:t>
+            </a:r>
+          </a:p>
+          <a:p>
+            <a:pPr lvl="4"/>
+            <a:r>
+              <a:rPr lang="en-US" smtClean="0"/>
+              <a:t>Fifth level</a:t>
+            </a:r>
+            <a:endParaRPr lang="en-US"/>
+          </a:p>
+        </p:txBody>
+      </p:sp>
+      <p:sp>
+        <p:nvSpPr>
+          <p:cNvPr id="4" name="Date Placeholder 3"/>
+          <p:cNvSpPr>
+            <a:spLocks noGrp="1"/>
+          </p:cNvSpPr>
+          <p:nvPr>
+            <p:ph type="dt" sz="half" idx="10"/>
+          </p:nvPr>
+        </p:nvSpPr>
+        <p:spPr/>
+        <p:txBody>
+          <a:bodyPr/>
+          <a:lstStyle/>
+          <a:p>
+            <a:fld id="{5BCAD085-E8A6-8845-BD4E-CB4CCA059FC4}" type="datetimeFigureOut">
+              <a:rPr lang="en-US" smtClean="0">
+                <a:solidFill>
+                  <a:prstClr val="black">
+                    <a:tint val="75000"/>
+                  </a:prstClr>
+                </a:solidFill>
+              </a:rPr>
+              <a:pPr/>
+              <a:t>10/26/2019</a:t>
+            </a:fld>
+            <a:endParaRPr lang="en-US">
+              <a:solidFill>
+                <a:prstClr val="black">
+                  <a:tint val="75000"/>
+                </a:prstClr>
+              </a:solidFill>
+            </a:endParaRPr>
+          </a:p>
+        </p:txBody>
+      </p:sp>
+      <p:sp>
+        <p:nvSpPr>
+          <p:cNvPr id="5" name="Footer Placeholder 4"/>
+          <p:cNvSpPr>
+            <a:spLocks noGrp="1"/>
+          </p:cNvSpPr>
+          <p:nvPr>
+            <p:ph type="ftr" sz="quarter" idx="11"/>
+          </p:nvPr>
+        </p:nvSpPr>
+        <p:spPr/>
+        <p:txBody>
+          <a:bodyPr/>
+          <a:lstStyle/>
+          <a:p>
+            <a:endParaRPr lang="en-US">
+              <a:solidFill>
+                <a:prstClr val="black">
+                  <a:tint val="75000"/>
+                </a:prstClr>
+              </a:solidFill>
+            </a:endParaRPr>
+          </a:p>
+        </p:txBody>
+      </p:sp>
+      <p:sp>
+        <p:nvSpPr>
+          <p:cNvPr id="6" name="Slide Number Placeholder 5"/>
+          <p:cNvSpPr>
+            <a:spLocks noGrp="1"/>
+          </p:cNvSpPr>
+          <p:nvPr>
+            <p:ph type="sldNum" sz="quarter" idx="12"/>
+          </p:nvPr>
+        </p:nvSpPr>
+        <p:spPr/>
+        <p:txBody>
+          <a:bodyPr/>
+          <a:lstStyle/>
+          <a:p>
+            <a:fld id="{C1FF6DA9-008F-8B48-92A6-B652298478BF}" type="slidenum">
+              <a:rPr lang="en-US" smtClean="0">
+                <a:solidFill>
+                  <a:prstClr val="black">
+                    <a:tint val="75000"/>
+                  </a:prstClr>
+                </a:solidFill>
+              </a:rPr>
+              <a:pPr/>
+              <a:t>‹#›</a:t>
+            </a:fld>
+            <a:endParaRPr lang="en-US">
+              <a:solidFill>
+                <a:prstClr val="black">
+                  <a:tint val="75000"/>
+                </a:prstClr>
+              </a:solidFill>
+            </a:endParaRPr>
+          </a:p>
+        </p:txBody>
+      </p:sp>
+    </p:spTree>
+    <p:extLst>
+      <p:ext uri="{BB962C8B-B14F-4D97-AF65-F5344CB8AC3E}">
+        <p14:creationId xmlns:p14="http://schemas.microsoft.com/office/powerpoint/2010/main" val="4276947367"/>
+      </p:ext>
+    </p:extLst>
+  </p:cSld>
+  <p:clrMapOvr>
+    <a:masterClrMapping/>
+  </p:clrMapOvr>
+</p:sldLayout>
+</file>
+
+<file path=ppt/slideLayouts/slideLayout22.xml><?xml version="1.0" encoding="utf-8"?>
+<p:sldLayout xmlns:a="http://schemas.openxmlformats.org/drawingml/2006/main" xmlns:r="http://schemas.openxmlformats.org/officeDocument/2006/relationships" xmlns:p="http://schemas.openxmlformats.org/presentationml/2006/main" type="vertTitleAndTx" preserve="1">
+  <p:cSld name="Vertical Title and Text">
+    <p:spTree>
+      <p:nvGrpSpPr>
+        <p:cNvPr id="1" name=""/>
+        <p:cNvGrpSpPr/>
+        <p:nvPr/>
+      </p:nvGrpSpPr>
+      <p:grpSpPr>
+        <a:xfrm>
+          <a:off x="0" y="0"/>
+          <a:ext cx="0" cy="0"/>
+          <a:chOff x="0" y="0"/>
+          <a:chExt cx="0" cy="0"/>
+        </a:xfrm>
+      </p:grpSpPr>
+      <p:sp>
+        <p:nvSpPr>
+          <p:cNvPr id="2" name="Vertical Title 1"/>
+          <p:cNvSpPr>
+            <a:spLocks noGrp="1"/>
+          </p:cNvSpPr>
+          <p:nvPr>
+            <p:ph type="title" orient="vert"/>
+          </p:nvPr>
+        </p:nvSpPr>
+        <p:spPr>
+          <a:xfrm>
+            <a:off x="6629400" y="274638"/>
+            <a:ext cx="2057400" cy="5851525"/>
+          </a:xfrm>
+        </p:spPr>
+        <p:txBody>
+          <a:bodyPr vert="eaVert"/>
+          <a:lstStyle/>
+          <a:p>
+            <a:r>
+              <a:rPr lang="en-US" smtClean="0"/>
+              <a:t>Click to edit Master title style</a:t>
+            </a:r>
+            <a:endParaRPr lang="en-US"/>
+          </a:p>
+        </p:txBody>
+      </p:sp>
+      <p:sp>
+        <p:nvSpPr>
+          <p:cNvPr id="3" name="Vertical Text Placeholder 2"/>
+          <p:cNvSpPr>
+            <a:spLocks noGrp="1"/>
+          </p:cNvSpPr>
+          <p:nvPr>
+            <p:ph type="body" orient="vert" idx="1"/>
+          </p:nvPr>
+        </p:nvSpPr>
+        <p:spPr>
+          <a:xfrm>
+            <a:off x="457200" y="274638"/>
+            <a:ext cx="6019800" cy="5851525"/>
+          </a:xfrm>
+        </p:spPr>
+        <p:txBody>
+          <a:bodyPr vert="eaVert"/>
+          <a:lstStyle/>
+          <a:p>
+            <a:pPr lvl="0"/>
+            <a:r>
+              <a:rPr lang="en-US" smtClean="0"/>
+              <a:t>Click to edit Master text styles</a:t>
+            </a:r>
+          </a:p>
+          <a:p>
+            <a:pPr lvl="1"/>
+            <a:r>
+              <a:rPr lang="en-US" smtClean="0"/>
+              <a:t>Second level</a:t>
+            </a:r>
+          </a:p>
+          <a:p>
+            <a:pPr lvl="2"/>
+            <a:r>
+              <a:rPr lang="en-US" smtClean="0"/>
+              <a:t>Third level</a:t>
+            </a:r>
+          </a:p>
+          <a:p>
+            <a:pPr lvl="3"/>
+            <a:r>
+              <a:rPr lang="en-US" smtClean="0"/>
+              <a:t>Fourth level</a:t>
+            </a:r>
+          </a:p>
+          <a:p>
+            <a:pPr lvl="4"/>
+            <a:r>
+              <a:rPr lang="en-US" smtClean="0"/>
+              <a:t>Fifth level</a:t>
+            </a:r>
+            <a:endParaRPr lang="en-US"/>
+          </a:p>
+        </p:txBody>
+      </p:sp>
+      <p:sp>
+        <p:nvSpPr>
+          <p:cNvPr id="4" name="Date Placeholder 3"/>
+          <p:cNvSpPr>
+            <a:spLocks noGrp="1"/>
+          </p:cNvSpPr>
+          <p:nvPr>
+            <p:ph type="dt" sz="half" idx="10"/>
+          </p:nvPr>
+        </p:nvSpPr>
+        <p:spPr/>
+        <p:txBody>
+          <a:bodyPr/>
+          <a:lstStyle/>
+          <a:p>
+            <a:fld id="{5BCAD085-E8A6-8845-BD4E-CB4CCA059FC4}" type="datetimeFigureOut">
+              <a:rPr lang="en-US" smtClean="0">
+                <a:solidFill>
+                  <a:prstClr val="black">
+                    <a:tint val="75000"/>
+                  </a:prstClr>
+                </a:solidFill>
+              </a:rPr>
+              <a:pPr/>
+              <a:t>10/26/2019</a:t>
+            </a:fld>
+            <a:endParaRPr lang="en-US">
+              <a:solidFill>
+                <a:prstClr val="black">
+                  <a:tint val="75000"/>
+                </a:prstClr>
+              </a:solidFill>
+            </a:endParaRPr>
+          </a:p>
+        </p:txBody>
+      </p:sp>
+      <p:sp>
+        <p:nvSpPr>
+          <p:cNvPr id="5" name="Footer Placeholder 4"/>
+          <p:cNvSpPr>
+            <a:spLocks noGrp="1"/>
+          </p:cNvSpPr>
+          <p:nvPr>
+            <p:ph type="ftr" sz="quarter" idx="11"/>
+          </p:nvPr>
+        </p:nvSpPr>
+        <p:spPr/>
+        <p:txBody>
+          <a:bodyPr/>
+          <a:lstStyle/>
+          <a:p>
+            <a:endParaRPr lang="en-US">
+              <a:solidFill>
+                <a:prstClr val="black">
+                  <a:tint val="75000"/>
+                </a:prstClr>
+              </a:solidFill>
+            </a:endParaRPr>
+          </a:p>
+        </p:txBody>
+      </p:sp>
+      <p:sp>
+        <p:nvSpPr>
+          <p:cNvPr id="6" name="Slide Number Placeholder 5"/>
+          <p:cNvSpPr>
+            <a:spLocks noGrp="1"/>
+          </p:cNvSpPr>
+          <p:nvPr>
+            <p:ph type="sldNum" sz="quarter" idx="12"/>
+          </p:nvPr>
+        </p:nvSpPr>
+        <p:spPr/>
+        <p:txBody>
+          <a:bodyPr/>
+          <a:lstStyle/>
+          <a:p>
+            <a:fld id="{C1FF6DA9-008F-8B48-92A6-B652298478BF}" type="slidenum">
+              <a:rPr lang="en-US" smtClean="0">
+                <a:solidFill>
+                  <a:prstClr val="black">
+                    <a:tint val="75000"/>
+                  </a:prstClr>
+                </a:solidFill>
+              </a:rPr>
+              <a:pPr/>
+              <a:t>‹#›</a:t>
+            </a:fld>
+            <a:endParaRPr lang="en-US">
+              <a:solidFill>
+                <a:prstClr val="black">
+                  <a:tint val="75000"/>
+                </a:prstClr>
+              </a:solidFill>
+            </a:endParaRPr>
+          </a:p>
+        </p:txBody>
+      </p:sp>
+    </p:spTree>
+    <p:extLst>
+      <p:ext uri="{BB962C8B-B14F-4D97-AF65-F5344CB8AC3E}">
+        <p14:creationId xmlns:p14="http://schemas.microsoft.com/office/powerpoint/2010/main" val="4172783359"/>
+      </p:ext>
+    </p:extLst>
+  </p:cSld>
+  <p:clrMapOvr>
+    <a:masterClrMapping/>
+  </p:clrMapOvr>
+</p:sldLayout>
+</file>
+
+<file path=ppt/slideLayouts/slideLayout3.xml><?xml version="1.0" encoding="utf-8"?>
+<p:sldLayout xmlns:a="http://schemas.openxmlformats.org/drawingml/2006/main" xmlns:r="http://schemas.openxmlformats.org/officeDocument/2006/relationships" xmlns:p="http://schemas.openxmlformats.org/presentationml/2006/main" type="secHead" preserve="1">
+  <p:cSld name="Section Header">
+    <p:spTree>
+      <p:nvGrpSpPr>
+        <p:cNvPr id="1" name=""/>
+        <p:cNvGrpSpPr/>
+        <p:nvPr/>
+      </p:nvGrpSpPr>
+      <p:grpSpPr>
+        <a:xfrm>
+          <a:off x="0" y="0"/>
+          <a:ext cx="0" cy="0"/>
+          <a:chOff x="0" y="0"/>
+          <a:chExt cx="0" cy="0"/>
+        </a:xfrm>
+      </p:grpSpPr>
+      <p:sp>
+        <p:nvSpPr>
+          <p:cNvPr id="2" name="Title 1"/>
+          <p:cNvSpPr>
+            <a:spLocks noGrp="1"/>
+          </p:cNvSpPr>
+          <p:nvPr>
+            <p:ph type="title"/>
+          </p:nvPr>
+        </p:nvSpPr>
+        <p:spPr>
+          <a:xfrm>
+            <a:off x="722313" y="4406900"/>
+            <a:ext cx="7772400" cy="1362075"/>
+          </a:xfrm>
+        </p:spPr>
+        <p:txBody>
+          <a:bodyPr anchor="t"/>
+          <a:lstStyle>
+            <a:lvl1pPr algn="l">
+              <a:defRPr sz="4000" b="1" cap="all"/>
+            </a:lvl1pPr>
+          </a:lstStyle>
+          <a:p>
+            <a:r>
+              <a:rPr lang="en-US" smtClean="0"/>
+              <a:t>Click to edit Master title style</a:t>
+            </a:r>
+            <a:endParaRPr lang="en-US"/>
+          </a:p>
+        </p:txBody>
+      </p:sp>
+      <p:sp>
+        <p:nvSpPr>
+          <p:cNvPr id="3" name="Text Placeholder 2"/>
+          <p:cNvSpPr>
+            <a:spLocks noGrp="1"/>
+          </p:cNvSpPr>
+          <p:nvPr>
+            <p:ph type="body" idx="1"/>
+          </p:nvPr>
+        </p:nvSpPr>
+        <p:spPr>
+          <a:xfrm>
+            <a:off x="722313" y="2906713"/>
+            <a:ext cx="7772400" cy="1500187"/>
+          </a:xfrm>
+        </p:spPr>
+        <p:txBody>
+          <a:bodyPr anchor="b"/>
+          <a:lstStyle>
+            <a:lvl1pPr marL="0" indent="0">
+              <a:buNone/>
+              <a:defRPr sz="2000">
+                <a:solidFill>
+                  <a:schemeClr val="tx1">
+                    <a:tint val="75000"/>
+                  </a:schemeClr>
+                </a:solidFill>
+              </a:defRPr>
+            </a:lvl1pPr>
+            <a:lvl2pPr marL="457200" indent="0">
+              <a:buNone/>
+              <a:defRPr sz="1800">
+                <a:solidFill>
+                  <a:schemeClr val="tx1">
+                    <a:tint val="75000"/>
+                  </a:schemeClr>
+                </a:solidFill>
+              </a:defRPr>
+            </a:lvl2pPr>
+            <a:lvl3pPr marL="914400" indent="0">
+              <a:buNone/>
+              <a:defRPr sz="1600">
+                <a:solidFill>
+                  <a:schemeClr val="tx1">
+                    <a:tint val="75000"/>
+                  </a:schemeClr>
+                </a:solidFill>
+              </a:defRPr>
+            </a:lvl3pPr>
+            <a:lvl4pPr marL="1371600" indent="0">
+              <a:buNone/>
+              <a:defRPr sz="1400">
+                <a:solidFill>
+                  <a:schemeClr val="tx1">
+                    <a:tint val="75000"/>
+                  </a:schemeClr>
+                </a:solidFill>
+              </a:defRPr>
+            </a:lvl4pPr>
+            <a:lvl5pPr marL="1828800" indent="0">
+              <a:buNone/>
+              <a:defRPr sz="1400">
+                <a:solidFill>
+                  <a:schemeClr val="tx1">
+                    <a:tint val="75000"/>
+                  </a:schemeClr>
+                </a:solidFill>
+              </a:defRPr>
+            </a:lvl5pPr>
+            <a:lvl6pPr marL="2286000" indent="0">
+              <a:buNone/>
+              <a:defRPr sz="1400">
+                <a:solidFill>
+                  <a:schemeClr val="tx1">
+                    <a:tint val="75000"/>
+                  </a:schemeClr>
+                </a:solidFill>
+              </a:defRPr>
+            </a:lvl6pPr>
+            <a:lvl7pPr marL="2743200" indent="0">
+              <a:buNone/>
+              <a:defRPr sz="1400">
+                <a:solidFill>
+                  <a:schemeClr val="tx1">
+                    <a:tint val="75000"/>
+                  </a:schemeClr>
+                </a:solidFill>
+              </a:defRPr>
+            </a:lvl7pPr>
+            <a:lvl8pPr marL="3200400" indent="0">
+              <a:buNone/>
+              <a:defRPr sz="1400">
+                <a:solidFill>
+                  <a:schemeClr val="tx1">
+                    <a:tint val="75000"/>
+                  </a:schemeClr>
+                </a:solidFill>
+              </a:defRPr>
+            </a:lvl8pPr>
+            <a:lvl9pPr marL="3657600" indent="0">
+              <a:buNone/>
+              <a:defRPr sz="1400">
+                <a:solidFill>
+                  <a:schemeClr val="tx1">
+                    <a:tint val="75000"/>
+                  </a:schemeClr>
+                </a:solidFill>
+              </a:defRPr>
+            </a:lvl9pPr>
+          </a:lstStyle>
+          <a:p>
+            <a:pPr lvl="0"/>
+            <a:r>
+              <a:rPr lang="en-US" smtClean="0"/>
+              <a:t>Click to edit Master text styles</a:t>
+            </a:r>
+          </a:p>
+        </p:txBody>
+      </p:sp>
+      <p:sp>
+        <p:nvSpPr>
+          <p:cNvPr id="4" name="Date Placeholder 3"/>
+          <p:cNvSpPr>
+            <a:spLocks noGrp="1"/>
+          </p:cNvSpPr>
+          <p:nvPr>
+            <p:ph type="dt" sz="half" idx="10"/>
+          </p:nvPr>
+        </p:nvSpPr>
+        <p:spPr/>
+        <p:txBody>
+          <a:bodyPr/>
+          <a:lstStyle/>
+          <a:p>
+            <a:fld id="{5BCAD085-E8A6-8845-BD4E-CB4CCA059FC4}" type="datetimeFigureOut">
+              <a:rPr lang="en-US" smtClean="0">
+                <a:solidFill>
+                  <a:prstClr val="black">
+                    <a:tint val="75000"/>
+                  </a:prstClr>
+                </a:solidFill>
+              </a:rPr>
+              <a:pPr/>
+              <a:t>10/26/2019</a:t>
+            </a:fld>
+            <a:endParaRPr lang="en-US">
+              <a:solidFill>
+                <a:prstClr val="black">
+                  <a:tint val="75000"/>
+                </a:prstClr>
+              </a:solidFill>
+            </a:endParaRPr>
+          </a:p>
+        </p:txBody>
+      </p:sp>
+      <p:sp>
+        <p:nvSpPr>
+          <p:cNvPr id="5" name="Footer Placeholder 4"/>
+          <p:cNvSpPr>
+            <a:spLocks noGrp="1"/>
+          </p:cNvSpPr>
+          <p:nvPr>
+            <p:ph type="ftr" sz="quarter" idx="11"/>
+          </p:nvPr>
+        </p:nvSpPr>
+        <p:spPr/>
+        <p:txBody>
+          <a:bodyPr/>
+          <a:lstStyle/>
+          <a:p>
+            <a:endParaRPr lang="en-US">
+              <a:solidFill>
+                <a:prstClr val="black">
+                  <a:tint val="75000"/>
+                </a:prstClr>
+              </a:solidFill>
+            </a:endParaRPr>
+          </a:p>
+        </p:txBody>
+      </p:sp>
+      <p:sp>
+        <p:nvSpPr>
+          <p:cNvPr id="6" name="Slide Number Placeholder 5"/>
+          <p:cNvSpPr>
+            <a:spLocks noGrp="1"/>
+          </p:cNvSpPr>
+          <p:nvPr>
+            <p:ph type="sldNum" sz="quarter" idx="12"/>
+          </p:nvPr>
+        </p:nvSpPr>
+        <p:spPr/>
+        <p:txBody>
+          <a:bodyPr/>
+          <a:lstStyle/>
+          <a:p>
+            <a:fld id="{C1FF6DA9-008F-8B48-92A6-B652298478BF}" type="slidenum">
+              <a:rPr lang="en-US" smtClean="0">
+                <a:solidFill>
+                  <a:prstClr val="black">
+                    <a:tint val="75000"/>
+                  </a:prstClr>
+                </a:solidFill>
+              </a:rPr>
+              <a:pPr/>
+              <a:t>‹#›</a:t>
+            </a:fld>
+            <a:endParaRPr lang="en-US">
+              <a:solidFill>
+                <a:prstClr val="black">
+                  <a:tint val="75000"/>
+                </a:prstClr>
+              </a:solidFill>
+            </a:endParaRPr>
+          </a:p>
+        </p:txBody>
+      </p:sp>
+    </p:spTree>
+    <p:extLst>
+      <p:ext uri="{BB962C8B-B14F-4D97-AF65-F5344CB8AC3E}">
+        <p14:creationId xmlns:p14="http://schemas.microsoft.com/office/powerpoint/2010/main" val="3705715597"/>
+      </p:ext>
+    </p:extLst>
+  </p:cSld>
+  <p:clrMapOvr>
+    <a:masterClrMapping/>
+  </p:clrMapOvr>
+</p:sldLayout>
+</file>
+
+<file path=ppt/slideLayouts/slideLayout4.xml><?xml version="1.0" encoding="utf-8"?>
+<p:sldLayout xmlns:a="http://schemas.openxmlformats.org/drawingml/2006/main" xmlns:r="http://schemas.openxmlformats.org/officeDocument/2006/relationships" xmlns:p="http://schemas.openxmlformats.org/presentationml/2006/main" type="twoObj" preserve="1">
+  <p:cSld name="Two Content">
+    <p:spTree>
+      <p:nvGrpSpPr>
+        <p:cNvPr id="1" name=""/>
+        <p:cNvGrpSpPr/>
+        <p:nvPr/>
+      </p:nvGrpSpPr>
+      <p:grpSpPr>
+        <a:xfrm>
+          <a:off x="0" y="0"/>
+          <a:ext cx="0" cy="0"/>
+          <a:chOff x="0" y="0"/>
+          <a:chExt cx="0" cy="0"/>
+        </a:xfrm>
+      </p:grpSpPr>
+      <p:sp>
+        <p:nvSpPr>
+          <p:cNvPr id="2" name="Title 1"/>
+          <p:cNvSpPr>
+            <a:spLocks noGrp="1"/>
+          </p:cNvSpPr>
+          <p:nvPr>
+            <p:ph type="title"/>
+          </p:nvPr>
+        </p:nvSpPr>
+        <p:spPr/>
+        <p:txBody>
+          <a:bodyPr/>
+          <a:lstStyle/>
+          <a:p>
+            <a:r>
+              <a:rPr lang="en-US" smtClean="0"/>
+              <a:t>Click to edit Master title style</a:t>
+            </a:r>
+            <a:endParaRPr lang="en-US"/>
+          </a:p>
+        </p:txBody>
+      </p:sp>
+      <p:sp>
+        <p:nvSpPr>
+          <p:cNvPr id="3" name="Content Placeholder 2"/>
+          <p:cNvSpPr>
+            <a:spLocks noGrp="1"/>
+          </p:cNvSpPr>
+          <p:nvPr>
+            <p:ph sz="half" idx="1"/>
+          </p:nvPr>
+        </p:nvSpPr>
+        <p:spPr>
+          <a:xfrm>
+            <a:off x="457200" y="1600200"/>
+            <a:ext cx="4038600" cy="4525963"/>
+          </a:xfrm>
+        </p:spPr>
+        <p:txBody>
+          <a:bodyPr/>
+          <a:lstStyle>
+            <a:lvl1pPr>
+              <a:defRPr sz="2800"/>
+            </a:lvl1pPr>
+            <a:lvl2pPr>
+              <a:defRPr sz="2400"/>
+            </a:lvl2pPr>
+            <a:lvl3pPr>
+              <a:defRPr sz="2000"/>
+            </a:lvl3pPr>
+            <a:lvl4pPr>
+              <a:defRPr sz="1800"/>
+            </a:lvl4pPr>
+            <a:lvl5pPr>
+              <a:defRPr sz="1800"/>
+            </a:lvl5pPr>
+            <a:lvl6pPr>
+              <a:defRPr sz="1800"/>
+            </a:lvl6pPr>
+            <a:lvl7pPr>
+              <a:defRPr sz="1800"/>
+            </a:lvl7pPr>
+            <a:lvl8pPr>
+              <a:defRPr sz="1800"/>
+            </a:lvl8pPr>
+            <a:lvl9pPr>
+              <a:defRPr sz="1800"/>
+            </a:lvl9pPr>
+          </a:lstStyle>
+          <a:p>
+            <a:pPr lvl="0"/>
+            <a:r>
+              <a:rPr lang="en-US" smtClean="0"/>
+              <a:t>Click to edit Master text styles</a:t>
+            </a:r>
+          </a:p>
+          <a:p>
+            <a:pPr lvl="1"/>
+            <a:r>
+              <a:rPr lang="en-US" smtClean="0"/>
+              <a:t>Second level</a:t>
+            </a:r>
+          </a:p>
+          <a:p>
+            <a:pPr lvl="2"/>
+            <a:r>
+              <a:rPr lang="en-US" smtClean="0"/>
+              <a:t>Third level</a:t>
+            </a:r>
+          </a:p>
+          <a:p>
+            <a:pPr lvl="3"/>
+            <a:r>
+              <a:rPr lang="en-US" smtClean="0"/>
+              <a:t>Fourth level</a:t>
+            </a:r>
+          </a:p>
+          <a:p>
+            <a:pPr lvl="4"/>
+            <a:r>
+              <a:rPr lang="en-US" smtClean="0"/>
+              <a:t>Fifth level</a:t>
+            </a:r>
+            <a:endParaRPr lang="en-US"/>
+          </a:p>
+        </p:txBody>
+      </p:sp>
+      <p:sp>
+        <p:nvSpPr>
+          <p:cNvPr id="4" name="Content Placeholder 3"/>
+          <p:cNvSpPr>
+            <a:spLocks noGrp="1"/>
+          </p:cNvSpPr>
+          <p:nvPr>
+            <p:ph sz="half" idx="2"/>
+          </p:nvPr>
+        </p:nvSpPr>
+        <p:spPr>
+          <a:xfrm>
+            <a:off x="4648200" y="1600200"/>
+            <a:ext cx="4038600" cy="4525963"/>
+          </a:xfrm>
+        </p:spPr>
+        <p:txBody>
+          <a:bodyPr/>
+          <a:lstStyle>
+            <a:lvl1pPr>
+              <a:defRPr sz="2800"/>
+            </a:lvl1pPr>
+            <a:lvl2pPr>
+              <a:defRPr sz="2400"/>
+            </a:lvl2pPr>
+            <a:lvl3pPr>
+              <a:defRPr sz="2000"/>
+            </a:lvl3pPr>
+            <a:lvl4pPr>
+              <a:defRPr sz="1800"/>
+            </a:lvl4pPr>
+            <a:lvl5pPr>
+              <a:defRPr sz="1800"/>
+            </a:lvl5pPr>
+            <a:lvl6pPr>
+              <a:defRPr sz="1800"/>
+            </a:lvl6pPr>
+            <a:lvl7pPr>
+              <a:defRPr sz="1800"/>
+            </a:lvl7pPr>
+            <a:lvl8pPr>
+              <a:defRPr sz="1800"/>
+            </a:lvl8pPr>
+            <a:lvl9pPr>
+              <a:defRPr sz="1800"/>
+            </a:lvl9pPr>
+          </a:lstStyle>
+          <a:p>
+            <a:pPr lvl="0"/>
+            <a:r>
+              <a:rPr lang="en-US" smtClean="0"/>
+              <a:t>Click to edit Master text styles</a:t>
+            </a:r>
+          </a:p>
+          <a:p>
+            <a:pPr lvl="1"/>
+            <a:r>
+              <a:rPr lang="en-US" smtClean="0"/>
+              <a:t>Second level</a:t>
+            </a:r>
+          </a:p>
+          <a:p>
+            <a:pPr lvl="2"/>
+            <a:r>
+              <a:rPr lang="en-US" smtClean="0"/>
+              <a:t>Third level</a:t>
+            </a:r>
+          </a:p>
+          <a:p>
+            <a:pPr lvl="3"/>
+            <a:r>
+              <a:rPr lang="en-US" smtClean="0"/>
+              <a:t>Fourth level</a:t>
+            </a:r>
+          </a:p>
+          <a:p>
+            <a:pPr lvl="4"/>
+            <a:r>
+              <a:rPr lang="en-US" smtClean="0"/>
+              <a:t>Fifth level</a:t>
+            </a:r>
+            <a:endParaRPr lang="en-US"/>
+          </a:p>
+        </p:txBody>
+      </p:sp>
+      <p:sp>
+        <p:nvSpPr>
+          <p:cNvPr id="5" name="Date Placeholder 4"/>
+          <p:cNvSpPr>
+            <a:spLocks noGrp="1"/>
+          </p:cNvSpPr>
+          <p:nvPr>
+            <p:ph type="dt" sz="half" idx="10"/>
+          </p:nvPr>
+        </p:nvSpPr>
+        <p:spPr/>
+        <p:txBody>
+          <a:bodyPr/>
+          <a:lstStyle/>
+          <a:p>
+            <a:fld id="{5BCAD085-E8A6-8845-BD4E-CB4CCA059FC4}" type="datetimeFigureOut">
+              <a:rPr lang="en-US" smtClean="0">
+                <a:solidFill>
+                  <a:prstClr val="black">
+                    <a:tint val="75000"/>
+                  </a:prstClr>
+                </a:solidFill>
+              </a:rPr>
+              <a:pPr/>
+              <a:t>10/26/2019</a:t>
+            </a:fld>
+            <a:endParaRPr lang="en-US">
+              <a:solidFill>
+                <a:prstClr val="black">
+                  <a:tint val="75000"/>
+                </a:prstClr>
+              </a:solidFill>
+            </a:endParaRPr>
+          </a:p>
+        </p:txBody>
+      </p:sp>
+      <p:sp>
+        <p:nvSpPr>
+          <p:cNvPr id="6" name="Footer Placeholder 5"/>
+          <p:cNvSpPr>
+            <a:spLocks noGrp="1"/>
+          </p:cNvSpPr>
+          <p:nvPr>
+            <p:ph type="ftr" sz="quarter" idx="11"/>
+          </p:nvPr>
+        </p:nvSpPr>
+        <p:spPr/>
+        <p:txBody>
+          <a:bodyPr/>
+          <a:lstStyle/>
+          <a:p>
+            <a:endParaRPr lang="en-US">
+              <a:solidFill>
+                <a:prstClr val="black">
+                  <a:tint val="75000"/>
+                </a:prstClr>
+              </a:solidFill>
+            </a:endParaRPr>
+          </a:p>
+        </p:txBody>
+      </p:sp>
+      <p:sp>
+        <p:nvSpPr>
+          <p:cNvPr id="7" name="Slide Number Placeholder 6"/>
+          <p:cNvSpPr>
+            <a:spLocks noGrp="1"/>
+          </p:cNvSpPr>
+          <p:nvPr>
+            <p:ph type="sldNum" sz="quarter" idx="12"/>
+          </p:nvPr>
+        </p:nvSpPr>
+        <p:spPr/>
+        <p:txBody>
+          <a:bodyPr/>
+          <a:lstStyle/>
+          <a:p>
+            <a:fld id="{C1FF6DA9-008F-8B48-92A6-B652298478BF}" type="slidenum">
+              <a:rPr lang="en-US" smtClean="0">
+                <a:solidFill>
+                  <a:prstClr val="black">
+                    <a:tint val="75000"/>
+                  </a:prstClr>
+                </a:solidFill>
+              </a:rPr>
+              <a:pPr/>
+              <a:t>‹#›</a:t>
+            </a:fld>
+            <a:endParaRPr lang="en-US">
+              <a:solidFill>
+                <a:prstClr val="black">
+                  <a:tint val="75000"/>
+                </a:prstClr>
+              </a:solidFill>
+            </a:endParaRPr>
+          </a:p>
+        </p:txBody>
+      </p:sp>
+    </p:spTree>
+    <p:extLst>
+      <p:ext uri="{BB962C8B-B14F-4D97-AF65-F5344CB8AC3E}">
+        <p14:creationId xmlns:p14="http://schemas.microsoft.com/office/powerpoint/2010/main" val="2400812920"/>
+      </p:ext>
+    </p:extLst>
+  </p:cSld>
+  <p:clrMapOvr>
+    <a:masterClrMapping/>
+  </p:clrMapOvr>
+</p:sldLayout>
+</file>
+
+<file path=ppt/slideLayouts/slideLayout5.xml><?xml version="1.0" encoding="utf-8"?>
+<p:sldLayout xmlns:a="http://schemas.openxmlformats.org/drawingml/2006/main" xmlns:r="http://schemas.openxmlformats.org/officeDocument/2006/relationships" xmlns:p="http://schemas.openxmlformats.org/presentationml/2006/main" type="twoTxTwoObj" preserve="1">
+  <p:cSld name="Comparison">
+    <p:spTree>
+      <p:nvGrpSpPr>
+        <p:cNvPr id="1" name=""/>
+        <p:cNvGrpSpPr/>
+        <p:nvPr/>
+      </p:nvGrpSpPr>
+      <p:grpSpPr>
+        <a:xfrm>
+          <a:off x="0" y="0"/>
+          <a:ext cx="0" cy="0"/>
+          <a:chOff x="0" y="0"/>
+          <a:chExt cx="0" cy="0"/>
+        </a:xfrm>
+      </p:grpSpPr>
+      <p:sp>
+        <p:nvSpPr>
+          <p:cNvPr id="2" name="Title 1"/>
+          <p:cNvSpPr>
+            <a:spLocks noGrp="1"/>
+          </p:cNvSpPr>
+          <p:nvPr>
+            <p:ph type="title"/>
+          </p:nvPr>
+        </p:nvSpPr>
+        <p:spPr/>
+        <p:txBody>
+          <a:bodyPr/>
+          <a:lstStyle>
+            <a:lvl1pPr>
+              <a:defRPr/>
+            </a:lvl1pPr>
+          </a:lstStyle>
+          <a:p>
+            <a:r>
+              <a:rPr lang="en-US" smtClean="0"/>
+              <a:t>Click to edit Master title style</a:t>
+            </a:r>
+            <a:endParaRPr lang="en-US"/>
+          </a:p>
+        </p:txBody>
+      </p:sp>
+      <p:sp>
+        <p:nvSpPr>
+          <p:cNvPr id="3" name="Text Placeholder 2"/>
+          <p:cNvSpPr>
+            <a:spLocks noGrp="1"/>
+          </p:cNvSpPr>
+          <p:nvPr>
+            <p:ph type="body" idx="1"/>
+          </p:nvPr>
+        </p:nvSpPr>
+        <p:spPr>
+          <a:xfrm>
+            <a:off x="457200" y="1535113"/>
+            <a:ext cx="4040188" cy="639762"/>
+          </a:xfrm>
+        </p:spPr>
+        <p:txBody>
+          <a:bodyPr anchor="b"/>
+          <a:lstStyle>
+            <a:lvl1pPr marL="0" indent="0">
+              <a:buNone/>
+              <a:defRPr sz="2400" b="1"/>
+            </a:lvl1pPr>
+            <a:lvl2pPr marL="457200" indent="0">
+              <a:buNone/>
+              <a:defRPr sz="2000" b="1"/>
+            </a:lvl2pPr>
+            <a:lvl3pPr marL="914400" indent="0">
+              <a:buNone/>
+              <a:defRPr sz="1800" b="1"/>
+            </a:lvl3pPr>
+            <a:lvl4pPr marL="1371600" indent="0">
+              <a:buNone/>
+              <a:defRPr sz="1600" b="1"/>
+            </a:lvl4pPr>
+            <a:lvl5pPr marL="1828800" indent="0">
+              <a:buNone/>
+              <a:defRPr sz="1600" b="1"/>
+            </a:lvl5pPr>
+            <a:lvl6pPr marL="2286000" indent="0">
+              <a:buNone/>
+              <a:defRPr sz="1600" b="1"/>
+            </a:lvl6pPr>
+            <a:lvl7pPr marL="2743200" indent="0">
+              <a:buNone/>
+              <a:defRPr sz="1600" b="1"/>
+            </a:lvl7pPr>
+            <a:lvl8pPr marL="3200400" indent="0">
+              <a:buNone/>
+              <a:defRPr sz="1600" b="1"/>
+            </a:lvl8pPr>
+            <a:lvl9pPr marL="3657600" indent="0">
+              <a:buNone/>
+              <a:defRPr sz="1600" b="1"/>
+            </a:lvl9pPr>
+          </a:lstStyle>
+          <a:p>
+            <a:pPr lvl="0"/>
+            <a:r>
+              <a:rPr lang="en-US" smtClean="0"/>
+              <a:t>Click to edit Master text styles</a:t>
+            </a:r>
+          </a:p>
+        </p:txBody>
+      </p:sp>
+      <p:sp>
+        <p:nvSpPr>
+          <p:cNvPr id="4" name="Content Placeholder 3"/>
+          <p:cNvSpPr>
+            <a:spLocks noGrp="1"/>
+          </p:cNvSpPr>
+          <p:nvPr>
+            <p:ph sz="half" idx="2"/>
+          </p:nvPr>
+        </p:nvSpPr>
+        <p:spPr>
+          <a:xfrm>
+            <a:off x="457200" y="2174875"/>
+            <a:ext cx="4040188" cy="3951288"/>
+          </a:xfrm>
+        </p:spPr>
+        <p:txBody>
+          <a:bodyPr/>
+          <a:lstStyle>
+            <a:lvl1pPr>
+              <a:defRPr sz="2400"/>
+            </a:lvl1pPr>
+            <a:lvl2pPr>
+              <a:defRPr sz="2000"/>
+            </a:lvl2pPr>
+            <a:lvl3pPr>
+              <a:defRPr sz="1800"/>
+            </a:lvl3pPr>
+            <a:lvl4pPr>
+              <a:defRPr sz="1600"/>
+            </a:lvl4pPr>
+            <a:lvl5pPr>
+              <a:defRPr sz="1600"/>
+            </a:lvl5pPr>
+            <a:lvl6pPr>
+              <a:defRPr sz="1600"/>
+            </a:lvl6pPr>
+            <a:lvl7pPr>
+              <a:defRPr sz="1600"/>
+            </a:lvl7pPr>
+            <a:lvl8pPr>
+              <a:defRPr sz="1600"/>
+            </a:lvl8pPr>
+            <a:lvl9pPr>
+              <a:defRPr sz="1600"/>
+            </a:lvl9pPr>
+          </a:lstStyle>
+          <a:p>
+            <a:pPr lvl="0"/>
+            <a:r>
+              <a:rPr lang="en-US" smtClean="0"/>
+              <a:t>Click to edit Master text styles</a:t>
+            </a:r>
+          </a:p>
+          <a:p>
+            <a:pPr lvl="1"/>
+            <a:r>
+              <a:rPr lang="en-US" smtClean="0"/>
+              <a:t>Second level</a:t>
+            </a:r>
+          </a:p>
+          <a:p>
+            <a:pPr lvl="2"/>
+            <a:r>
+              <a:rPr lang="en-US" smtClean="0"/>
+              <a:t>Third level</a:t>
+            </a:r>
+          </a:p>
+          <a:p>
+            <a:pPr lvl="3"/>
+            <a:r>
+              <a:rPr lang="en-US" smtClean="0"/>
+              <a:t>Fourth level</a:t>
+            </a:r>
+          </a:p>
+          <a:p>
+            <a:pPr lvl="4"/>
+            <a:r>
+              <a:rPr lang="en-US" smtClean="0"/>
+              <a:t>Fifth level</a:t>
+            </a:r>
+            <a:endParaRPr lang="en-US"/>
+          </a:p>
+        </p:txBody>
+      </p:sp>
+      <p:sp>
+        <p:nvSpPr>
+          <p:cNvPr id="5" name="Text Placeholder 4"/>
+          <p:cNvSpPr>
+            <a:spLocks noGrp="1"/>
+          </p:cNvSpPr>
+          <p:nvPr>
+            <p:ph type="body" sz="quarter" idx="3"/>
+          </p:nvPr>
+        </p:nvSpPr>
+        <p:spPr>
+          <a:xfrm>
+            <a:off x="4645025" y="1535113"/>
+            <a:ext cx="4041775" cy="639762"/>
+          </a:xfrm>
+        </p:spPr>
+        <p:txBody>
+          <a:bodyPr anchor="b"/>
+          <a:lstStyle>
+            <a:lvl1pPr marL="0" indent="0">
+              <a:buNone/>
+              <a:defRPr sz="2400" b="1"/>
+            </a:lvl1pPr>
+            <a:lvl2pPr marL="457200" indent="0">
+              <a:buNone/>
+              <a:defRPr sz="2000" b="1"/>
+            </a:lvl2pPr>
+            <a:lvl3pPr marL="914400" indent="0">
+              <a:buNone/>
+              <a:defRPr sz="1800" b="1"/>
+            </a:lvl3pPr>
+            <a:lvl4pPr marL="1371600" indent="0">
+              <a:buNone/>
+              <a:defRPr sz="1600" b="1"/>
+            </a:lvl4pPr>
+            <a:lvl5pPr marL="1828800" indent="0">
+              <a:buNone/>
+              <a:defRPr sz="1600" b="1"/>
+            </a:lvl5pPr>
+            <a:lvl6pPr marL="2286000" indent="0">
+              <a:buNone/>
+              <a:defRPr sz="1600" b="1"/>
+            </a:lvl6pPr>
+            <a:lvl7pPr marL="2743200" indent="0">
+              <a:buNone/>
+              <a:defRPr sz="1600" b="1"/>
+            </a:lvl7pPr>
+            <a:lvl8pPr marL="3200400" indent="0">
+              <a:buNone/>
+              <a:defRPr sz="1600" b="1"/>
+            </a:lvl8pPr>
+            <a:lvl9pPr marL="3657600" indent="0">
+              <a:buNone/>
+              <a:defRPr sz="1600" b="1"/>
+            </a:lvl9pPr>
+          </a:lstStyle>
+          <a:p>
+            <a:pPr lvl="0"/>
+            <a:r>
+              <a:rPr lang="en-US" smtClean="0"/>
+              <a:t>Click to edit Master text styles</a:t>
+            </a:r>
+          </a:p>
+        </p:txBody>
+      </p:sp>
+      <p:sp>
+        <p:nvSpPr>
+          <p:cNvPr id="6" name="Content Placeholder 5"/>
+          <p:cNvSpPr>
+            <a:spLocks noGrp="1"/>
+          </p:cNvSpPr>
+          <p:nvPr>
+            <p:ph sz="quarter" idx="4"/>
+          </p:nvPr>
+        </p:nvSpPr>
+        <p:spPr>
+          <a:xfrm>
+            <a:off x="4645025" y="2174875"/>
+            <a:ext cx="4041775" cy="3951288"/>
+          </a:xfrm>
+        </p:spPr>
+        <p:txBody>
+          <a:bodyPr/>
+          <a:lstStyle>
+            <a:lvl1pPr>
+              <a:defRPr sz="2400"/>
+            </a:lvl1pPr>
+            <a:lvl2pPr>
+              <a:defRPr sz="2000"/>
+            </a:lvl2pPr>
+            <a:lvl3pPr>
+              <a:defRPr sz="1800"/>
+            </a:lvl3pPr>
+            <a:lvl4pPr>
+              <a:defRPr sz="1600"/>
+            </a:lvl4pPr>
+            <a:lvl5pPr>
+              <a:defRPr sz="1600"/>
+            </a:lvl5pPr>
+            <a:lvl6pPr>
+              <a:defRPr sz="1600"/>
+            </a:lvl6pPr>
+            <a:lvl7pPr>
+              <a:defRPr sz="1600"/>
+            </a:lvl7pPr>
+            <a:lvl8pPr>
+              <a:defRPr sz="1600"/>
+            </a:lvl8pPr>
+            <a:lvl9pPr>
+              <a:defRPr sz="1600"/>
+            </a:lvl9pPr>
+          </a:lstStyle>
+          <a:p>
+            <a:pPr lvl="0"/>
+            <a:r>
+              <a:rPr lang="en-US" smtClean="0"/>
+              <a:t>Click to edit Master text styles</a:t>
+            </a:r>
+          </a:p>
+          <a:p>
+            <a:pPr lvl="1"/>
+            <a:r>
+              <a:rPr lang="en-US" smtClean="0"/>
+              <a:t>Second level</a:t>
+            </a:r>
+          </a:p>
+          <a:p>
+            <a:pPr lvl="2"/>
+            <a:r>
+              <a:rPr lang="en-US" smtClean="0"/>
+              <a:t>Third level</a:t>
+            </a:r>
+          </a:p>
+          <a:p>
+            <a:pPr lvl="3"/>
+            <a:r>
+              <a:rPr lang="en-US" smtClean="0"/>
+              <a:t>Fourth level</a:t>
+            </a:r>
+          </a:p>
+          <a:p>
+            <a:pPr lvl="4"/>
+            <a:r>
+              <a:rPr lang="en-US" smtClean="0"/>
+              <a:t>Fifth level</a:t>
+            </a:r>
+            <a:endParaRPr lang="en-US"/>
+          </a:p>
+        </p:txBody>
+      </p:sp>
+      <p:sp>
+        <p:nvSpPr>
+          <p:cNvPr id="7" name="Date Placeholder 6"/>
+          <p:cNvSpPr>
+            <a:spLocks noGrp="1"/>
+          </p:cNvSpPr>
+          <p:nvPr>
+            <p:ph type="dt" sz="half" idx="10"/>
+          </p:nvPr>
+        </p:nvSpPr>
+        <p:spPr/>
+        <p:txBody>
+          <a:bodyPr/>
+          <a:lstStyle/>
+          <a:p>
+            <a:fld id="{5BCAD085-E8A6-8845-BD4E-CB4CCA059FC4}" type="datetimeFigureOut">
+              <a:rPr lang="en-US" smtClean="0">
+                <a:solidFill>
+                  <a:prstClr val="black">
+                    <a:tint val="75000"/>
+                  </a:prstClr>
+                </a:solidFill>
+              </a:rPr>
+              <a:pPr/>
+              <a:t>10/26/2019</a:t>
+            </a:fld>
+            <a:endParaRPr lang="en-US">
+              <a:solidFill>
+                <a:prstClr val="black">
+                  <a:tint val="75000"/>
+                </a:prstClr>
+              </a:solidFill>
+            </a:endParaRPr>
+          </a:p>
+        </p:txBody>
+      </p:sp>
+      <p:sp>
+        <p:nvSpPr>
+          <p:cNvPr id="8" name="Footer Placeholder 7"/>
+          <p:cNvSpPr>
+            <a:spLocks noGrp="1"/>
+          </p:cNvSpPr>
+          <p:nvPr>
+            <p:ph type="ftr" sz="quarter" idx="11"/>
+          </p:nvPr>
+        </p:nvSpPr>
+        <p:spPr/>
+        <p:txBody>
+          <a:bodyPr/>
+          <a:lstStyle/>
+          <a:p>
+            <a:endParaRPr lang="en-US">
+              <a:solidFill>
+                <a:prstClr val="black">
+                  <a:tint val="75000"/>
+                </a:prstClr>
+              </a:solidFill>
+            </a:endParaRPr>
+          </a:p>
+        </p:txBody>
+      </p:sp>
+      <p:sp>
+        <p:nvSpPr>
+          <p:cNvPr id="9" name="Slide Number Placeholder 8"/>
+          <p:cNvSpPr>
+            <a:spLocks noGrp="1"/>
+          </p:cNvSpPr>
+          <p:nvPr>
+            <p:ph type="sldNum" sz="quarter" idx="12"/>
+          </p:nvPr>
+        </p:nvSpPr>
+        <p:spPr/>
+        <p:txBody>
+          <a:bodyPr/>
+          <a:lstStyle/>
+          <a:p>
+            <a:fld id="{C1FF6DA9-008F-8B48-92A6-B652298478BF}" type="slidenum">
+              <a:rPr lang="en-US" smtClean="0">
+                <a:solidFill>
+                  <a:prstClr val="black">
+                    <a:tint val="75000"/>
+                  </a:prstClr>
+                </a:solidFill>
+              </a:rPr>
+              <a:pPr/>
+              <a:t>‹#›</a:t>
+            </a:fld>
+            <a:endParaRPr lang="en-US">
+              <a:solidFill>
+                <a:prstClr val="black">
+                  <a:tint val="75000"/>
+                </a:prstClr>
+              </a:solidFill>
+            </a:endParaRPr>
+          </a:p>
+        </p:txBody>
+      </p:sp>
+    </p:spTree>
+    <p:extLst>
+      <p:ext uri="{BB962C8B-B14F-4D97-AF65-F5344CB8AC3E}">
+        <p14:creationId xmlns:p14="http://schemas.microsoft.com/office/powerpoint/2010/main" val="1609354055"/>
+      </p:ext>
+    </p:extLst>
+  </p:cSld>
+  <p:clrMapOvr>
+    <a:masterClrMapping/>
+  </p:clrMapOvr>
+</p:sldLayout>
+</file>
+
+<file path=ppt/slideLayouts/slideLayout6.xml><?xml version="1.0" encoding="utf-8"?>
+<p:sldLayout xmlns:a="http://schemas.openxmlformats.org/drawingml/2006/main" xmlns:r="http://schemas.openxmlformats.org/officeDocument/2006/relationships" xmlns:p="http://schemas.openxmlformats.org/presentationml/2006/main" type="titleOnly" preserve="1">
+  <p:cSld name="Title Only">
+    <p:spTree>
+      <p:nvGrpSpPr>
+        <p:cNvPr id="1" name=""/>
+        <p:cNvGrpSpPr/>
+        <p:nvPr/>
+      </p:nvGrpSpPr>
+      <p:grpSpPr>
+        <a:xfrm>
+          <a:off x="0" y="0"/>
+          <a:ext cx="0" cy="0"/>
+          <a:chOff x="0" y="0"/>
+          <a:chExt cx="0" cy="0"/>
+        </a:xfrm>
+      </p:grpSpPr>
+      <p:sp>
+        <p:nvSpPr>
+          <p:cNvPr id="2" name="Title 1"/>
+          <p:cNvSpPr>
+            <a:spLocks noGrp="1"/>
+          </p:cNvSpPr>
+          <p:nvPr>
+            <p:ph type="title"/>
+          </p:nvPr>
+        </p:nvSpPr>
+        <p:spPr/>
+        <p:txBody>
+          <a:bodyPr/>
+          <a:lstStyle/>
+          <a:p>
+            <a:r>
+              <a:rPr lang="en-US" smtClean="0"/>
+              <a:t>Click to edit Master title style</a:t>
+            </a:r>
+            <a:endParaRPr lang="en-US"/>
+          </a:p>
+        </p:txBody>
+      </p:sp>
+      <p:sp>
+        <p:nvSpPr>
+          <p:cNvPr id="3" name="Date Placeholder 2"/>
+          <p:cNvSpPr>
+            <a:spLocks noGrp="1"/>
+          </p:cNvSpPr>
+          <p:nvPr>
+            <p:ph type="dt" sz="half" idx="10"/>
+          </p:nvPr>
+        </p:nvSpPr>
+        <p:spPr/>
+        <p:txBody>
+          <a:bodyPr/>
+          <a:lstStyle/>
+          <a:p>
+            <a:fld id="{5BCAD085-E8A6-8845-BD4E-CB4CCA059FC4}" type="datetimeFigureOut">
+              <a:rPr lang="en-US" smtClean="0">
+                <a:solidFill>
+                  <a:prstClr val="black">
+                    <a:tint val="75000"/>
+                  </a:prstClr>
+                </a:solidFill>
+              </a:rPr>
+              <a:pPr/>
+              <a:t>10/26/2019</a:t>
+            </a:fld>
+            <a:endParaRPr lang="en-US">
+              <a:solidFill>
+                <a:prstClr val="black">
+                  <a:tint val="75000"/>
+                </a:prstClr>
+              </a:solidFill>
+            </a:endParaRPr>
+          </a:p>
+        </p:txBody>
+      </p:sp>
+      <p:sp>
+        <p:nvSpPr>
+          <p:cNvPr id="4" name="Footer Placeholder 3"/>
+          <p:cNvSpPr>
+            <a:spLocks noGrp="1"/>
+          </p:cNvSpPr>
+          <p:nvPr>
+            <p:ph type="ftr" sz="quarter" idx="11"/>
+          </p:nvPr>
+        </p:nvSpPr>
+        <p:spPr/>
+        <p:txBody>
+          <a:bodyPr/>
+          <a:lstStyle/>
+          <a:p>
+            <a:endParaRPr lang="en-US">
+              <a:solidFill>
+                <a:prstClr val="black">
+                  <a:tint val="75000"/>
+                </a:prstClr>
+              </a:solidFill>
+            </a:endParaRPr>
+          </a:p>
+        </p:txBody>
+      </p:sp>
+      <p:sp>
+        <p:nvSpPr>
+          <p:cNvPr id="5" name="Slide Number Placeholder 4"/>
+          <p:cNvSpPr>
+            <a:spLocks noGrp="1"/>
+          </p:cNvSpPr>
+          <p:nvPr>
+            <p:ph type="sldNum" sz="quarter" idx="12"/>
+          </p:nvPr>
+        </p:nvSpPr>
+        <p:spPr/>
+        <p:txBody>
+          <a:bodyPr/>
+          <a:lstStyle/>
+          <a:p>
+            <a:fld id="{C1FF6DA9-008F-8B48-92A6-B652298478BF}" type="slidenum">
+              <a:rPr lang="en-US" smtClean="0">
+                <a:solidFill>
+                  <a:prstClr val="black">
+                    <a:tint val="75000"/>
+                  </a:prstClr>
+                </a:solidFill>
+              </a:rPr>
+              <a:pPr/>
+              <a:t>‹#›</a:t>
+            </a:fld>
+            <a:endParaRPr lang="en-US">
+              <a:solidFill>
+                <a:prstClr val="black">
+                  <a:tint val="75000"/>
+                </a:prstClr>
+              </a:solidFill>
+            </a:endParaRPr>
+          </a:p>
+        </p:txBody>
+      </p:sp>
+    </p:spTree>
+    <p:extLst>
+      <p:ext uri="{BB962C8B-B14F-4D97-AF65-F5344CB8AC3E}">
+        <p14:creationId xmlns:p14="http://schemas.microsoft.com/office/powerpoint/2010/main" val="1041254034"/>
+      </p:ext>
+    </p:extLst>
+  </p:cSld>
+  <p:clrMapOvr>
+    <a:masterClrMapping/>
+  </p:clrMapOvr>
+</p:sldLayout>
+</file>
+
+<file path=ppt/slideLayouts/slideLayout7.xml><?xml version="1.0" encoding="utf-8"?>
+<p:sldLayout xmlns:a="http://schemas.openxmlformats.org/drawingml/2006/main" xmlns:r="http://schemas.openxmlformats.org/officeDocument/2006/relationships" xmlns:p="http://schemas.openxmlformats.org/presentationml/2006/main" type="blank" preserve="1">
+  <p:cSld name="Blank">
+    <p:spTree>
+      <p:nvGrpSpPr>
+        <p:cNvPr id="1" name=""/>
+        <p:cNvGrpSpPr/>
+        <p:nvPr/>
+      </p:nvGrpSpPr>
+      <p:grpSpPr>
+        <a:xfrm>
+          <a:off x="0" y="0"/>
+          <a:ext cx="0" cy="0"/>
+          <a:chOff x="0" y="0"/>
+          <a:chExt cx="0" cy="0"/>
+        </a:xfrm>
+      </p:grpSpPr>
+      <p:sp>
+        <p:nvSpPr>
+          <p:cNvPr id="2" name="Date Placeholder 1"/>
+          <p:cNvSpPr>
+            <a:spLocks noGrp="1"/>
+          </p:cNvSpPr>
+          <p:nvPr>
+            <p:ph type="dt" sz="half" idx="10"/>
+          </p:nvPr>
+        </p:nvSpPr>
+        <p:spPr/>
+        <p:txBody>
+          <a:bodyPr/>
+          <a:lstStyle/>
+          <a:p>
+            <a:fld id="{5BCAD085-E8A6-8845-BD4E-CB4CCA059FC4}" type="datetimeFigureOut">
+              <a:rPr lang="en-US" smtClean="0">
+                <a:solidFill>
+                  <a:prstClr val="black">
+                    <a:tint val="75000"/>
+                  </a:prstClr>
+                </a:solidFill>
+              </a:rPr>
+              <a:pPr/>
+              <a:t>10/26/2019</a:t>
+            </a:fld>
+            <a:endParaRPr lang="en-US">
+              <a:solidFill>
+                <a:prstClr val="black">
+                  <a:tint val="75000"/>
+                </a:prstClr>
+              </a:solidFill>
+            </a:endParaRPr>
+          </a:p>
+        </p:txBody>
+      </p:sp>
+      <p:sp>
+        <p:nvSpPr>
+          <p:cNvPr id="3" name="Footer Placeholder 2"/>
+          <p:cNvSpPr>
+            <a:spLocks noGrp="1"/>
+          </p:cNvSpPr>
+          <p:nvPr>
+            <p:ph type="ftr" sz="quarter" idx="11"/>
+          </p:nvPr>
+        </p:nvSpPr>
+        <p:spPr/>
+        <p:txBody>
+          <a:bodyPr/>
+          <a:lstStyle/>
+          <a:p>
+            <a:endParaRPr lang="en-US">
+              <a:solidFill>
+                <a:prstClr val="black">
+                  <a:tint val="75000"/>
+                </a:prstClr>
+              </a:solidFill>
+            </a:endParaRPr>
+          </a:p>
+        </p:txBody>
+      </p:sp>
+      <p:sp>
+        <p:nvSpPr>
+          <p:cNvPr id="4" name="Slide Number Placeholder 3"/>
+          <p:cNvSpPr>
+            <a:spLocks noGrp="1"/>
+          </p:cNvSpPr>
+          <p:nvPr>
+            <p:ph type="sldNum" sz="quarter" idx="12"/>
+          </p:nvPr>
+        </p:nvSpPr>
+        <p:spPr/>
+        <p:txBody>
+          <a:bodyPr/>
+          <a:lstStyle/>
+          <a:p>
+            <a:fld id="{C1FF6DA9-008F-8B48-92A6-B652298478BF}" type="slidenum">
+              <a:rPr lang="en-US" smtClean="0">
+                <a:solidFill>
+                  <a:prstClr val="black">
+                    <a:tint val="75000"/>
+                  </a:prstClr>
+                </a:solidFill>
+              </a:rPr>
+              <a:pPr/>
+              <a:t>‹#›</a:t>
+            </a:fld>
+            <a:endParaRPr lang="en-US">
+              <a:solidFill>
+                <a:prstClr val="black">
+                  <a:tint val="75000"/>
+                </a:prstClr>
+              </a:solidFill>
+            </a:endParaRPr>
+          </a:p>
+        </p:txBody>
+      </p:sp>
+    </p:spTree>
+    <p:extLst>
+      <p:ext uri="{BB962C8B-B14F-4D97-AF65-F5344CB8AC3E}">
+        <p14:creationId xmlns:p14="http://schemas.microsoft.com/office/powerpoint/2010/main" val="1633009547"/>
+      </p:ext>
+    </p:extLst>
+  </p:cSld>
+  <p:clrMapOvr>
+    <a:masterClrMapping/>
+  </p:clrMapOvr>
+</p:sldLayout>
+</file>
+
+<file path=ppt/slideLayouts/slideLayout8.xml><?xml version="1.0" encoding="utf-8"?>
+<p:sldLayout xmlns:a="http://schemas.openxmlformats.org/drawingml/2006/main" xmlns:r="http://schemas.openxmlformats.org/officeDocument/2006/relationships" xmlns:p="http://schemas.openxmlformats.org/presentationml/2006/main" type="objTx" preserve="1">
+  <p:cSld name="Content with Caption">
+    <p:spTree>
+      <p:nvGrpSpPr>
+        <p:cNvPr id="1" name=""/>
+        <p:cNvGrpSpPr/>
+        <p:nvPr/>
+      </p:nvGrpSpPr>
+      <p:grpSpPr>
+        <a:xfrm>
+          <a:off x="0" y="0"/>
+          <a:ext cx="0" cy="0"/>
+          <a:chOff x="0" y="0"/>
+          <a:chExt cx="0" cy="0"/>
+        </a:xfrm>
+      </p:grpSpPr>
+      <p:sp>
+        <p:nvSpPr>
+          <p:cNvPr id="2" name="Title 1"/>
+          <p:cNvSpPr>
+            <a:spLocks noGrp="1"/>
+          </p:cNvSpPr>
+          <p:nvPr>
+            <p:ph type="title"/>
+          </p:nvPr>
+        </p:nvSpPr>
+        <p:spPr>
+          <a:xfrm>
+            <a:off x="457200" y="273050"/>
+            <a:ext cx="3008313" cy="1162050"/>
+          </a:xfrm>
+        </p:spPr>
+        <p:txBody>
+          <a:bodyPr anchor="b"/>
+          <a:lstStyle>
+            <a:lvl1pPr algn="l">
+              <a:defRPr sz="2000" b="1"/>
+            </a:lvl1pPr>
+          </a:lstStyle>
+          <a:p>
+            <a:r>
+              <a:rPr lang="en-US" smtClean="0"/>
+              <a:t>Click to edit Master title style</a:t>
+            </a:r>
+            <a:endParaRPr lang="en-US"/>
+          </a:p>
+        </p:txBody>
+      </p:sp>
+      <p:sp>
+        <p:nvSpPr>
+          <p:cNvPr id="3" name="Content Placeholder 2"/>
+          <p:cNvSpPr>
+            <a:spLocks noGrp="1"/>
+          </p:cNvSpPr>
+          <p:nvPr>
+            <p:ph idx="1"/>
+          </p:nvPr>
+        </p:nvSpPr>
+        <p:spPr>
+          <a:xfrm>
+            <a:off x="3575050" y="273050"/>
+            <a:ext cx="5111750" cy="5853113"/>
+          </a:xfrm>
+        </p:spPr>
+        <p:txBody>
+          <a:bodyPr/>
+          <a:lstStyle>
+            <a:lvl1pPr>
+              <a:defRPr sz="3200"/>
+            </a:lvl1pPr>
+            <a:lvl2pPr>
+              <a:defRPr sz="2800"/>
+            </a:lvl2pPr>
+            <a:lvl3pPr>
+              <a:defRPr sz="2400"/>
+            </a:lvl3pPr>
+            <a:lvl4pPr>
+              <a:defRPr sz="2000"/>
+            </a:lvl4pPr>
+            <a:lvl5pPr>
+              <a:defRPr sz="2000"/>
+            </a:lvl5pPr>
+            <a:lvl6pPr>
+              <a:defRPr sz="2000"/>
+            </a:lvl6pPr>
+            <a:lvl7pPr>
+              <a:defRPr sz="2000"/>
+            </a:lvl7pPr>
+            <a:lvl8pPr>
+              <a:defRPr sz="2000"/>
+            </a:lvl8pPr>
+            <a:lvl9pPr>
+              <a:defRPr sz="2000"/>
+            </a:lvl9pPr>
+          </a:lstStyle>
+          <a:p>
+            <a:pPr lvl="0"/>
+            <a:r>
+              <a:rPr lang="en-US" smtClean="0"/>
+              <a:t>Click to edit Master text styles</a:t>
+            </a:r>
+          </a:p>
+          <a:p>
+            <a:pPr lvl="1"/>
+            <a:r>
+              <a:rPr lang="en-US" smtClean="0"/>
+              <a:t>Second level</a:t>
+            </a:r>
+          </a:p>
+          <a:p>
+            <a:pPr lvl="2"/>
+            <a:r>
+              <a:rPr lang="en-US" smtClean="0"/>
+              <a:t>Third level</a:t>
+            </a:r>
+          </a:p>
+          <a:p>
+            <a:pPr lvl="3"/>
+            <a:r>
+              <a:rPr lang="en-US" smtClean="0"/>
+              <a:t>Fourth level</a:t>
+            </a:r>
+          </a:p>
+          <a:p>
+            <a:pPr lvl="4"/>
+            <a:r>
+              <a:rPr lang="en-US" smtClean="0"/>
+              <a:t>Fifth level</a:t>
+            </a:r>
+            <a:endParaRPr lang="en-US"/>
+          </a:p>
+        </p:txBody>
+      </p:sp>
+      <p:sp>
+        <p:nvSpPr>
+          <p:cNvPr id="4" name="Text Placeholder 3"/>
+          <p:cNvSpPr>
+            <a:spLocks noGrp="1"/>
+          </p:cNvSpPr>
+          <p:nvPr>
+            <p:ph type="body" sz="half" idx="2"/>
+          </p:nvPr>
+        </p:nvSpPr>
+        <p:spPr>
+          <a:xfrm>
+            <a:off x="457200" y="1435100"/>
+            <a:ext cx="3008313" cy="4691063"/>
+          </a:xfrm>
+        </p:spPr>
+        <p:txBody>
+          <a:bodyPr/>
+          <a:lstStyle>
+            <a:lvl1pPr marL="0" indent="0">
+              <a:buNone/>
+              <a:defRPr sz="1400"/>
+            </a:lvl1pPr>
+            <a:lvl2pPr marL="457200" indent="0">
+              <a:buNone/>
+              <a:defRPr sz="1200"/>
+            </a:lvl2pPr>
+            <a:lvl3pPr marL="914400" indent="0">
+              <a:buNone/>
+              <a:defRPr sz="1000"/>
+            </a:lvl3pPr>
+            <a:lvl4pPr marL="1371600" indent="0">
+              <a:buNone/>
+              <a:defRPr sz="900"/>
+            </a:lvl4pPr>
+            <a:lvl5pPr marL="1828800" indent="0">
+              <a:buNone/>
+              <a:defRPr sz="900"/>
+            </a:lvl5pPr>
+            <a:lvl6pPr marL="2286000" indent="0">
+              <a:buNone/>
+              <a:defRPr sz="900"/>
+            </a:lvl6pPr>
+            <a:lvl7pPr marL="2743200" indent="0">
+              <a:buNone/>
+              <a:defRPr sz="900"/>
+            </a:lvl7pPr>
+            <a:lvl8pPr marL="3200400" indent="0">
+              <a:buNone/>
+              <a:defRPr sz="900"/>
+            </a:lvl8pPr>
+            <a:lvl9pPr marL="3657600" indent="0">
+              <a:buNone/>
+              <a:defRPr sz="900"/>
+            </a:lvl9pPr>
+          </a:lstStyle>
+          <a:p>
+            <a:pPr lvl="0"/>
+            <a:r>
+              <a:rPr lang="en-US" smtClean="0"/>
+              <a:t>Click to edit Master text styles</a:t>
+            </a:r>
+          </a:p>
+        </p:txBody>
+      </p:sp>
+      <p:sp>
+        <p:nvSpPr>
+          <p:cNvPr id="5" name="Date Placeholder 4"/>
+          <p:cNvSpPr>
+            <a:spLocks noGrp="1"/>
+          </p:cNvSpPr>
+          <p:nvPr>
+            <p:ph type="dt" sz="half" idx="10"/>
+          </p:nvPr>
+        </p:nvSpPr>
+        <p:spPr/>
+        <p:txBody>
+          <a:bodyPr/>
+          <a:lstStyle/>
+          <a:p>
+            <a:fld id="{5BCAD085-E8A6-8845-BD4E-CB4CCA059FC4}" type="datetimeFigureOut">
+              <a:rPr lang="en-US" smtClean="0">
+                <a:solidFill>
+                  <a:prstClr val="black">
+                    <a:tint val="75000"/>
+                  </a:prstClr>
+                </a:solidFill>
+              </a:rPr>
+              <a:pPr/>
+              <a:t>10/26/2019</a:t>
+            </a:fld>
+            <a:endParaRPr lang="en-US">
+              <a:solidFill>
+                <a:prstClr val="black">
+                  <a:tint val="75000"/>
+                </a:prstClr>
+              </a:solidFill>
+            </a:endParaRPr>
+          </a:p>
+        </p:txBody>
+      </p:sp>
+      <p:sp>
+        <p:nvSpPr>
+          <p:cNvPr id="6" name="Footer Placeholder 5"/>
+          <p:cNvSpPr>
+            <a:spLocks noGrp="1"/>
+          </p:cNvSpPr>
+          <p:nvPr>
+            <p:ph type="ftr" sz="quarter" idx="11"/>
+          </p:nvPr>
+        </p:nvSpPr>
+        <p:spPr/>
+        <p:txBody>
+          <a:bodyPr/>
+          <a:lstStyle/>
+          <a:p>
+            <a:endParaRPr lang="en-US">
+              <a:solidFill>
+                <a:prstClr val="black">
+                  <a:tint val="75000"/>
+                </a:prstClr>
+              </a:solidFill>
+            </a:endParaRPr>
+          </a:p>
+        </p:txBody>
+      </p:sp>
+      <p:sp>
+        <p:nvSpPr>
+          <p:cNvPr id="7" name="Slide Number Placeholder 6"/>
+          <p:cNvSpPr>
+            <a:spLocks noGrp="1"/>
+          </p:cNvSpPr>
+          <p:nvPr>
+            <p:ph type="sldNum" sz="quarter" idx="12"/>
+          </p:nvPr>
+        </p:nvSpPr>
+        <p:spPr/>
+        <p:txBody>
+          <a:bodyPr/>
+          <a:lstStyle/>
+          <a:p>
+            <a:fld id="{C1FF6DA9-008F-8B48-92A6-B652298478BF}" type="slidenum">
+              <a:rPr lang="en-US" smtClean="0">
+                <a:solidFill>
+                  <a:prstClr val="black">
+                    <a:tint val="75000"/>
+                  </a:prstClr>
+                </a:solidFill>
+              </a:rPr>
+              <a:pPr/>
+              <a:t>‹#›</a:t>
+            </a:fld>
+            <a:endParaRPr lang="en-US">
+              <a:solidFill>
+                <a:prstClr val="black">
+                  <a:tint val="75000"/>
+                </a:prstClr>
+              </a:solidFill>
+            </a:endParaRPr>
+          </a:p>
+        </p:txBody>
+      </p:sp>
+    </p:spTree>
+    <p:extLst>
+      <p:ext uri="{BB962C8B-B14F-4D97-AF65-F5344CB8AC3E}">
+        <p14:creationId xmlns:p14="http://schemas.microsoft.com/office/powerpoint/2010/main" val="2081925427"/>
       </p:ext>
     </p:extLst>
   </p:cSld>
@@ -2514,10 +5648,23 @@
           <a:lstStyle/>
           <a:p>
             <a:fld id="{5BCAD085-E8A6-8845-BD4E-CB4CCA059FC4}" type="datetimeFigureOut">
-              <a:rPr lang="en-US" smtClean="0"/>
-              <a:t>9/7/2019</a:t>
+              <a:rPr lang="en-US" smtClean="0">
+                <a:solidFill>
+                  <a:prstClr val="black">
+                    <a:tint val="75000"/>
+                  </a:prstClr>
+                </a:solidFill>
+              </a:rPr>
+              <a:pPr/>
+              <a:t>10/26/2019</a:t>
             </a:fld>
-            <a:endParaRPr lang="en-US"/>
+            <a:endParaRPr lang="en-US">
+              <a:solidFill>
+                <a:prstClr val="black">
+                  <a:tint val="75000"/>
+                </a:prstClr>
+              </a:solidFill>
+            </a:endParaRPr>
           </a:p>
         </p:txBody>
       </p:sp>
@@ -2536,7 +5683,13 @@
           <a:bodyPr/>
           <a:lstStyle/>
           <a:p>
-            <a:endParaRPr lang="en-US"/>
+            <a:endParaRPr lang="en-US">
+              <a:solidFill>
+                <a:prstClr val="black">
+                  <a:tint val="75000"/>
+                </a:prstClr>
+              </a:solidFill>
+            </a:endParaRPr>
           </a:p>
         </p:txBody>
       </p:sp>
@@ -2556,17 +5709,30 @@
           <a:lstStyle/>
           <a:p>
             <a:fld id="{C1FF6DA9-008F-8B48-92A6-B652298478BF}" type="slidenum">
-              <a:rPr lang="en-US" smtClean="0"/>
+              <a:rPr lang="en-US" smtClean="0">
+                <a:solidFill>
+                  <a:prstClr val="black">
+                    <a:tint val="75000"/>
+                  </a:prstClr>
+                </a:solidFill>
+              </a:rPr>
+              <a:pPr/>
               <a:t>‹#›</a:t>
             </a:fld>
-            <a:endParaRPr lang="en-US"/>
+            <a:endParaRPr lang="en-US">
+              <a:solidFill>
+                <a:prstClr val="black">
+                  <a:tint val="75000"/>
+                </a:prstClr>
+              </a:solidFill>
+            </a:endParaRPr>
           </a:p>
         </p:txBody>
       </p:sp>
     </p:spTree>
     <p:extLst>
       <p:ext uri="{BB962C8B-B14F-4D97-AF65-F5344CB8AC3E}">
-        <p14:creationId xmlns:p14="http://schemas.microsoft.com/office/powerpoint/2010/main" val="3889236939"/>
+        <p14:creationId xmlns:p14="http://schemas.microsoft.com/office/powerpoint/2010/main" val="3453240797"/>
       </p:ext>
     </p:extLst>
   </p:cSld>
@@ -2727,10 +5893,23 @@
           </a:lstStyle>
           <a:p>
             <a:fld id="{5BCAD085-E8A6-8845-BD4E-CB4CCA059FC4}" type="datetimeFigureOut">
-              <a:rPr lang="en-US" smtClean="0"/>
-              <a:t>9/7/2019</a:t>
+              <a:rPr lang="en-US" smtClean="0">
+                <a:solidFill>
+                  <a:prstClr val="black">
+                    <a:tint val="75000"/>
+                  </a:prstClr>
+                </a:solidFill>
+              </a:rPr>
+              <a:pPr/>
+              <a:t>10/26/2019</a:t>
             </a:fld>
-            <a:endParaRPr lang="en-US"/>
+            <a:endParaRPr lang="en-US">
+              <a:solidFill>
+                <a:prstClr val="black">
+                  <a:tint val="75000"/>
+                </a:prstClr>
+              </a:solidFill>
+            </a:endParaRPr>
           </a:p>
         </p:txBody>
       </p:sp>
@@ -2767,7 +5946,13 @@
             </a:lvl1pPr>
           </a:lstStyle>
           <a:p>
-            <a:endParaRPr lang="en-US"/>
+            <a:endParaRPr lang="en-US">
+              <a:solidFill>
+                <a:prstClr val="black">
+                  <a:tint val="75000"/>
+                </a:prstClr>
+              </a:solidFill>
+            </a:endParaRPr>
           </a:p>
         </p:txBody>
       </p:sp>
@@ -2805,33 +5990,588 @@
           </a:lstStyle>
           <a:p>
             <a:fld id="{C1FF6DA9-008F-8B48-92A6-B652298478BF}" type="slidenum">
-              <a:rPr lang="en-US" smtClean="0"/>
+              <a:rPr lang="en-US" smtClean="0">
+                <a:solidFill>
+                  <a:prstClr val="black">
+                    <a:tint val="75000"/>
+                  </a:prstClr>
+                </a:solidFill>
+              </a:rPr>
+              <a:pPr/>
               <a:t>‹#›</a:t>
             </a:fld>
-            <a:endParaRPr lang="en-US"/>
+            <a:endParaRPr lang="en-US">
+              <a:solidFill>
+                <a:prstClr val="black">
+                  <a:tint val="75000"/>
+                </a:prstClr>
+              </a:solidFill>
+            </a:endParaRPr>
           </a:p>
         </p:txBody>
       </p:sp>
     </p:spTree>
     <p:extLst>
       <p:ext uri="{BB962C8B-B14F-4D97-AF65-F5344CB8AC3E}">
-        <p14:creationId xmlns:p14="http://schemas.microsoft.com/office/powerpoint/2010/main" val="2209977519"/>
+        <p14:creationId xmlns:p14="http://schemas.microsoft.com/office/powerpoint/2010/main" val="313172982"/>
       </p:ext>
     </p:extLst>
   </p:cSld>
   <p:clrMap bg1="lt1" tx1="dk1" bg2="lt2" tx2="dk2" accent1="accent1" accent2="accent2" accent3="accent3" accent4="accent4" accent5="accent5" accent6="accent6" hlink="hlink" folHlink="folHlink"/>
   <p:sldLayoutIdLst>
-    <p:sldLayoutId id="2147483649" r:id="rId1"/>
-    <p:sldLayoutId id="2147483650" r:id="rId2"/>
-    <p:sldLayoutId id="2147483651" r:id="rId3"/>
-    <p:sldLayoutId id="2147483652" r:id="rId4"/>
-    <p:sldLayoutId id="2147483653" r:id="rId5"/>
-    <p:sldLayoutId id="2147483654" r:id="rId6"/>
-    <p:sldLayoutId id="2147483655" r:id="rId7"/>
-    <p:sldLayoutId id="2147483656" r:id="rId8"/>
-    <p:sldLayoutId id="2147483657" r:id="rId9"/>
-    <p:sldLayoutId id="2147483658" r:id="rId10"/>
-    <p:sldLayoutId id="2147483659" r:id="rId11"/>
+    <p:sldLayoutId id="2147483685" r:id="rId1"/>
+    <p:sldLayoutId id="2147483686" r:id="rId2"/>
+    <p:sldLayoutId id="2147483687" r:id="rId3"/>
+    <p:sldLayoutId id="2147483688" r:id="rId4"/>
+    <p:sldLayoutId id="2147483689" r:id="rId5"/>
+    <p:sldLayoutId id="2147483690" r:id="rId6"/>
+    <p:sldLayoutId id="2147483691" r:id="rId7"/>
+    <p:sldLayoutId id="2147483692" r:id="rId8"/>
+    <p:sldLayoutId id="2147483693" r:id="rId9"/>
+    <p:sldLayoutId id="2147483694" r:id="rId10"/>
+    <p:sldLayoutId id="2147483695" r:id="rId11"/>
+  </p:sldLayoutIdLst>
+  <p:txStyles>
+    <p:titleStyle>
+      <a:lvl1pPr algn="ctr" defTabSz="457200" rtl="0" eaLnBrk="1" latinLnBrk="0" hangingPunct="1">
+        <a:spcBef>
+          <a:spcPct val="0"/>
+        </a:spcBef>
+        <a:buNone/>
+        <a:defRPr sz="4400" kern="1200">
+          <a:solidFill>
+            <a:schemeClr val="tx1"/>
+          </a:solidFill>
+          <a:latin typeface="+mj-lt"/>
+          <a:ea typeface="+mj-ea"/>
+          <a:cs typeface="+mj-cs"/>
+        </a:defRPr>
+      </a:lvl1pPr>
+    </p:titleStyle>
+    <p:bodyStyle>
+      <a:lvl1pPr marL="342900" indent="-342900" algn="l" defTabSz="457200" rtl="0" eaLnBrk="1" latinLnBrk="0" hangingPunct="1">
+        <a:spcBef>
+          <a:spcPct val="20000"/>
+        </a:spcBef>
+        <a:buFont typeface="Arial"/>
+        <a:buChar char="•"/>
+        <a:defRPr sz="3200" kern="1200">
+          <a:solidFill>
+            <a:schemeClr val="tx1"/>
+          </a:solidFill>
+          <a:latin typeface="+mn-lt"/>
+          <a:ea typeface="+mn-ea"/>
+          <a:cs typeface="+mn-cs"/>
+        </a:defRPr>
+      </a:lvl1pPr>
+      <a:lvl2pPr marL="742950" indent="-285750" algn="l" defTabSz="457200" rtl="0" eaLnBrk="1" latinLnBrk="0" hangingPunct="1">
+        <a:spcBef>
+          <a:spcPct val="20000"/>
+        </a:spcBef>
+        <a:buFont typeface="Arial"/>
+        <a:buChar char="–"/>
+        <a:defRPr sz="2800" kern="1200">
+          <a:solidFill>
+            <a:schemeClr val="tx1"/>
+          </a:solidFill>
+          <a:latin typeface="+mn-lt"/>
+          <a:ea typeface="+mn-ea"/>
+          <a:cs typeface="+mn-cs"/>
+        </a:defRPr>
+      </a:lvl2pPr>
+      <a:lvl3pPr marL="1143000" indent="-228600" algn="l" defTabSz="457200" rtl="0" eaLnBrk="1" latinLnBrk="0" hangingPunct="1">
+        <a:spcBef>
+          <a:spcPct val="20000"/>
+        </a:spcBef>
+        <a:buFont typeface="Arial"/>
+        <a:buChar char="•"/>
+        <a:defRPr sz="2400" kern="1200">
+          <a:solidFill>
+            <a:schemeClr val="tx1"/>
+          </a:solidFill>
+          <a:latin typeface="+mn-lt"/>
+          <a:ea typeface="+mn-ea"/>
+          <a:cs typeface="+mn-cs"/>
+        </a:defRPr>
+      </a:lvl3pPr>
+      <a:lvl4pPr marL="1600200" indent="-228600" algn="l" defTabSz="457200" rtl="0" eaLnBrk="1" latinLnBrk="0" hangingPunct="1">
+        <a:spcBef>
+          <a:spcPct val="20000"/>
+        </a:spcBef>
+        <a:buFont typeface="Arial"/>
+        <a:buChar char="–"/>
+        <a:defRPr sz="2000" kern="1200">
+          <a:solidFill>
+            <a:schemeClr val="tx1"/>
+          </a:solidFill>
+          <a:latin typeface="+mn-lt"/>
+          <a:ea typeface="+mn-ea"/>
+          <a:cs typeface="+mn-cs"/>
+        </a:defRPr>
+      </a:lvl4pPr>
+      <a:lvl5pPr marL="2057400" indent="-228600" algn="l" defTabSz="457200" rtl="0" eaLnBrk="1" latinLnBrk="0" hangingPunct="1">
+        <a:spcBef>
+          <a:spcPct val="20000"/>
+        </a:spcBef>
+        <a:buFont typeface="Arial"/>
+        <a:buChar char="»"/>
+        <a:defRPr sz="2000" kern="1200">
+          <a:solidFill>
+            <a:schemeClr val="tx1"/>
+          </a:solidFill>
+          <a:latin typeface="+mn-lt"/>
+          <a:ea typeface="+mn-ea"/>
+          <a:cs typeface="+mn-cs"/>
+        </a:defRPr>
+      </a:lvl5pPr>
+      <a:lvl6pPr marL="2514600" indent="-228600" algn="l" defTabSz="457200" rtl="0" eaLnBrk="1" latinLnBrk="0" hangingPunct="1">
+        <a:spcBef>
+          <a:spcPct val="20000"/>
+        </a:spcBef>
+        <a:buFont typeface="Arial"/>
+        <a:buChar char="•"/>
+        <a:defRPr sz="2000" kern="1200">
+          <a:solidFill>
+            <a:schemeClr val="tx1"/>
+          </a:solidFill>
+          <a:latin typeface="+mn-lt"/>
+          <a:ea typeface="+mn-ea"/>
+          <a:cs typeface="+mn-cs"/>
+        </a:defRPr>
+      </a:lvl6pPr>
+      <a:lvl7pPr marL="2971800" indent="-228600" algn="l" defTabSz="457200" rtl="0" eaLnBrk="1" latinLnBrk="0" hangingPunct="1">
+        <a:spcBef>
+          <a:spcPct val="20000"/>
+        </a:spcBef>
+        <a:buFont typeface="Arial"/>
+        <a:buChar char="•"/>
+        <a:defRPr sz="2000" kern="1200">
+          <a:solidFill>
+            <a:schemeClr val="tx1"/>
+          </a:solidFill>
+          <a:latin typeface="+mn-lt"/>
+          <a:ea typeface="+mn-ea"/>
+          <a:cs typeface="+mn-cs"/>
+        </a:defRPr>
+      </a:lvl7pPr>
+      <a:lvl8pPr marL="3429000" indent="-228600" algn="l" defTabSz="457200" rtl="0" eaLnBrk="1" latinLnBrk="0" hangingPunct="1">
+        <a:spcBef>
+          <a:spcPct val="20000"/>
+        </a:spcBef>
+        <a:buFont typeface="Arial"/>
+        <a:buChar char="•"/>
+        <a:defRPr sz="2000" kern="1200">
+          <a:solidFill>
+            <a:schemeClr val="tx1"/>
+          </a:solidFill>
+          <a:latin typeface="+mn-lt"/>
+          <a:ea typeface="+mn-ea"/>
+          <a:cs typeface="+mn-cs"/>
+        </a:defRPr>
+      </a:lvl8pPr>
+      <a:lvl9pPr marL="3886200" indent="-228600" algn="l" defTabSz="457200" rtl="0" eaLnBrk="1" latinLnBrk="0" hangingPunct="1">
+        <a:spcBef>
+          <a:spcPct val="20000"/>
+        </a:spcBef>
+        <a:buFont typeface="Arial"/>
+        <a:buChar char="•"/>
+        <a:defRPr sz="2000" kern="1200">
+          <a:solidFill>
+            <a:schemeClr val="tx1"/>
+          </a:solidFill>
+          <a:latin typeface="+mn-lt"/>
+          <a:ea typeface="+mn-ea"/>
+          <a:cs typeface="+mn-cs"/>
+        </a:defRPr>
+      </a:lvl9pPr>
+    </p:bodyStyle>
+    <p:otherStyle>
+      <a:defPPr>
+        <a:defRPr lang="en-US"/>
+      </a:defPPr>
+      <a:lvl1pPr marL="0" algn="l" defTabSz="457200" rtl="0" eaLnBrk="1" latinLnBrk="0" hangingPunct="1">
+        <a:defRPr sz="1800" kern="1200">
+          <a:solidFill>
+            <a:schemeClr val="tx1"/>
+          </a:solidFill>
+          <a:latin typeface="+mn-lt"/>
+          <a:ea typeface="+mn-ea"/>
+          <a:cs typeface="+mn-cs"/>
+        </a:defRPr>
+      </a:lvl1pPr>
+      <a:lvl2pPr marL="457200" algn="l" defTabSz="457200" rtl="0" eaLnBrk="1" latinLnBrk="0" hangingPunct="1">
+        <a:defRPr sz="1800" kern="1200">
+          <a:solidFill>
+            <a:schemeClr val="tx1"/>
+          </a:solidFill>
+          <a:latin typeface="+mn-lt"/>
+          <a:ea typeface="+mn-ea"/>
+          <a:cs typeface="+mn-cs"/>
+        </a:defRPr>
+      </a:lvl2pPr>
+      <a:lvl3pPr marL="914400" algn="l" defTabSz="457200" rtl="0" eaLnBrk="1" latinLnBrk="0" hangingPunct="1">
+        <a:defRPr sz="1800" kern="1200">
+          <a:solidFill>
+            <a:schemeClr val="tx1"/>
+          </a:solidFill>
+          <a:latin typeface="+mn-lt"/>
+          <a:ea typeface="+mn-ea"/>
+          <a:cs typeface="+mn-cs"/>
+        </a:defRPr>
+      </a:lvl3pPr>
+      <a:lvl4pPr marL="1371600" algn="l" defTabSz="457200" rtl="0" eaLnBrk="1" latinLnBrk="0" hangingPunct="1">
+        <a:defRPr sz="1800" kern="1200">
+          <a:solidFill>
+            <a:schemeClr val="tx1"/>
+          </a:solidFill>
+          <a:latin typeface="+mn-lt"/>
+          <a:ea typeface="+mn-ea"/>
+          <a:cs typeface="+mn-cs"/>
+        </a:defRPr>
+      </a:lvl4pPr>
+      <a:lvl5pPr marL="1828800" algn="l" defTabSz="457200" rtl="0" eaLnBrk="1" latinLnBrk="0" hangingPunct="1">
+        <a:defRPr sz="1800" kern="1200">
+          <a:solidFill>
+            <a:schemeClr val="tx1"/>
+          </a:solidFill>
+          <a:latin typeface="+mn-lt"/>
+          <a:ea typeface="+mn-ea"/>
+          <a:cs typeface="+mn-cs"/>
+        </a:defRPr>
+      </a:lvl5pPr>
+      <a:lvl6pPr marL="2286000" algn="l" defTabSz="457200" rtl="0" eaLnBrk="1" latinLnBrk="0" hangingPunct="1">
+        <a:defRPr sz="1800" kern="1200">
+          <a:solidFill>
+            <a:schemeClr val="tx1"/>
+          </a:solidFill>
+          <a:latin typeface="+mn-lt"/>
+          <a:ea typeface="+mn-ea"/>
+          <a:cs typeface="+mn-cs"/>
+        </a:defRPr>
+      </a:lvl6pPr>
+      <a:lvl7pPr marL="2743200" algn="l" defTabSz="457200" rtl="0" eaLnBrk="1" latinLnBrk="0" hangingPunct="1">
+        <a:defRPr sz="1800" kern="1200">
+          <a:solidFill>
+            <a:schemeClr val="tx1"/>
+          </a:solidFill>
+          <a:latin typeface="+mn-lt"/>
+          <a:ea typeface="+mn-ea"/>
+          <a:cs typeface="+mn-cs"/>
+        </a:defRPr>
+      </a:lvl7pPr>
+      <a:lvl8pPr marL="3200400" algn="l" defTabSz="457200" rtl="0" eaLnBrk="1" latinLnBrk="0" hangingPunct="1">
+        <a:defRPr sz="1800" kern="1200">
+          <a:solidFill>
+            <a:schemeClr val="tx1"/>
+          </a:solidFill>
+          <a:latin typeface="+mn-lt"/>
+          <a:ea typeface="+mn-ea"/>
+          <a:cs typeface="+mn-cs"/>
+        </a:defRPr>
+      </a:lvl8pPr>
+      <a:lvl9pPr marL="3657600" algn="l" defTabSz="457200" rtl="0" eaLnBrk="1" latinLnBrk="0" hangingPunct="1">
+        <a:defRPr sz="1800" kern="1200">
+          <a:solidFill>
+            <a:schemeClr val="tx1"/>
+          </a:solidFill>
+          <a:latin typeface="+mn-lt"/>
+          <a:ea typeface="+mn-ea"/>
+          <a:cs typeface="+mn-cs"/>
+        </a:defRPr>
+      </a:lvl9pPr>
+    </p:otherStyle>
+  </p:txStyles>
+</p:sldMaster>
+</file>
+
+<file path=ppt/slideMasters/slideMaster2.xml><?xml version="1.0" encoding="utf-8"?>
+<p:sldMaster xmlns:a="http://schemas.openxmlformats.org/drawingml/2006/main" xmlns:r="http://schemas.openxmlformats.org/officeDocument/2006/relationships" xmlns:p="http://schemas.openxmlformats.org/presentationml/2006/main">
+  <p:cSld>
+    <p:bg>
+      <p:bgRef idx="1001">
+        <a:schemeClr val="bg1"/>
+      </p:bgRef>
+    </p:bg>
+    <p:spTree>
+      <p:nvGrpSpPr>
+        <p:cNvPr id="1" name=""/>
+        <p:cNvGrpSpPr/>
+        <p:nvPr/>
+      </p:nvGrpSpPr>
+      <p:grpSpPr>
+        <a:xfrm>
+          <a:off x="0" y="0"/>
+          <a:ext cx="0" cy="0"/>
+          <a:chOff x="0" y="0"/>
+          <a:chExt cx="0" cy="0"/>
+        </a:xfrm>
+      </p:grpSpPr>
+      <p:sp>
+        <p:nvSpPr>
+          <p:cNvPr id="2" name="Title Placeholder 1"/>
+          <p:cNvSpPr>
+            <a:spLocks noGrp="1"/>
+          </p:cNvSpPr>
+          <p:nvPr>
+            <p:ph type="title"/>
+          </p:nvPr>
+        </p:nvSpPr>
+        <p:spPr>
+          <a:xfrm>
+            <a:off x="457200" y="274638"/>
+            <a:ext cx="8229600" cy="1143000"/>
+          </a:xfrm>
+          <a:prstGeom prst="rect">
+            <a:avLst/>
+          </a:prstGeom>
+        </p:spPr>
+        <p:txBody>
+          <a:bodyPr vert="horz" lIns="91440" tIns="45720" rIns="91440" bIns="45720" rtlCol="0" anchor="ctr">
+            <a:normAutofit/>
+          </a:bodyPr>
+          <a:lstStyle/>
+          <a:p>
+            <a:r>
+              <a:rPr lang="en-US" smtClean="0"/>
+              <a:t>Click to edit Master title style</a:t>
+            </a:r>
+            <a:endParaRPr lang="en-US"/>
+          </a:p>
+        </p:txBody>
+      </p:sp>
+      <p:sp>
+        <p:nvSpPr>
+          <p:cNvPr id="3" name="Text Placeholder 2"/>
+          <p:cNvSpPr>
+            <a:spLocks noGrp="1"/>
+          </p:cNvSpPr>
+          <p:nvPr>
+            <p:ph type="body" idx="1"/>
+          </p:nvPr>
+        </p:nvSpPr>
+        <p:spPr>
+          <a:xfrm>
+            <a:off x="457200" y="1600200"/>
+            <a:ext cx="8229600" cy="4525963"/>
+          </a:xfrm>
+          <a:prstGeom prst="rect">
+            <a:avLst/>
+          </a:prstGeom>
+        </p:spPr>
+        <p:txBody>
+          <a:bodyPr vert="horz" lIns="91440" tIns="45720" rIns="91440" bIns="45720" rtlCol="0">
+            <a:normAutofit/>
+          </a:bodyPr>
+          <a:lstStyle/>
+          <a:p>
+            <a:pPr lvl="0"/>
+            <a:r>
+              <a:rPr lang="en-US" smtClean="0"/>
+              <a:t>Click to edit Master text styles</a:t>
+            </a:r>
+          </a:p>
+          <a:p>
+            <a:pPr lvl="1"/>
+            <a:r>
+              <a:rPr lang="en-US" smtClean="0"/>
+              <a:t>Second level</a:t>
+            </a:r>
+          </a:p>
+          <a:p>
+            <a:pPr lvl="2"/>
+            <a:r>
+              <a:rPr lang="en-US" smtClean="0"/>
+              <a:t>Third level</a:t>
+            </a:r>
+          </a:p>
+          <a:p>
+            <a:pPr lvl="3"/>
+            <a:r>
+              <a:rPr lang="en-US" smtClean="0"/>
+              <a:t>Fourth level</a:t>
+            </a:r>
+          </a:p>
+          <a:p>
+            <a:pPr lvl="4"/>
+            <a:r>
+              <a:rPr lang="en-US" smtClean="0"/>
+              <a:t>Fifth level</a:t>
+            </a:r>
+            <a:endParaRPr lang="en-US"/>
+          </a:p>
+        </p:txBody>
+      </p:sp>
+      <p:sp>
+        <p:nvSpPr>
+          <p:cNvPr id="4" name="Date Placeholder 3"/>
+          <p:cNvSpPr>
+            <a:spLocks noGrp="1"/>
+          </p:cNvSpPr>
+          <p:nvPr>
+            <p:ph type="dt" sz="half" idx="2"/>
+          </p:nvPr>
+        </p:nvSpPr>
+        <p:spPr>
+          <a:xfrm>
+            <a:off x="457200" y="6356350"/>
+            <a:ext cx="2133600" cy="365125"/>
+          </a:xfrm>
+          <a:prstGeom prst="rect">
+            <a:avLst/>
+          </a:prstGeom>
+        </p:spPr>
+        <p:txBody>
+          <a:bodyPr vert="horz" lIns="91440" tIns="45720" rIns="91440" bIns="45720" rtlCol="0" anchor="ctr"/>
+          <a:lstStyle>
+            <a:lvl1pPr algn="l">
+              <a:defRPr sz="1200">
+                <a:solidFill>
+                  <a:schemeClr val="tx1">
+                    <a:tint val="75000"/>
+                  </a:schemeClr>
+                </a:solidFill>
+              </a:defRPr>
+            </a:lvl1pPr>
+          </a:lstStyle>
+          <a:p>
+            <a:fld id="{5BCAD085-E8A6-8845-BD4E-CB4CCA059FC4}" type="datetimeFigureOut">
+              <a:rPr lang="en-US" smtClean="0">
+                <a:solidFill>
+                  <a:prstClr val="black">
+                    <a:tint val="75000"/>
+                  </a:prstClr>
+                </a:solidFill>
+              </a:rPr>
+              <a:pPr/>
+              <a:t>10/26/2019</a:t>
+            </a:fld>
+            <a:endParaRPr lang="en-US">
+              <a:solidFill>
+                <a:prstClr val="black">
+                  <a:tint val="75000"/>
+                </a:prstClr>
+              </a:solidFill>
+            </a:endParaRPr>
+          </a:p>
+        </p:txBody>
+      </p:sp>
+      <p:sp>
+        <p:nvSpPr>
+          <p:cNvPr id="5" name="Footer Placeholder 4"/>
+          <p:cNvSpPr>
+            <a:spLocks noGrp="1"/>
+          </p:cNvSpPr>
+          <p:nvPr>
+            <p:ph type="ftr" sz="quarter" idx="3"/>
+          </p:nvPr>
+        </p:nvSpPr>
+        <p:spPr>
+          <a:xfrm>
+            <a:off x="3124200" y="6356350"/>
+            <a:ext cx="2895600" cy="365125"/>
+          </a:xfrm>
+          <a:prstGeom prst="rect">
+            <a:avLst/>
+          </a:prstGeom>
+        </p:spPr>
+        <p:txBody>
+          <a:bodyPr vert="horz" lIns="91440" tIns="45720" rIns="91440" bIns="45720" rtlCol="0" anchor="ctr"/>
+          <a:lstStyle>
+            <a:lvl1pPr algn="ctr">
+              <a:defRPr sz="1200">
+                <a:solidFill>
+                  <a:schemeClr val="tx1">
+                    <a:tint val="75000"/>
+                  </a:schemeClr>
+                </a:solidFill>
+              </a:defRPr>
+            </a:lvl1pPr>
+          </a:lstStyle>
+          <a:p>
+            <a:endParaRPr lang="en-US">
+              <a:solidFill>
+                <a:prstClr val="black">
+                  <a:tint val="75000"/>
+                </a:prstClr>
+              </a:solidFill>
+            </a:endParaRPr>
+          </a:p>
+        </p:txBody>
+      </p:sp>
+      <p:sp>
+        <p:nvSpPr>
+          <p:cNvPr id="6" name="Slide Number Placeholder 5"/>
+          <p:cNvSpPr>
+            <a:spLocks noGrp="1"/>
+          </p:cNvSpPr>
+          <p:nvPr>
+            <p:ph type="sldNum" sz="quarter" idx="4"/>
+          </p:nvPr>
+        </p:nvSpPr>
+        <p:spPr>
+          <a:xfrm>
+            <a:off x="6553200" y="6356350"/>
+            <a:ext cx="2133600" cy="365125"/>
+          </a:xfrm>
+          <a:prstGeom prst="rect">
+            <a:avLst/>
+          </a:prstGeom>
+        </p:spPr>
+        <p:txBody>
+          <a:bodyPr vert="horz" lIns="91440" tIns="45720" rIns="91440" bIns="45720" rtlCol="0" anchor="ctr"/>
+          <a:lstStyle>
+            <a:lvl1pPr algn="r">
+              <a:defRPr sz="1200">
+                <a:solidFill>
+                  <a:schemeClr val="tx1">
+                    <a:tint val="75000"/>
+                  </a:schemeClr>
+                </a:solidFill>
+              </a:defRPr>
+            </a:lvl1pPr>
+          </a:lstStyle>
+          <a:p>
+            <a:fld id="{C1FF6DA9-008F-8B48-92A6-B652298478BF}" type="slidenum">
+              <a:rPr lang="en-US" smtClean="0">
+                <a:solidFill>
+                  <a:prstClr val="black">
+                    <a:tint val="75000"/>
+                  </a:prstClr>
+                </a:solidFill>
+              </a:rPr>
+              <a:pPr/>
+              <a:t>‹#›</a:t>
+            </a:fld>
+            <a:endParaRPr lang="en-US">
+              <a:solidFill>
+                <a:prstClr val="black">
+                  <a:tint val="75000"/>
+                </a:prstClr>
+              </a:solidFill>
+            </a:endParaRPr>
+          </a:p>
+        </p:txBody>
+      </p:sp>
+    </p:spTree>
+    <p:extLst>
+      <p:ext uri="{BB962C8B-B14F-4D97-AF65-F5344CB8AC3E}">
+        <p14:creationId xmlns:p14="http://schemas.microsoft.com/office/powerpoint/2010/main" val="911210340"/>
+      </p:ext>
+    </p:extLst>
+  </p:cSld>
+  <p:clrMap bg1="lt1" tx1="dk1" bg2="lt2" tx2="dk2" accent1="accent1" accent2="accent2" accent3="accent3" accent4="accent4" accent5="accent5" accent6="accent6" hlink="hlink" folHlink="folHlink"/>
+  <p:sldLayoutIdLst>
+    <p:sldLayoutId id="2147483697" r:id="rId1"/>
+    <p:sldLayoutId id="2147483698" r:id="rId2"/>
+    <p:sldLayoutId id="2147483699" r:id="rId3"/>
+    <p:sldLayoutId id="2147483700" r:id="rId4"/>
+    <p:sldLayoutId id="2147483701" r:id="rId5"/>
+    <p:sldLayoutId id="2147483702" r:id="rId6"/>
+    <p:sldLayoutId id="2147483703" r:id="rId7"/>
+    <p:sldLayoutId id="2147483704" r:id="rId8"/>
+    <p:sldLayoutId id="2147483705" r:id="rId9"/>
+    <p:sldLayoutId id="2147483706" r:id="rId10"/>
+    <p:sldLayoutId id="2147483707" r:id="rId11"/>
   </p:sldLayoutIdLst>
   <p:txStyles>
     <p:titleStyle>
@@ -3151,6 +6891,11 @@
         </p:txBody>
       </p:sp>
     </p:spTree>
+    <p:extLst>
+      <p:ext uri="{BB962C8B-B14F-4D97-AF65-F5344CB8AC3E}">
+        <p14:creationId xmlns:p14="http://schemas.microsoft.com/office/powerpoint/2010/main" val="325375430"/>
+      </p:ext>
+    </p:extLst>
   </p:cSld>
   <p:clrMapOvr>
     <a:masterClrMapping/>
@@ -3220,20 +6965,20 @@
               </a:defRPr>
             </a:pPr>
             <a:r>
-              <a:rPr dirty="0">
-                <a:solidFill>
-                  <a:schemeClr val="accent5">
+              <a:rPr sz="5600" dirty="0">
+                <a:solidFill>
+                  <a:srgbClr val="4BACC6">
                     <a:lumMod val="50000"/>
-                  </a:schemeClr>
+                  </a:srgbClr>
                 </a:solidFill>
               </a:rPr>
               <a:t>Come out of sadness. From wherever </a:t>
             </a:r>
-            <a:endParaRPr lang="en-US" dirty="0" smtClean="0">
-              <a:solidFill>
-                <a:schemeClr val="accent5">
+            <a:endParaRPr lang="en-US" sz="5600" dirty="0" smtClean="0">
+              <a:solidFill>
+                <a:srgbClr val="4BACC6">
                   <a:lumMod val="50000"/>
-                </a:schemeClr>
+                </a:srgbClr>
               </a:solidFill>
             </a:endParaRPr>
           </a:p>
@@ -3246,30 +6991,30 @@
               </a:defRPr>
             </a:pPr>
             <a:r>
-              <a:rPr dirty="0" smtClean="0">
-                <a:solidFill>
-                  <a:schemeClr val="accent5">
+              <a:rPr sz="5600" dirty="0" smtClean="0">
+                <a:solidFill>
+                  <a:srgbClr val="4BACC6">
                     <a:lumMod val="50000"/>
-                  </a:schemeClr>
+                  </a:srgbClr>
                 </a:solidFill>
               </a:rPr>
               <a:t>you've </a:t>
             </a:r>
             <a:r>
-              <a:rPr dirty="0">
-                <a:solidFill>
-                  <a:schemeClr val="accent5">
+              <a:rPr sz="5600" dirty="0">
+                <a:solidFill>
+                  <a:srgbClr val="4BACC6">
                     <a:lumMod val="50000"/>
-                  </a:schemeClr>
+                  </a:srgbClr>
                 </a:solidFill>
               </a:rPr>
               <a:t>been. </a:t>
             </a:r>
-            <a:endParaRPr lang="en-US" dirty="0" smtClean="0">
-              <a:solidFill>
-                <a:schemeClr val="accent5">
+            <a:endParaRPr lang="en-US" sz="5600" dirty="0" smtClean="0">
+              <a:solidFill>
+                <a:srgbClr val="4BACC6">
                   <a:lumMod val="50000"/>
-                </a:schemeClr>
+                </a:srgbClr>
               </a:solidFill>
             </a:endParaRPr>
           </a:p>
@@ -3282,30 +7027,30 @@
               </a:defRPr>
             </a:pPr>
             <a:r>
-              <a:rPr dirty="0" smtClean="0">
-                <a:solidFill>
-                  <a:schemeClr val="accent5">
+              <a:rPr sz="5600" dirty="0" smtClean="0">
+                <a:solidFill>
+                  <a:srgbClr val="4BACC6">
                     <a:lumMod val="50000"/>
-                  </a:schemeClr>
+                  </a:srgbClr>
                 </a:solidFill>
               </a:rPr>
               <a:t>Come </a:t>
             </a:r>
             <a:r>
-              <a:rPr dirty="0">
-                <a:solidFill>
-                  <a:schemeClr val="accent5">
+              <a:rPr sz="5600" dirty="0">
+                <a:solidFill>
+                  <a:srgbClr val="4BACC6">
                     <a:lumMod val="50000"/>
-                  </a:schemeClr>
+                  </a:srgbClr>
                 </a:solidFill>
               </a:rPr>
               <a:t>broken hearted. </a:t>
             </a:r>
-            <a:endParaRPr lang="en-US" dirty="0" smtClean="0">
-              <a:solidFill>
-                <a:schemeClr val="accent5">
+            <a:endParaRPr lang="en-US" sz="5600" dirty="0" smtClean="0">
+              <a:solidFill>
+                <a:srgbClr val="4BACC6">
                   <a:lumMod val="50000"/>
-                </a:schemeClr>
+                </a:srgbClr>
               </a:solidFill>
             </a:endParaRPr>
           </a:p>
@@ -3318,30 +7063,30 @@
               </a:defRPr>
             </a:pPr>
             <a:r>
-              <a:rPr dirty="0" smtClean="0">
-                <a:solidFill>
-                  <a:schemeClr val="accent5">
+              <a:rPr sz="5600" dirty="0" smtClean="0">
+                <a:solidFill>
+                  <a:srgbClr val="4BACC6">
                     <a:lumMod val="50000"/>
-                  </a:schemeClr>
+                  </a:srgbClr>
                 </a:solidFill>
               </a:rPr>
               <a:t>Let </a:t>
             </a:r>
             <a:r>
-              <a:rPr dirty="0">
-                <a:solidFill>
-                  <a:schemeClr val="accent5">
+              <a:rPr sz="5600" dirty="0">
+                <a:solidFill>
+                  <a:srgbClr val="4BACC6">
                     <a:lumMod val="50000"/>
-                  </a:schemeClr>
+                  </a:srgbClr>
                 </a:solidFill>
               </a:rPr>
               <a:t>rescue begin. </a:t>
             </a:r>
-            <a:endParaRPr lang="en-US" dirty="0" smtClean="0">
-              <a:solidFill>
-                <a:schemeClr val="accent5">
+            <a:endParaRPr lang="en-US" sz="5600" dirty="0" smtClean="0">
+              <a:solidFill>
+                <a:srgbClr val="4BACC6">
                   <a:lumMod val="50000"/>
-                </a:schemeClr>
+                </a:srgbClr>
               </a:solidFill>
             </a:endParaRPr>
           </a:p>
@@ -3354,21 +7099,21 @@
               </a:defRPr>
             </a:pPr>
             <a:r>
-              <a:rPr dirty="0" smtClean="0">
-                <a:solidFill>
-                  <a:schemeClr val="accent5">
+              <a:rPr sz="5600" dirty="0" smtClean="0">
+                <a:solidFill>
+                  <a:srgbClr val="4BACC6">
                     <a:lumMod val="50000"/>
-                  </a:schemeClr>
+                  </a:srgbClr>
                 </a:solidFill>
               </a:rPr>
               <a:t>Come </a:t>
             </a:r>
             <a:r>
-              <a:rPr dirty="0">
-                <a:solidFill>
-                  <a:schemeClr val="accent5">
+              <a:rPr sz="5600" dirty="0">
+                <a:solidFill>
+                  <a:srgbClr val="4BACC6">
                     <a:lumMod val="50000"/>
-                  </a:schemeClr>
+                  </a:srgbClr>
                 </a:solidFill>
               </a:rPr>
               <a:t>find your mercy. </a:t>
@@ -3377,6 +7122,11 @@
         </p:txBody>
       </p:sp>
     </p:spTree>
+    <p:extLst>
+      <p:ext uri="{BB962C8B-B14F-4D97-AF65-F5344CB8AC3E}">
+        <p14:creationId xmlns:p14="http://schemas.microsoft.com/office/powerpoint/2010/main" val="2264546860"/>
+      </p:ext>
+    </p:extLst>
   </p:cSld>
   <p:clrMapOvr>
     <a:masterClrMapping/>
@@ -3446,21 +7196,21 @@
               </a:defRPr>
             </a:pPr>
             <a:r>
-              <a:rPr dirty="0" smtClean="0">
-                <a:solidFill>
-                  <a:schemeClr val="accent5">
+              <a:rPr sz="5600" dirty="0" smtClean="0">
+                <a:solidFill>
+                  <a:srgbClr val="4BACC6">
                     <a:lumMod val="50000"/>
-                  </a:schemeClr>
+                  </a:srgbClr>
                 </a:solidFill>
               </a:rPr>
               <a:t>Oh </a:t>
             </a:r>
             <a:r>
-              <a:rPr dirty="0">
-                <a:solidFill>
-                  <a:schemeClr val="accent5">
+              <a:rPr sz="5600" dirty="0">
+                <a:solidFill>
+                  <a:srgbClr val="4BACC6">
                     <a:lumMod val="50000"/>
-                  </a:schemeClr>
+                  </a:srgbClr>
                 </a:solidFill>
               </a:rPr>
               <a:t>sinner come kneel. Earth has no sorrow. That heaven can't heal. Earth has no sorrow. That heaven can't heal.</a:t>
@@ -3471,7 +7221,7 @@
     </p:spTree>
     <p:extLst>
       <p:ext uri="{BB962C8B-B14F-4D97-AF65-F5344CB8AC3E}">
-        <p14:creationId xmlns:p14="http://schemas.microsoft.com/office/powerpoint/2010/main" val="2542379554"/>
+        <p14:creationId xmlns:p14="http://schemas.microsoft.com/office/powerpoint/2010/main" val="1488476148"/>
       </p:ext>
     </p:extLst>
   </p:cSld>
@@ -3543,20 +7293,20 @@
               </a:defRPr>
             </a:pPr>
             <a:r>
-              <a:rPr dirty="0">
-                <a:solidFill>
-                  <a:schemeClr val="accent5">
+              <a:rPr sz="5600" dirty="0">
+                <a:solidFill>
+                  <a:srgbClr val="4BACC6">
                     <a:lumMod val="50000"/>
-                  </a:schemeClr>
+                  </a:srgbClr>
                 </a:solidFill>
               </a:rPr>
               <a:t>So lay down </a:t>
             </a:r>
-            <a:endParaRPr lang="en-US" dirty="0" smtClean="0">
-              <a:solidFill>
-                <a:schemeClr val="accent5">
+            <a:endParaRPr lang="en-US" sz="5600" dirty="0" smtClean="0">
+              <a:solidFill>
+                <a:srgbClr val="4BACC6">
                   <a:lumMod val="50000"/>
-                </a:schemeClr>
+                </a:srgbClr>
               </a:solidFill>
             </a:endParaRPr>
           </a:p>
@@ -3569,30 +7319,30 @@
               </a:defRPr>
             </a:pPr>
             <a:r>
-              <a:rPr dirty="0" smtClean="0">
-                <a:solidFill>
-                  <a:schemeClr val="accent5">
+              <a:rPr sz="5600" dirty="0" smtClean="0">
+                <a:solidFill>
+                  <a:srgbClr val="4BACC6">
                     <a:lumMod val="50000"/>
-                  </a:schemeClr>
+                  </a:srgbClr>
                 </a:solidFill>
               </a:rPr>
               <a:t>your </a:t>
             </a:r>
             <a:r>
-              <a:rPr dirty="0">
-                <a:solidFill>
-                  <a:schemeClr val="accent5">
+              <a:rPr sz="5600" dirty="0">
+                <a:solidFill>
+                  <a:srgbClr val="4BACC6">
                     <a:lumMod val="50000"/>
-                  </a:schemeClr>
+                  </a:srgbClr>
                 </a:solidFill>
               </a:rPr>
               <a:t>burdens. </a:t>
             </a:r>
-            <a:endParaRPr lang="en-US" dirty="0" smtClean="0">
-              <a:solidFill>
-                <a:schemeClr val="accent5">
+            <a:endParaRPr lang="en-US" sz="5600" dirty="0" smtClean="0">
+              <a:solidFill>
+                <a:srgbClr val="4BACC6">
                   <a:lumMod val="50000"/>
-                </a:schemeClr>
+                </a:srgbClr>
               </a:solidFill>
             </a:endParaRPr>
           </a:p>
@@ -3605,30 +7355,30 @@
               </a:defRPr>
             </a:pPr>
             <a:r>
-              <a:rPr dirty="0" smtClean="0">
-                <a:solidFill>
-                  <a:schemeClr val="accent5">
+              <a:rPr sz="5600" dirty="0" smtClean="0">
+                <a:solidFill>
+                  <a:srgbClr val="4BACC6">
                     <a:lumMod val="50000"/>
-                  </a:schemeClr>
+                  </a:srgbClr>
                 </a:solidFill>
               </a:rPr>
               <a:t>Lay </a:t>
             </a:r>
             <a:r>
-              <a:rPr dirty="0">
-                <a:solidFill>
-                  <a:schemeClr val="accent5">
+              <a:rPr sz="5600" dirty="0">
+                <a:solidFill>
+                  <a:srgbClr val="4BACC6">
                     <a:lumMod val="50000"/>
-                  </a:schemeClr>
+                  </a:srgbClr>
                 </a:solidFill>
               </a:rPr>
               <a:t>down your shame. </a:t>
             </a:r>
-            <a:endParaRPr lang="en-US" dirty="0" smtClean="0">
-              <a:solidFill>
-                <a:schemeClr val="accent5">
+            <a:endParaRPr lang="en-US" sz="5600" dirty="0" smtClean="0">
+              <a:solidFill>
+                <a:srgbClr val="4BACC6">
                   <a:lumMod val="50000"/>
-                </a:schemeClr>
+                </a:srgbClr>
               </a:solidFill>
             </a:endParaRPr>
           </a:p>
@@ -3641,30 +7391,30 @@
               </a:defRPr>
             </a:pPr>
             <a:r>
-              <a:rPr dirty="0" smtClean="0">
-                <a:solidFill>
-                  <a:schemeClr val="accent5">
+              <a:rPr sz="5600" dirty="0" smtClean="0">
+                <a:solidFill>
+                  <a:srgbClr val="4BACC6">
                     <a:lumMod val="50000"/>
-                  </a:schemeClr>
+                  </a:srgbClr>
                 </a:solidFill>
               </a:rPr>
               <a:t>All </a:t>
             </a:r>
             <a:r>
-              <a:rPr dirty="0">
-                <a:solidFill>
-                  <a:schemeClr val="accent5">
+              <a:rPr sz="5600" dirty="0">
+                <a:solidFill>
+                  <a:srgbClr val="4BACC6">
                     <a:lumMod val="50000"/>
-                  </a:schemeClr>
+                  </a:srgbClr>
                 </a:solidFill>
               </a:rPr>
               <a:t>who are broken, </a:t>
             </a:r>
-            <a:endParaRPr lang="en-US" dirty="0" smtClean="0">
-              <a:solidFill>
-                <a:schemeClr val="accent5">
+            <a:endParaRPr lang="en-US" sz="5600" dirty="0" smtClean="0">
+              <a:solidFill>
+                <a:srgbClr val="4BACC6">
                   <a:lumMod val="50000"/>
-                </a:schemeClr>
+                </a:srgbClr>
               </a:solidFill>
             </a:endParaRPr>
           </a:p>
@@ -3677,21 +7427,21 @@
               </a:defRPr>
             </a:pPr>
             <a:r>
-              <a:rPr dirty="0" smtClean="0">
-                <a:solidFill>
-                  <a:schemeClr val="accent5">
+              <a:rPr sz="5600" dirty="0" smtClean="0">
+                <a:solidFill>
+                  <a:srgbClr val="4BACC6">
                     <a:lumMod val="50000"/>
-                  </a:schemeClr>
+                  </a:srgbClr>
                 </a:solidFill>
               </a:rPr>
               <a:t>Lift </a:t>
             </a:r>
             <a:r>
-              <a:rPr dirty="0">
-                <a:solidFill>
-                  <a:schemeClr val="accent5">
+              <a:rPr sz="5600" dirty="0">
+                <a:solidFill>
+                  <a:srgbClr val="4BACC6">
                     <a:lumMod val="50000"/>
-                  </a:schemeClr>
+                  </a:srgbClr>
                 </a:solidFill>
               </a:rPr>
               <a:t>up your face. </a:t>
@@ -3700,6 +7450,11 @@
         </p:txBody>
       </p:sp>
     </p:spTree>
+    <p:extLst>
+      <p:ext uri="{BB962C8B-B14F-4D97-AF65-F5344CB8AC3E}">
+        <p14:creationId xmlns:p14="http://schemas.microsoft.com/office/powerpoint/2010/main" val="2239789981"/>
+      </p:ext>
+    </p:extLst>
   </p:cSld>
   <p:clrMapOvr>
     <a:masterClrMapping/>
@@ -3769,30 +7524,30 @@
               </a:defRPr>
             </a:pPr>
             <a:r>
-              <a:rPr dirty="0" smtClean="0">
-                <a:solidFill>
-                  <a:schemeClr val="accent5">
+              <a:rPr sz="5600" dirty="0" smtClean="0">
+                <a:solidFill>
+                  <a:srgbClr val="4BACC6">
                     <a:lumMod val="50000"/>
-                  </a:schemeClr>
+                  </a:srgbClr>
                 </a:solidFill>
               </a:rPr>
               <a:t>Oh </a:t>
             </a:r>
             <a:r>
-              <a:rPr dirty="0">
-                <a:solidFill>
-                  <a:schemeClr val="accent5">
+              <a:rPr sz="5600" dirty="0">
+                <a:solidFill>
+                  <a:srgbClr val="4BACC6">
                     <a:lumMod val="50000"/>
-                  </a:schemeClr>
+                  </a:srgbClr>
                 </a:solidFill>
               </a:rPr>
               <a:t>wanderer </a:t>
             </a:r>
-            <a:endParaRPr lang="en-US" dirty="0" smtClean="0">
-              <a:solidFill>
-                <a:schemeClr val="accent5">
+            <a:endParaRPr lang="en-US" sz="5600" dirty="0" smtClean="0">
+              <a:solidFill>
+                <a:srgbClr val="4BACC6">
                   <a:lumMod val="50000"/>
-                </a:schemeClr>
+                </a:srgbClr>
               </a:solidFill>
             </a:endParaRPr>
           </a:p>
@@ -3805,30 +7560,30 @@
               </a:defRPr>
             </a:pPr>
             <a:r>
-              <a:rPr dirty="0" smtClean="0">
-                <a:solidFill>
-                  <a:schemeClr val="accent5">
+              <a:rPr sz="5600" dirty="0" smtClean="0">
+                <a:solidFill>
+                  <a:srgbClr val="4BACC6">
                     <a:lumMod val="50000"/>
-                  </a:schemeClr>
+                  </a:srgbClr>
                 </a:solidFill>
               </a:rPr>
               <a:t>come </a:t>
             </a:r>
             <a:r>
-              <a:rPr dirty="0">
-                <a:solidFill>
-                  <a:schemeClr val="accent5">
+              <a:rPr sz="5600" dirty="0">
+                <a:solidFill>
+                  <a:srgbClr val="4BACC6">
                     <a:lumMod val="50000"/>
-                  </a:schemeClr>
+                  </a:srgbClr>
                 </a:solidFill>
               </a:rPr>
               <a:t>home. </a:t>
             </a:r>
-            <a:endParaRPr lang="en-US" dirty="0" smtClean="0">
-              <a:solidFill>
-                <a:schemeClr val="accent5">
+            <a:endParaRPr lang="en-US" sz="5600" dirty="0" smtClean="0">
+              <a:solidFill>
+                <a:srgbClr val="4BACC6">
                   <a:lumMod val="50000"/>
-                </a:schemeClr>
+                </a:srgbClr>
               </a:solidFill>
             </a:endParaRPr>
           </a:p>
@@ -3841,30 +7596,30 @@
               </a:defRPr>
             </a:pPr>
             <a:r>
-              <a:rPr dirty="0" smtClean="0">
-                <a:solidFill>
-                  <a:schemeClr val="accent5">
+              <a:rPr sz="5600" dirty="0" smtClean="0">
+                <a:solidFill>
+                  <a:srgbClr val="4BACC6">
                     <a:lumMod val="50000"/>
-                  </a:schemeClr>
+                  </a:srgbClr>
                 </a:solidFill>
               </a:rPr>
               <a:t>You're </a:t>
             </a:r>
             <a:r>
-              <a:rPr dirty="0">
-                <a:solidFill>
-                  <a:schemeClr val="accent5">
+              <a:rPr sz="5600" dirty="0">
+                <a:solidFill>
+                  <a:srgbClr val="4BACC6">
                     <a:lumMod val="50000"/>
-                  </a:schemeClr>
+                  </a:srgbClr>
                 </a:solidFill>
               </a:rPr>
               <a:t>not too far. </a:t>
             </a:r>
-            <a:endParaRPr lang="en-US" dirty="0" smtClean="0">
-              <a:solidFill>
-                <a:schemeClr val="accent5">
+            <a:endParaRPr lang="en-US" sz="5600" dirty="0" smtClean="0">
+              <a:solidFill>
+                <a:srgbClr val="4BACC6">
                   <a:lumMod val="50000"/>
-                </a:schemeClr>
+                </a:srgbClr>
               </a:solidFill>
             </a:endParaRPr>
           </a:p>
@@ -3877,30 +7632,30 @@
               </a:defRPr>
             </a:pPr>
             <a:r>
-              <a:rPr dirty="0" smtClean="0">
-                <a:solidFill>
-                  <a:schemeClr val="accent5">
+              <a:rPr sz="5600" dirty="0" smtClean="0">
+                <a:solidFill>
+                  <a:srgbClr val="4BACC6">
                     <a:lumMod val="50000"/>
-                  </a:schemeClr>
+                  </a:srgbClr>
                 </a:solidFill>
               </a:rPr>
               <a:t>So </a:t>
             </a:r>
             <a:r>
-              <a:rPr dirty="0">
-                <a:solidFill>
-                  <a:schemeClr val="accent5">
+              <a:rPr sz="5600" dirty="0">
+                <a:solidFill>
+                  <a:srgbClr val="4BACC6">
                     <a:lumMod val="50000"/>
-                  </a:schemeClr>
+                  </a:srgbClr>
                 </a:solidFill>
               </a:rPr>
               <a:t>lay down your hurt. </a:t>
             </a:r>
-            <a:endParaRPr lang="en-US" dirty="0" smtClean="0">
-              <a:solidFill>
-                <a:schemeClr val="accent5">
+            <a:endParaRPr lang="en-US" sz="5600" dirty="0" smtClean="0">
+              <a:solidFill>
+                <a:srgbClr val="4BACC6">
                   <a:lumMod val="50000"/>
-                </a:schemeClr>
+                </a:srgbClr>
               </a:solidFill>
             </a:endParaRPr>
           </a:p>
@@ -3913,30 +7668,30 @@
               </a:defRPr>
             </a:pPr>
             <a:r>
-              <a:rPr dirty="0" smtClean="0">
-                <a:solidFill>
-                  <a:schemeClr val="accent5">
+              <a:rPr sz="5600" dirty="0" smtClean="0">
+                <a:solidFill>
+                  <a:srgbClr val="4BACC6">
                     <a:lumMod val="50000"/>
-                  </a:schemeClr>
+                  </a:srgbClr>
                 </a:solidFill>
               </a:rPr>
               <a:t>Lay </a:t>
             </a:r>
             <a:r>
-              <a:rPr dirty="0">
-                <a:solidFill>
-                  <a:schemeClr val="accent5">
+              <a:rPr sz="5600" dirty="0">
+                <a:solidFill>
+                  <a:srgbClr val="4BACC6">
                     <a:lumMod val="50000"/>
-                  </a:schemeClr>
+                  </a:srgbClr>
                 </a:solidFill>
               </a:rPr>
               <a:t>down your heart. </a:t>
             </a:r>
-            <a:endParaRPr lang="en-US" dirty="0" smtClean="0">
-              <a:solidFill>
-                <a:schemeClr val="accent5">
+            <a:endParaRPr lang="en-US" sz="5600" dirty="0" smtClean="0">
+              <a:solidFill>
+                <a:srgbClr val="4BACC6">
                   <a:lumMod val="50000"/>
-                </a:schemeClr>
+                </a:srgbClr>
               </a:solidFill>
             </a:endParaRPr>
           </a:p>
@@ -3949,21 +7704,21 @@
               </a:defRPr>
             </a:pPr>
             <a:r>
-              <a:rPr dirty="0" smtClean="0">
-                <a:solidFill>
-                  <a:schemeClr val="accent5">
+              <a:rPr sz="5600" dirty="0" smtClean="0">
+                <a:solidFill>
+                  <a:srgbClr val="4BACC6">
                     <a:lumMod val="50000"/>
-                  </a:schemeClr>
+                  </a:srgbClr>
                 </a:solidFill>
               </a:rPr>
               <a:t>Come </a:t>
             </a:r>
             <a:r>
-              <a:rPr dirty="0">
-                <a:solidFill>
-                  <a:schemeClr val="accent5">
+              <a:rPr sz="5600" dirty="0">
+                <a:solidFill>
+                  <a:srgbClr val="4BACC6">
                     <a:lumMod val="50000"/>
-                  </a:schemeClr>
+                  </a:srgbClr>
                 </a:solidFill>
               </a:rPr>
               <a:t>as you are.</a:t>
@@ -3974,7 +7729,7 @@
     </p:spTree>
     <p:extLst>
       <p:ext uri="{BB962C8B-B14F-4D97-AF65-F5344CB8AC3E}">
-        <p14:creationId xmlns:p14="http://schemas.microsoft.com/office/powerpoint/2010/main" val="2041201948"/>
+        <p14:creationId xmlns:p14="http://schemas.microsoft.com/office/powerpoint/2010/main" val="1464703735"/>
       </p:ext>
     </p:extLst>
   </p:cSld>
@@ -4046,10 +7801,22 @@
               </a:defRPr>
             </a:pPr>
             <a:r>
-              <a:rPr dirty="0"/>
+              <a:rPr sz="5600" dirty="0">
+                <a:solidFill>
+                  <a:schemeClr val="accent5">
+                    <a:lumMod val="50000"/>
+                  </a:schemeClr>
+                </a:solidFill>
+              </a:rPr>
               <a:t>There's hope for </a:t>
             </a:r>
-            <a:endParaRPr lang="en-US" dirty="0" smtClean="0"/>
+            <a:endParaRPr lang="en-US" sz="5600" dirty="0" smtClean="0">
+              <a:solidFill>
+                <a:schemeClr val="accent5">
+                  <a:lumMod val="50000"/>
+                </a:schemeClr>
+              </a:solidFill>
+            </a:endParaRPr>
           </a:p>
           <a:p>
             <a:pPr algn="ctr">
@@ -4060,14 +7827,32 @@
               </a:defRPr>
             </a:pPr>
             <a:r>
-              <a:rPr dirty="0" smtClean="0"/>
+              <a:rPr sz="5600" dirty="0" smtClean="0">
+                <a:solidFill>
+                  <a:schemeClr val="accent5">
+                    <a:lumMod val="50000"/>
+                  </a:schemeClr>
+                </a:solidFill>
+              </a:rPr>
               <a:t>the </a:t>
             </a:r>
             <a:r>
-              <a:rPr dirty="0"/>
+              <a:rPr sz="5600" dirty="0">
+                <a:solidFill>
+                  <a:schemeClr val="accent5">
+                    <a:lumMod val="50000"/>
+                  </a:schemeClr>
+                </a:solidFill>
+              </a:rPr>
               <a:t>hopeless. </a:t>
             </a:r>
-            <a:endParaRPr lang="en-US" dirty="0" smtClean="0"/>
+            <a:endParaRPr lang="en-US" sz="5600" dirty="0" smtClean="0">
+              <a:solidFill>
+                <a:schemeClr val="accent5">
+                  <a:lumMod val="50000"/>
+                </a:schemeClr>
+              </a:solidFill>
+            </a:endParaRPr>
           </a:p>
           <a:p>
             <a:pPr algn="ctr">
@@ -4078,14 +7863,32 @@
               </a:defRPr>
             </a:pPr>
             <a:r>
-              <a:rPr dirty="0" smtClean="0"/>
+              <a:rPr sz="5600" dirty="0" smtClean="0">
+                <a:solidFill>
+                  <a:schemeClr val="accent5">
+                    <a:lumMod val="50000"/>
+                  </a:schemeClr>
+                </a:solidFill>
+              </a:rPr>
               <a:t>And </a:t>
             </a:r>
             <a:r>
-              <a:rPr dirty="0"/>
+              <a:rPr sz="5600" dirty="0">
+                <a:solidFill>
+                  <a:schemeClr val="accent5">
+                    <a:lumMod val="50000"/>
+                  </a:schemeClr>
+                </a:solidFill>
+              </a:rPr>
               <a:t>all those </a:t>
             </a:r>
-            <a:endParaRPr lang="en-US" dirty="0" smtClean="0"/>
+            <a:endParaRPr lang="en-US" sz="5600" dirty="0" smtClean="0">
+              <a:solidFill>
+                <a:schemeClr val="accent5">
+                  <a:lumMod val="50000"/>
+                </a:schemeClr>
+              </a:solidFill>
+            </a:endParaRPr>
           </a:p>
           <a:p>
             <a:pPr algn="ctr">
@@ -4096,14 +7899,32 @@
               </a:defRPr>
             </a:pPr>
             <a:r>
-              <a:rPr dirty="0" smtClean="0"/>
+              <a:rPr sz="5600" dirty="0" smtClean="0">
+                <a:solidFill>
+                  <a:schemeClr val="accent5">
+                    <a:lumMod val="50000"/>
+                  </a:schemeClr>
+                </a:solidFill>
+              </a:rPr>
               <a:t>who've </a:t>
             </a:r>
             <a:r>
-              <a:rPr dirty="0"/>
+              <a:rPr sz="5600" dirty="0">
+                <a:solidFill>
+                  <a:schemeClr val="accent5">
+                    <a:lumMod val="50000"/>
+                  </a:schemeClr>
+                </a:solidFill>
+              </a:rPr>
               <a:t>strayed. </a:t>
             </a:r>
-            <a:endParaRPr lang="en-US" dirty="0" smtClean="0"/>
+            <a:endParaRPr lang="en-US" sz="5600" dirty="0" smtClean="0">
+              <a:solidFill>
+                <a:schemeClr val="accent5">
+                  <a:lumMod val="50000"/>
+                </a:schemeClr>
+              </a:solidFill>
+            </a:endParaRPr>
           </a:p>
           <a:p>
             <a:pPr algn="ctr">
@@ -4114,14 +7935,32 @@
               </a:defRPr>
             </a:pPr>
             <a:r>
-              <a:rPr dirty="0" smtClean="0"/>
+              <a:rPr sz="5600" dirty="0" smtClean="0">
+                <a:solidFill>
+                  <a:schemeClr val="accent5">
+                    <a:lumMod val="50000"/>
+                  </a:schemeClr>
+                </a:solidFill>
+              </a:rPr>
               <a:t>Come </a:t>
             </a:r>
             <a:r>
-              <a:rPr dirty="0"/>
+              <a:rPr sz="5600" dirty="0">
+                <a:solidFill>
+                  <a:schemeClr val="accent5">
+                    <a:lumMod val="50000"/>
+                  </a:schemeClr>
+                </a:solidFill>
+              </a:rPr>
               <a:t>sit at the table. </a:t>
             </a:r>
-            <a:endParaRPr lang="en-US" dirty="0" smtClean="0"/>
+            <a:endParaRPr lang="en-US" sz="5600" dirty="0" smtClean="0">
+              <a:solidFill>
+                <a:schemeClr val="accent5">
+                  <a:lumMod val="50000"/>
+                </a:schemeClr>
+              </a:solidFill>
+            </a:endParaRPr>
           </a:p>
           <a:p>
             <a:pPr algn="ctr">
@@ -4132,22 +7971,51 @@
               </a:defRPr>
             </a:pPr>
             <a:r>
-              <a:rPr dirty="0" smtClean="0"/>
+              <a:rPr sz="5600" dirty="0" smtClean="0">
+                <a:solidFill>
+                  <a:schemeClr val="accent5">
+                    <a:lumMod val="50000"/>
+                  </a:schemeClr>
+                </a:solidFill>
+              </a:rPr>
               <a:t>Come </a:t>
             </a:r>
             <a:r>
-              <a:rPr dirty="0"/>
+              <a:rPr sz="5600" dirty="0">
+                <a:solidFill>
+                  <a:schemeClr val="accent5">
+                    <a:lumMod val="50000"/>
+                  </a:schemeClr>
+                </a:solidFill>
+              </a:rPr>
               <a:t>taste the </a:t>
             </a:r>
             <a:r>
-              <a:rPr dirty="0" smtClean="0"/>
+              <a:rPr sz="5600" dirty="0" smtClean="0">
+                <a:solidFill>
+                  <a:schemeClr val="accent5">
+                    <a:lumMod val="50000"/>
+                  </a:schemeClr>
+                </a:solidFill>
+              </a:rPr>
               <a:t>grace</a:t>
             </a:r>
-            <a:endParaRPr dirty="0"/>
+            <a:endParaRPr sz="5600" dirty="0">
+              <a:solidFill>
+                <a:schemeClr val="accent5">
+                  <a:lumMod val="50000"/>
+                </a:schemeClr>
+              </a:solidFill>
+            </a:endParaRPr>
           </a:p>
         </p:txBody>
       </p:sp>
     </p:spTree>
+    <p:extLst>
+      <p:ext uri="{BB962C8B-B14F-4D97-AF65-F5344CB8AC3E}">
+        <p14:creationId xmlns:p14="http://schemas.microsoft.com/office/powerpoint/2010/main" val="590342912"/>
+      </p:ext>
+    </p:extLst>
   </p:cSld>
   <p:clrMapOvr>
     <a:masterClrMapping/>
@@ -4217,14 +8085,32 @@
               </a:defRPr>
             </a:pPr>
             <a:r>
-              <a:rPr dirty="0" smtClean="0"/>
+              <a:rPr sz="5600" dirty="0" smtClean="0">
+                <a:solidFill>
+                  <a:schemeClr val="accent5">
+                    <a:lumMod val="50000"/>
+                  </a:schemeClr>
+                </a:solidFill>
+              </a:rPr>
               <a:t>There's </a:t>
             </a:r>
             <a:r>
-              <a:rPr dirty="0"/>
+              <a:rPr sz="5600" dirty="0">
+                <a:solidFill>
+                  <a:schemeClr val="accent5">
+                    <a:lumMod val="50000"/>
+                  </a:schemeClr>
+                </a:solidFill>
+              </a:rPr>
               <a:t>rest for </a:t>
             </a:r>
-            <a:endParaRPr lang="en-US" dirty="0" smtClean="0"/>
+            <a:endParaRPr lang="en-US" sz="5600" dirty="0" smtClean="0">
+              <a:solidFill>
+                <a:schemeClr val="accent5">
+                  <a:lumMod val="50000"/>
+                </a:schemeClr>
+              </a:solidFill>
+            </a:endParaRPr>
           </a:p>
           <a:p>
             <a:pPr algn="ctr">
@@ -4235,14 +8121,32 @@
               </a:defRPr>
             </a:pPr>
             <a:r>
-              <a:rPr dirty="0" smtClean="0"/>
+              <a:rPr sz="5600" dirty="0" smtClean="0">
+                <a:solidFill>
+                  <a:schemeClr val="accent5">
+                    <a:lumMod val="50000"/>
+                  </a:schemeClr>
+                </a:solidFill>
+              </a:rPr>
               <a:t>the </a:t>
             </a:r>
             <a:r>
-              <a:rPr dirty="0"/>
+              <a:rPr sz="5600" dirty="0">
+                <a:solidFill>
+                  <a:schemeClr val="accent5">
+                    <a:lumMod val="50000"/>
+                  </a:schemeClr>
+                </a:solidFill>
+              </a:rPr>
               <a:t>weary. </a:t>
             </a:r>
-            <a:endParaRPr lang="en-US" dirty="0" smtClean="0"/>
+            <a:endParaRPr lang="en-US" sz="5600" dirty="0" smtClean="0">
+              <a:solidFill>
+                <a:schemeClr val="accent5">
+                  <a:lumMod val="50000"/>
+                </a:schemeClr>
+              </a:solidFill>
+            </a:endParaRPr>
           </a:p>
           <a:p>
             <a:pPr algn="ctr">
@@ -4253,14 +8157,32 @@
               </a:defRPr>
             </a:pPr>
             <a:r>
-              <a:rPr dirty="0" smtClean="0"/>
+              <a:rPr sz="5600" dirty="0" smtClean="0">
+                <a:solidFill>
+                  <a:schemeClr val="accent5">
+                    <a:lumMod val="50000"/>
+                  </a:schemeClr>
+                </a:solidFill>
+              </a:rPr>
               <a:t>Rest </a:t>
             </a:r>
             <a:r>
-              <a:rPr dirty="0"/>
+              <a:rPr sz="5600" dirty="0">
+                <a:solidFill>
+                  <a:schemeClr val="accent5">
+                    <a:lumMod val="50000"/>
+                  </a:schemeClr>
+                </a:solidFill>
+              </a:rPr>
               <a:t>that endures. </a:t>
             </a:r>
-            <a:endParaRPr lang="en-US" dirty="0" smtClean="0"/>
+            <a:endParaRPr lang="en-US" sz="5600" dirty="0" smtClean="0">
+              <a:solidFill>
+                <a:schemeClr val="accent5">
+                  <a:lumMod val="50000"/>
+                </a:schemeClr>
+              </a:solidFill>
+            </a:endParaRPr>
           </a:p>
           <a:p>
             <a:pPr algn="ctr">
@@ -4271,14 +8193,32 @@
               </a:defRPr>
             </a:pPr>
             <a:r>
-              <a:rPr dirty="0" smtClean="0"/>
+              <a:rPr sz="5600" dirty="0" smtClean="0">
+                <a:solidFill>
+                  <a:schemeClr val="accent5">
+                    <a:lumMod val="50000"/>
+                  </a:schemeClr>
+                </a:solidFill>
+              </a:rPr>
               <a:t>Earth </a:t>
             </a:r>
             <a:r>
-              <a:rPr dirty="0"/>
+              <a:rPr sz="5600" dirty="0">
+                <a:solidFill>
+                  <a:schemeClr val="accent5">
+                    <a:lumMod val="50000"/>
+                  </a:schemeClr>
+                </a:solidFill>
+              </a:rPr>
               <a:t>has no sorrow. </a:t>
             </a:r>
-            <a:endParaRPr lang="en-US" dirty="0" smtClean="0"/>
+            <a:endParaRPr lang="en-US" sz="5600" dirty="0" smtClean="0">
+              <a:solidFill>
+                <a:schemeClr val="accent5">
+                  <a:lumMod val="50000"/>
+                </a:schemeClr>
+              </a:solidFill>
+            </a:endParaRPr>
           </a:p>
           <a:p>
             <a:pPr algn="ctr">
@@ -4289,11 +8229,23 @@
               </a:defRPr>
             </a:pPr>
             <a:r>
-              <a:rPr dirty="0" smtClean="0"/>
+              <a:rPr sz="5600" dirty="0" smtClean="0">
+                <a:solidFill>
+                  <a:schemeClr val="accent5">
+                    <a:lumMod val="50000"/>
+                  </a:schemeClr>
+                </a:solidFill>
+              </a:rPr>
               <a:t>That </a:t>
             </a:r>
             <a:r>
-              <a:rPr dirty="0"/>
+              <a:rPr sz="5600" dirty="0">
+                <a:solidFill>
+                  <a:schemeClr val="accent5">
+                    <a:lumMod val="50000"/>
+                  </a:schemeClr>
+                </a:solidFill>
+              </a:rPr>
               <a:t>heaven can't cure.</a:t>
             </a:r>
           </a:p>
@@ -4302,7 +8254,7 @@
     </p:spTree>
     <p:extLst>
       <p:ext uri="{BB962C8B-B14F-4D97-AF65-F5344CB8AC3E}">
-        <p14:creationId xmlns:p14="http://schemas.microsoft.com/office/powerpoint/2010/main" val="3005216697"/>
+        <p14:creationId xmlns:p14="http://schemas.microsoft.com/office/powerpoint/2010/main" val="2321566152"/>
       </p:ext>
     </p:extLst>
   </p:cSld>
@@ -4352,8 +8304,8 @@
         </p:nvSpPr>
         <p:spPr>
           <a:xfrm>
-            <a:off x="1989530" y="457200"/>
-            <a:ext cx="5164940" cy="4545924"/>
+            <a:off x="1872299" y="304800"/>
+            <a:ext cx="5164939" cy="5262979"/>
           </a:xfrm>
           <a:prstGeom prst="rect">
             <a:avLst/>
@@ -4368,7 +8320,7 @@
           <a:p>
             <a:pPr algn="ctr">
               <a:lnSpc>
-                <a:spcPts val="7000"/>
+                <a:spcPct val="150000"/>
               </a:lnSpc>
               <a:defRPr sz="5600">
                 <a:solidFill>
@@ -4377,92 +8329,98 @@
               </a:defRPr>
             </a:pPr>
             <a:r>
-              <a:rPr>
-                <a:solidFill>
-                  <a:schemeClr val="accent5">
+              <a:rPr sz="5600" dirty="0">
+                <a:solidFill>
+                  <a:srgbClr val="4BACC6">
                     <a:lumMod val="50000"/>
-                  </a:schemeClr>
+                  </a:srgbClr>
                 </a:solidFill>
               </a:rPr>
               <a:t>Come as you are</a:t>
             </a:r>
             <a:br>
-              <a:rPr>
-                <a:solidFill>
-                  <a:schemeClr val="accent5">
+              <a:rPr sz="5600" dirty="0">
+                <a:solidFill>
+                  <a:srgbClr val="4BACC6">
                     <a:lumMod val="50000"/>
-                  </a:schemeClr>
+                  </a:srgbClr>
                 </a:solidFill>
               </a:rPr>
             </a:br>
             <a:r>
-              <a:rPr>
-                <a:solidFill>
-                  <a:schemeClr val="accent5">
+              <a:rPr sz="5600" dirty="0">
+                <a:solidFill>
+                  <a:srgbClr val="4BACC6">
                     <a:lumMod val="50000"/>
-                  </a:schemeClr>
+                  </a:srgbClr>
                 </a:solidFill>
               </a:rPr>
               <a:t> Come as you are</a:t>
             </a:r>
             <a:br>
-              <a:rPr>
-                <a:solidFill>
-                  <a:schemeClr val="accent5">
+              <a:rPr sz="5600" dirty="0">
+                <a:solidFill>
+                  <a:srgbClr val="4BACC6">
                     <a:lumMod val="50000"/>
-                  </a:schemeClr>
+                  </a:srgbClr>
                 </a:solidFill>
               </a:rPr>
             </a:br>
             <a:r>
-              <a:rPr>
-                <a:solidFill>
-                  <a:schemeClr val="accent5">
+              <a:rPr sz="5600" dirty="0">
+                <a:solidFill>
+                  <a:srgbClr val="4BACC6">
                     <a:lumMod val="50000"/>
-                  </a:schemeClr>
+                  </a:srgbClr>
                 </a:solidFill>
               </a:rPr>
               <a:t> Fall in His arms</a:t>
             </a:r>
             <a:br>
-              <a:rPr>
-                <a:solidFill>
-                  <a:schemeClr val="accent5">
+              <a:rPr sz="5600" dirty="0">
+                <a:solidFill>
+                  <a:srgbClr val="4BACC6">
                     <a:lumMod val="50000"/>
-                  </a:schemeClr>
+                  </a:srgbClr>
                 </a:solidFill>
               </a:rPr>
             </a:br>
             <a:r>
-              <a:rPr>
-                <a:solidFill>
-                  <a:schemeClr val="accent5">
+              <a:rPr sz="5600" dirty="0">
+                <a:solidFill>
+                  <a:srgbClr val="4BACC6">
                     <a:lumMod val="50000"/>
-                  </a:schemeClr>
-                </a:solidFill>
-              </a:rPr>
-              <a:t> Come as you are</a:t>
-            </a:r>
-            <a:br>
-              <a:rPr>
-                <a:solidFill>
-                  <a:schemeClr val="accent5">
+                  </a:srgbClr>
+                </a:solidFill>
+              </a:rPr>
+              <a:t> Come as you </a:t>
+            </a:r>
+            <a:r>
+              <a:rPr sz="5600" dirty="0" smtClean="0">
+                <a:solidFill>
+                  <a:srgbClr val="4BACC6">
                     <a:lumMod val="50000"/>
-                  </a:schemeClr>
-                </a:solidFill>
-              </a:rPr>
-            </a:br>
-            <a:endParaRPr>
-              <a:solidFill>
-                <a:schemeClr val="accent5">
+                  </a:srgbClr>
+                </a:solidFill>
+              </a:rPr>
+              <a:t>are</a:t>
+            </a:r>
+            <a:endParaRPr sz="5600" dirty="0">
+              <a:solidFill>
+                <a:srgbClr val="4BACC6">
                   <a:lumMod val="50000"/>
-                </a:schemeClr>
+                </a:srgbClr>
               </a:solidFill>
             </a:endParaRPr>
           </a:p>
         </p:txBody>
       </p:sp>
     </p:spTree>
+    <p:extLst>
+      <p:ext uri="{BB962C8B-B14F-4D97-AF65-F5344CB8AC3E}">
+        <p14:creationId xmlns:p14="http://schemas.microsoft.com/office/powerpoint/2010/main" val="3646705538"/>
+      </p:ext>
+    </p:extLst>
   </p:cSld>
   <p:clrMapOvr>
     <a:masterClrMapping/>
@@ -4535,130 +8493,135 @@
               </a:defRPr>
             </a:pPr>
             <a:r>
-              <a:rPr dirty="0">
-                <a:solidFill>
-                  <a:schemeClr val="accent5">
+              <a:rPr sz="5600" dirty="0">
+                <a:solidFill>
+                  <a:srgbClr val="4BACC6">
                     <a:lumMod val="50000"/>
-                  </a:schemeClr>
+                  </a:srgbClr>
                 </a:solidFill>
               </a:rPr>
               <a:t>There's joy for the morning</a:t>
             </a:r>
             <a:br>
-              <a:rPr dirty="0">
-                <a:solidFill>
-                  <a:schemeClr val="accent5">
+              <a:rPr sz="5600" dirty="0">
+                <a:solidFill>
+                  <a:srgbClr val="4BACC6">
                     <a:lumMod val="50000"/>
-                  </a:schemeClr>
+                  </a:srgbClr>
                 </a:solidFill>
               </a:rPr>
             </a:br>
             <a:r>
-              <a:rPr dirty="0">
-                <a:solidFill>
-                  <a:schemeClr val="accent5">
+              <a:rPr sz="5600" dirty="0">
+                <a:solidFill>
+                  <a:srgbClr val="4BACC6">
                     <a:lumMod val="50000"/>
-                  </a:schemeClr>
+                  </a:srgbClr>
                 </a:solidFill>
               </a:rPr>
               <a:t> Oh sinner be still</a:t>
             </a:r>
             <a:br>
-              <a:rPr dirty="0">
-                <a:solidFill>
-                  <a:schemeClr val="accent5">
+              <a:rPr sz="5600" dirty="0">
+                <a:solidFill>
+                  <a:srgbClr val="4BACC6">
                     <a:lumMod val="50000"/>
-                  </a:schemeClr>
+                  </a:srgbClr>
                 </a:solidFill>
               </a:rPr>
             </a:br>
             <a:r>
-              <a:rPr dirty="0">
-                <a:solidFill>
-                  <a:schemeClr val="accent5">
+              <a:rPr sz="5600" dirty="0">
+                <a:solidFill>
+                  <a:srgbClr val="4BACC6">
                     <a:lumMod val="50000"/>
-                  </a:schemeClr>
+                  </a:srgbClr>
                 </a:solidFill>
               </a:rPr>
               <a:t> Earth has no sorrow</a:t>
             </a:r>
             <a:br>
-              <a:rPr dirty="0">
-                <a:solidFill>
-                  <a:schemeClr val="accent5">
+              <a:rPr sz="5600" dirty="0">
+                <a:solidFill>
+                  <a:srgbClr val="4BACC6">
                     <a:lumMod val="50000"/>
-                  </a:schemeClr>
+                  </a:srgbClr>
                 </a:solidFill>
               </a:rPr>
             </a:br>
             <a:r>
-              <a:rPr dirty="0">
-                <a:solidFill>
-                  <a:schemeClr val="accent5">
+              <a:rPr sz="5600" dirty="0">
+                <a:solidFill>
+                  <a:srgbClr val="4BACC6">
                     <a:lumMod val="50000"/>
-                  </a:schemeClr>
+                  </a:srgbClr>
                 </a:solidFill>
               </a:rPr>
               <a:t> That heaven can't heal</a:t>
             </a:r>
             <a:br>
-              <a:rPr dirty="0">
-                <a:solidFill>
-                  <a:schemeClr val="accent5">
+              <a:rPr sz="5600" dirty="0">
+                <a:solidFill>
+                  <a:srgbClr val="4BACC6">
                     <a:lumMod val="50000"/>
-                  </a:schemeClr>
+                  </a:srgbClr>
                 </a:solidFill>
               </a:rPr>
             </a:br>
             <a:r>
-              <a:rPr dirty="0">
-                <a:solidFill>
-                  <a:schemeClr val="accent5">
+              <a:rPr sz="5600" dirty="0">
+                <a:solidFill>
+                  <a:srgbClr val="4BACC6">
                     <a:lumMod val="50000"/>
-                  </a:schemeClr>
+                  </a:srgbClr>
                 </a:solidFill>
               </a:rPr>
               <a:t> Earth has no sorrow</a:t>
             </a:r>
             <a:br>
-              <a:rPr dirty="0">
-                <a:solidFill>
-                  <a:schemeClr val="accent5">
+              <a:rPr sz="5600" dirty="0">
+                <a:solidFill>
+                  <a:srgbClr val="4BACC6">
                     <a:lumMod val="50000"/>
-                  </a:schemeClr>
+                  </a:srgbClr>
                 </a:solidFill>
               </a:rPr>
             </a:br>
             <a:r>
-              <a:rPr dirty="0">
-                <a:solidFill>
-                  <a:schemeClr val="accent5">
+              <a:rPr sz="5600" dirty="0">
+                <a:solidFill>
+                  <a:srgbClr val="4BACC6">
                     <a:lumMod val="50000"/>
-                  </a:schemeClr>
+                  </a:srgbClr>
                 </a:solidFill>
               </a:rPr>
               <a:t> That heaven can't heal</a:t>
             </a:r>
             <a:br>
-              <a:rPr dirty="0">
-                <a:solidFill>
-                  <a:schemeClr val="accent5">
+              <a:rPr sz="5600" dirty="0">
+                <a:solidFill>
+                  <a:srgbClr val="4BACC6">
                     <a:lumMod val="50000"/>
-                  </a:schemeClr>
+                  </a:srgbClr>
                 </a:solidFill>
               </a:rPr>
             </a:br>
-            <a:endParaRPr dirty="0">
-              <a:solidFill>
-                <a:schemeClr val="accent5">
+            <a:endParaRPr sz="5600" dirty="0">
+              <a:solidFill>
+                <a:srgbClr val="4BACC6">
                   <a:lumMod val="50000"/>
-                </a:schemeClr>
+                </a:srgbClr>
               </a:solidFill>
             </a:endParaRPr>
           </a:p>
         </p:txBody>
       </p:sp>
     </p:spTree>
+    <p:extLst>
+      <p:ext uri="{BB962C8B-B14F-4D97-AF65-F5344CB8AC3E}">
+        <p14:creationId xmlns:p14="http://schemas.microsoft.com/office/powerpoint/2010/main" val="1362292322"/>
+      </p:ext>
+    </p:extLst>
   </p:cSld>
   <p:clrMapOvr>
     <a:masterClrMapping/>
@@ -4667,6 +8630,326 @@
 </file>
 
 <file path=ppt/theme/theme1.xml><?xml version="1.0" encoding="utf-8"?>
+<a:theme xmlns:a="http://schemas.openxmlformats.org/drawingml/2006/main" name="3_Office Theme">
+  <a:themeElements>
+    <a:clrScheme name="Office">
+      <a:dk1>
+        <a:sysClr val="windowText" lastClr="000000"/>
+      </a:dk1>
+      <a:lt1>
+        <a:sysClr val="window" lastClr="FFFFFF"/>
+      </a:lt1>
+      <a:dk2>
+        <a:srgbClr val="1F497D"/>
+      </a:dk2>
+      <a:lt2>
+        <a:srgbClr val="EEECE1"/>
+      </a:lt2>
+      <a:accent1>
+        <a:srgbClr val="4F81BD"/>
+      </a:accent1>
+      <a:accent2>
+        <a:srgbClr val="C0504D"/>
+      </a:accent2>
+      <a:accent3>
+        <a:srgbClr val="9BBB59"/>
+      </a:accent3>
+      <a:accent4>
+        <a:srgbClr val="8064A2"/>
+      </a:accent4>
+      <a:accent5>
+        <a:srgbClr val="4BACC6"/>
+      </a:accent5>
+      <a:accent6>
+        <a:srgbClr val="F79646"/>
+      </a:accent6>
+      <a:hlink>
+        <a:srgbClr val="0000FF"/>
+      </a:hlink>
+      <a:folHlink>
+        <a:srgbClr val="800080"/>
+      </a:folHlink>
+    </a:clrScheme>
+    <a:fontScheme name="Office">
+      <a:majorFont>
+        <a:latin typeface="Calibri"/>
+        <a:ea typeface=""/>
+        <a:cs typeface=""/>
+        <a:font script="Jpan" typeface="ＭＳ Ｐゴシック"/>
+        <a:font script="Hang" typeface="맑은 고딕"/>
+        <a:font script="Hans" typeface="宋体"/>
+        <a:font script="Hant" typeface="新細明體"/>
+        <a:font script="Arab" typeface="Times New Roman"/>
+        <a:font script="Hebr" typeface="Times New Roman"/>
+        <a:font script="Thai" typeface="Angsana New"/>
+        <a:font script="Ethi" typeface="Nyala"/>
+        <a:font script="Beng" typeface="Vrinda"/>
+        <a:font script="Gujr" typeface="Shruti"/>
+        <a:font script="Khmr" typeface="MoolBoran"/>
+        <a:font script="Knda" typeface="Tunga"/>
+        <a:font script="Guru" typeface="Raavi"/>
+        <a:font script="Cans" typeface="Euphemia"/>
+        <a:font script="Cher" typeface="Plantagenet Cherokee"/>
+        <a:font script="Yiii" typeface="Microsoft Yi Baiti"/>
+        <a:font script="Tibt" typeface="Microsoft Himalaya"/>
+        <a:font script="Thaa" typeface="MV Boli"/>
+        <a:font script="Deva" typeface="Mangal"/>
+        <a:font script="Telu" typeface="Gautami"/>
+        <a:font script="Taml" typeface="Latha"/>
+        <a:font script="Syrc" typeface="Estrangelo Edessa"/>
+        <a:font script="Orya" typeface="Kalinga"/>
+        <a:font script="Mlym" typeface="Kartika"/>
+        <a:font script="Laoo" typeface="DokChampa"/>
+        <a:font script="Sinh" typeface="Iskoola Pota"/>
+        <a:font script="Mong" typeface="Mongolian Baiti"/>
+        <a:font script="Viet" typeface="Times New Roman"/>
+        <a:font script="Uigh" typeface="Microsoft Uighur"/>
+        <a:font script="Geor" typeface="Sylfaen"/>
+      </a:majorFont>
+      <a:minorFont>
+        <a:latin typeface="Calibri"/>
+        <a:ea typeface=""/>
+        <a:cs typeface=""/>
+        <a:font script="Jpan" typeface="ＭＳ Ｐゴシック"/>
+        <a:font script="Hang" typeface="맑은 고딕"/>
+        <a:font script="Hans" typeface="宋体"/>
+        <a:font script="Hant" typeface="新細明體"/>
+        <a:font script="Arab" typeface="Arial"/>
+        <a:font script="Hebr" typeface="Arial"/>
+        <a:font script="Thai" typeface="Cordia New"/>
+        <a:font script="Ethi" typeface="Nyala"/>
+        <a:font script="Beng" typeface="Vrinda"/>
+        <a:font script="Gujr" typeface="Shruti"/>
+        <a:font script="Khmr" typeface="DaunPenh"/>
+        <a:font script="Knda" typeface="Tunga"/>
+        <a:font script="Guru" typeface="Raavi"/>
+        <a:font script="Cans" typeface="Euphemia"/>
+        <a:font script="Cher" typeface="Plantagenet Cherokee"/>
+        <a:font script="Yiii" typeface="Microsoft Yi Baiti"/>
+        <a:font script="Tibt" typeface="Microsoft Himalaya"/>
+        <a:font script="Thaa" typeface="MV Boli"/>
+        <a:font script="Deva" typeface="Mangal"/>
+        <a:font script="Telu" typeface="Gautami"/>
+        <a:font script="Taml" typeface="Latha"/>
+        <a:font script="Syrc" typeface="Estrangelo Edessa"/>
+        <a:font script="Orya" typeface="Kalinga"/>
+        <a:font script="Mlym" typeface="Kartika"/>
+        <a:font script="Laoo" typeface="DokChampa"/>
+        <a:font script="Sinh" typeface="Iskoola Pota"/>
+        <a:font script="Mong" typeface="Mongolian Baiti"/>
+        <a:font script="Viet" typeface="Arial"/>
+        <a:font script="Uigh" typeface="Microsoft Uighur"/>
+        <a:font script="Geor" typeface="Sylfaen"/>
+      </a:minorFont>
+    </a:fontScheme>
+    <a:fmtScheme name="Office">
+      <a:fillStyleLst>
+        <a:solidFill>
+          <a:schemeClr val="phClr"/>
+        </a:solidFill>
+        <a:gradFill rotWithShape="1">
+          <a:gsLst>
+            <a:gs pos="0">
+              <a:schemeClr val="phClr">
+                <a:tint val="50000"/>
+                <a:satMod val="300000"/>
+              </a:schemeClr>
+            </a:gs>
+            <a:gs pos="35000">
+              <a:schemeClr val="phClr">
+                <a:tint val="37000"/>
+                <a:satMod val="300000"/>
+              </a:schemeClr>
+            </a:gs>
+            <a:gs pos="100000">
+              <a:schemeClr val="phClr">
+                <a:tint val="15000"/>
+                <a:satMod val="350000"/>
+              </a:schemeClr>
+            </a:gs>
+          </a:gsLst>
+          <a:lin ang="16200000" scaled="1"/>
+        </a:gradFill>
+        <a:gradFill rotWithShape="1">
+          <a:gsLst>
+            <a:gs pos="0">
+              <a:schemeClr val="phClr">
+                <a:tint val="100000"/>
+                <a:shade val="100000"/>
+                <a:satMod val="130000"/>
+              </a:schemeClr>
+            </a:gs>
+            <a:gs pos="100000">
+              <a:schemeClr val="phClr">
+                <a:tint val="50000"/>
+                <a:shade val="100000"/>
+                <a:satMod val="350000"/>
+              </a:schemeClr>
+            </a:gs>
+          </a:gsLst>
+          <a:lin ang="16200000" scaled="0"/>
+        </a:gradFill>
+      </a:fillStyleLst>
+      <a:lnStyleLst>
+        <a:ln w="9525" cap="flat" cmpd="sng" algn="ctr">
+          <a:solidFill>
+            <a:schemeClr val="phClr">
+              <a:shade val="95000"/>
+              <a:satMod val="105000"/>
+            </a:schemeClr>
+          </a:solidFill>
+          <a:prstDash val="solid"/>
+        </a:ln>
+        <a:ln w="25400" cap="flat" cmpd="sng" algn="ctr">
+          <a:solidFill>
+            <a:schemeClr val="phClr"/>
+          </a:solidFill>
+          <a:prstDash val="solid"/>
+        </a:ln>
+        <a:ln w="38100" cap="flat" cmpd="sng" algn="ctr">
+          <a:solidFill>
+            <a:schemeClr val="phClr"/>
+          </a:solidFill>
+          <a:prstDash val="solid"/>
+        </a:ln>
+      </a:lnStyleLst>
+      <a:effectStyleLst>
+        <a:effectStyle>
+          <a:effectLst>
+            <a:outerShdw blurRad="40000" dist="20000" dir="5400000" rotWithShape="0">
+              <a:srgbClr val="000000">
+                <a:alpha val="38000"/>
+              </a:srgbClr>
+            </a:outerShdw>
+          </a:effectLst>
+        </a:effectStyle>
+        <a:effectStyle>
+          <a:effectLst>
+            <a:outerShdw blurRad="40000" dist="23000" dir="5400000" rotWithShape="0">
+              <a:srgbClr val="000000">
+                <a:alpha val="35000"/>
+              </a:srgbClr>
+            </a:outerShdw>
+          </a:effectLst>
+        </a:effectStyle>
+        <a:effectStyle>
+          <a:effectLst>
+            <a:outerShdw blurRad="40000" dist="23000" dir="5400000" rotWithShape="0">
+              <a:srgbClr val="000000">
+                <a:alpha val="35000"/>
+              </a:srgbClr>
+            </a:outerShdw>
+          </a:effectLst>
+          <a:scene3d>
+            <a:camera prst="orthographicFront">
+              <a:rot lat="0" lon="0" rev="0"/>
+            </a:camera>
+            <a:lightRig rig="threePt" dir="t">
+              <a:rot lat="0" lon="0" rev="1200000"/>
+            </a:lightRig>
+          </a:scene3d>
+          <a:sp3d>
+            <a:bevelT w="63500" h="25400"/>
+          </a:sp3d>
+        </a:effectStyle>
+      </a:effectStyleLst>
+      <a:bgFillStyleLst>
+        <a:solidFill>
+          <a:schemeClr val="phClr"/>
+        </a:solidFill>
+        <a:gradFill rotWithShape="1">
+          <a:gsLst>
+            <a:gs pos="0">
+              <a:schemeClr val="phClr">
+                <a:tint val="40000"/>
+                <a:satMod val="350000"/>
+              </a:schemeClr>
+            </a:gs>
+            <a:gs pos="40000">
+              <a:schemeClr val="phClr">
+                <a:tint val="45000"/>
+                <a:shade val="99000"/>
+                <a:satMod val="350000"/>
+              </a:schemeClr>
+            </a:gs>
+            <a:gs pos="100000">
+              <a:schemeClr val="phClr">
+                <a:shade val="20000"/>
+                <a:satMod val="255000"/>
+              </a:schemeClr>
+            </a:gs>
+          </a:gsLst>
+          <a:path path="circle">
+            <a:fillToRect l="50000" t="-80000" r="50000" b="180000"/>
+          </a:path>
+        </a:gradFill>
+        <a:gradFill rotWithShape="1">
+          <a:gsLst>
+            <a:gs pos="0">
+              <a:schemeClr val="phClr">
+                <a:tint val="80000"/>
+                <a:satMod val="300000"/>
+              </a:schemeClr>
+            </a:gs>
+            <a:gs pos="100000">
+              <a:schemeClr val="phClr">
+                <a:shade val="30000"/>
+                <a:satMod val="200000"/>
+              </a:schemeClr>
+            </a:gs>
+          </a:gsLst>
+          <a:path path="circle">
+            <a:fillToRect l="50000" t="50000" r="50000" b="50000"/>
+          </a:path>
+        </a:gradFill>
+      </a:bgFillStyleLst>
+    </a:fmtScheme>
+  </a:themeElements>
+  <a:objectDefaults>
+    <a:spDef>
+      <a:spPr/>
+      <a:bodyPr/>
+      <a:lstStyle/>
+      <a:style>
+        <a:lnRef idx="1">
+          <a:schemeClr val="accent1"/>
+        </a:lnRef>
+        <a:fillRef idx="3">
+          <a:schemeClr val="accent1"/>
+        </a:fillRef>
+        <a:effectRef idx="2">
+          <a:schemeClr val="accent1"/>
+        </a:effectRef>
+        <a:fontRef idx="minor">
+          <a:schemeClr val="lt1"/>
+        </a:fontRef>
+      </a:style>
+    </a:spDef>
+    <a:lnDef>
+      <a:spPr/>
+      <a:bodyPr/>
+      <a:lstStyle/>
+      <a:style>
+        <a:lnRef idx="2">
+          <a:schemeClr val="accent1"/>
+        </a:lnRef>
+        <a:fillRef idx="0">
+          <a:schemeClr val="accent1"/>
+        </a:fillRef>
+        <a:effectRef idx="1">
+          <a:schemeClr val="accent1"/>
+        </a:effectRef>
+        <a:fontRef idx="minor">
+          <a:schemeClr val="tx1"/>
+        </a:fontRef>
+      </a:style>
+    </a:lnDef>
+  </a:objectDefaults>
+  <a:extraClrSchemeLst/>
+</a:theme>
+</file>
+
+<file path=ppt/theme/theme2.xml><?xml version="1.0" encoding="utf-8"?>
 <a:theme xmlns:a="http://schemas.openxmlformats.org/drawingml/2006/main" name="Office Theme">
   <a:themeElements>
     <a:clrScheme name="Office">
